--- a/JAVASCRIPT - PPT/JAVASCRIPT - workshop.pptx
+++ b/JAVASCRIPT - PPT/JAVASCRIPT - workshop.pptx
@@ -1,22 +1,20 @@
 
 <file path=ppt/presentation.xml><?xml version="1.0" encoding="utf-8"?>
-<p:presentation xmlns:a="http://schemas.openxmlformats.org/drawingml/2006/main" xmlns:r="http://schemas.openxmlformats.org/officeDocument/2006/relationships" xmlns:p="http://schemas.openxmlformats.org/presentationml/2006/main" saveSubsetFonts="1">
+<p:presentation xmlns:a="http://schemas.openxmlformats.org/drawingml/2006/main" xmlns:r="http://schemas.openxmlformats.org/officeDocument/2006/relationships" xmlns:p="http://schemas.openxmlformats.org/presentationml/2006/main">
   <p:sldMasterIdLst>
     <p:sldMasterId id="2147483648" r:id="rId1"/>
   </p:sldMasterIdLst>
   <p:sldIdLst>
-    <p:sldId id="257" r:id="rId2"/>
-    <p:sldId id="278" r:id="rId3"/>
-    <p:sldId id="284" r:id="rId4"/>
-    <p:sldId id="285" r:id="rId5"/>
-    <p:sldId id="286" r:id="rId6"/>
-    <p:sldId id="269" r:id="rId7"/>
-    <p:sldId id="291" r:id="rId8"/>
-    <p:sldId id="296" r:id="rId9"/>
-    <p:sldId id="299" r:id="rId10"/>
-    <p:sldId id="301" r:id="rId11"/>
-    <p:sldId id="302" r:id="rId12"/>
-    <p:sldId id="300" r:id="rId13"/>
+    <p:sldId id="257" r:id="rId3"/>
+    <p:sldId id="278" r:id="rId4"/>
+    <p:sldId id="284" r:id="rId5"/>
+    <p:sldId id="285" r:id="rId6"/>
+    <p:sldId id="291" r:id="rId7"/>
+    <p:sldId id="296" r:id="rId8"/>
+    <p:sldId id="299" r:id="rId9"/>
+    <p:sldId id="301" r:id="rId10"/>
+    <p:sldId id="302" r:id="rId11"/>
+    <p:sldId id="300" r:id="rId12"/>
   </p:sldIdLst>
   <p:sldSz cx="12192000" cy="6858000"/>
   <p:notesSz cx="6858000" cy="9144000"/>
@@ -115,11 +113,6 @@
       </a:defRPr>
     </a:lvl9pPr>
   </p:defaultTextStyle>
-  <p:extLst>
-    <p:ext uri="{EFAFB233-063F-42B5-8137-9DF3F51BA10A}">
-      <p15:sldGuideLst xmlns:p15="http://schemas.microsoft.com/office/powerpoint/2012/main"/>
-    </p:ext>
-  </p:extLst>
 </p:presentation>
 </file>
 
@@ -142,13 +135,7 @@
       </p:grpSpPr>
       <p:sp>
         <p:nvSpPr>
-          <p:cNvPr id="2" name="Title 1">
-            <a:extLst>
-              <a:ext uri="{FF2B5EF4-FFF2-40B4-BE49-F238E27FC236}">
-                <a16:creationId xmlns:a16="http://schemas.microsoft.com/office/drawing/2014/main" id="{B7515892-6542-4BDE-4DB4-EB94B2A294B3}"/>
-              </a:ext>
-            </a:extLst>
-          </p:cNvPr>
+          <p:cNvPr id="2" name="Title 1"/>
           <p:cNvSpPr>
             <a:spLocks noGrp="1"/>
           </p:cNvSpPr>
@@ -180,13 +167,7 @@
       </p:sp>
       <p:sp>
         <p:nvSpPr>
-          <p:cNvPr id="3" name="Subtitle 2">
-            <a:extLst>
-              <a:ext uri="{FF2B5EF4-FFF2-40B4-BE49-F238E27FC236}">
-                <a16:creationId xmlns:a16="http://schemas.microsoft.com/office/drawing/2014/main" id="{E67A9D14-4BA9-B934-AA2C-1B71CE610F35}"/>
-              </a:ext>
-            </a:extLst>
-          </p:cNvPr>
+          <p:cNvPr id="3" name="Subtitle 2"/>
           <p:cNvSpPr>
             <a:spLocks noGrp="1"/>
           </p:cNvSpPr>
@@ -251,13 +232,7 @@
       </p:sp>
       <p:sp>
         <p:nvSpPr>
-          <p:cNvPr id="4" name="Date Placeholder 3">
-            <a:extLst>
-              <a:ext uri="{FF2B5EF4-FFF2-40B4-BE49-F238E27FC236}">
-                <a16:creationId xmlns:a16="http://schemas.microsoft.com/office/drawing/2014/main" id="{8F944437-C573-0BC4-7959-21B3443E3D82}"/>
-              </a:ext>
-            </a:extLst>
-          </p:cNvPr>
+          <p:cNvPr id="4" name="Date Placeholder 3"/>
           <p:cNvSpPr>
             <a:spLocks noGrp="1"/>
           </p:cNvSpPr>
@@ -272,7 +247,6 @@
           <a:p>
             <a:fld id="{19B74646-DC45-4486-A51D-FAC7D43D67F5}" type="datetimeFigureOut">
               <a:rPr lang="en-IN" smtClean="0"/>
-              <a:t>03-02-2024</a:t>
             </a:fld>
             <a:endParaRPr lang="en-IN"/>
           </a:p>
@@ -280,13 +254,7 @@
       </p:sp>
       <p:sp>
         <p:nvSpPr>
-          <p:cNvPr id="5" name="Footer Placeholder 4">
-            <a:extLst>
-              <a:ext uri="{FF2B5EF4-FFF2-40B4-BE49-F238E27FC236}">
-                <a16:creationId xmlns:a16="http://schemas.microsoft.com/office/drawing/2014/main" id="{F440D335-ED1E-3B94-A173-BDEF2420550F}"/>
-              </a:ext>
-            </a:extLst>
-          </p:cNvPr>
+          <p:cNvPr id="5" name="Footer Placeholder 4"/>
           <p:cNvSpPr>
             <a:spLocks noGrp="1"/>
           </p:cNvSpPr>
@@ -305,13 +273,7 @@
       </p:sp>
       <p:sp>
         <p:nvSpPr>
-          <p:cNvPr id="6" name="Slide Number Placeholder 5">
-            <a:extLst>
-              <a:ext uri="{FF2B5EF4-FFF2-40B4-BE49-F238E27FC236}">
-                <a16:creationId xmlns:a16="http://schemas.microsoft.com/office/drawing/2014/main" id="{021CB9AB-7473-7AE1-B1ED-8AFC8D713B69}"/>
-              </a:ext>
-            </a:extLst>
-          </p:cNvPr>
+          <p:cNvPr id="6" name="Slide Number Placeholder 5"/>
           <p:cNvSpPr>
             <a:spLocks noGrp="1"/>
           </p:cNvSpPr>
@@ -326,18 +288,12 @@
           <a:p>
             <a:fld id="{34605B2D-DB9C-4C4D-91A9-1612F99397BC}" type="slidenum">
               <a:rPr lang="en-IN" smtClean="0"/>
-              <a:t>‹#›</a:t>
             </a:fld>
             <a:endParaRPr lang="en-IN"/>
           </a:p>
         </p:txBody>
       </p:sp>
     </p:spTree>
-    <p:extLst>
-      <p:ext uri="{BB962C8B-B14F-4D97-AF65-F5344CB8AC3E}">
-        <p14:creationId xmlns:p14="http://schemas.microsoft.com/office/powerpoint/2010/main" val="3419866026"/>
-      </p:ext>
-    </p:extLst>
   </p:cSld>
   <p:clrMapOvr>
     <a:masterClrMapping/>
@@ -364,13 +320,7 @@
       </p:grpSpPr>
       <p:sp>
         <p:nvSpPr>
-          <p:cNvPr id="2" name="Title 1">
-            <a:extLst>
-              <a:ext uri="{FF2B5EF4-FFF2-40B4-BE49-F238E27FC236}">
-                <a16:creationId xmlns:a16="http://schemas.microsoft.com/office/drawing/2014/main" id="{5EC24E8D-EE20-347B-A9DC-D3C95B07E9DC}"/>
-              </a:ext>
-            </a:extLst>
-          </p:cNvPr>
+          <p:cNvPr id="2" name="Title 1"/>
           <p:cNvSpPr>
             <a:spLocks noGrp="1"/>
           </p:cNvSpPr>
@@ -393,13 +343,7 @@
       </p:sp>
       <p:sp>
         <p:nvSpPr>
-          <p:cNvPr id="3" name="Vertical Text Placeholder 2">
-            <a:extLst>
-              <a:ext uri="{FF2B5EF4-FFF2-40B4-BE49-F238E27FC236}">
-                <a16:creationId xmlns:a16="http://schemas.microsoft.com/office/drawing/2014/main" id="{D644BE9B-D871-5870-3706-D19D483A7481}"/>
-              </a:ext>
-            </a:extLst>
-          </p:cNvPr>
+          <p:cNvPr id="3" name="Vertical Text Placeholder 2"/>
           <p:cNvSpPr>
             <a:spLocks noGrp="1"/>
           </p:cNvSpPr>
@@ -417,6 +361,7 @@
               <a:rPr lang="en-US"/>
               <a:t>Click to edit Master text styles</a:t>
             </a:r>
+            <a:endParaRPr lang="en-US"/>
           </a:p>
           <a:p>
             <a:pPr lvl="1"/>
@@ -424,6 +369,7 @@
               <a:rPr lang="en-US"/>
               <a:t>Second level</a:t>
             </a:r>
+            <a:endParaRPr lang="en-US"/>
           </a:p>
           <a:p>
             <a:pPr lvl="2"/>
@@ -431,6 +377,7 @@
               <a:rPr lang="en-US"/>
               <a:t>Third level</a:t>
             </a:r>
+            <a:endParaRPr lang="en-US"/>
           </a:p>
           <a:p>
             <a:pPr lvl="3"/>
@@ -438,6 +385,7 @@
               <a:rPr lang="en-US"/>
               <a:t>Fourth level</a:t>
             </a:r>
+            <a:endParaRPr lang="en-US"/>
           </a:p>
           <a:p>
             <a:pPr lvl="4"/>
@@ -451,13 +399,7 @@
       </p:sp>
       <p:sp>
         <p:nvSpPr>
-          <p:cNvPr id="4" name="Date Placeholder 3">
-            <a:extLst>
-              <a:ext uri="{FF2B5EF4-FFF2-40B4-BE49-F238E27FC236}">
-                <a16:creationId xmlns:a16="http://schemas.microsoft.com/office/drawing/2014/main" id="{BC0F4B0A-966E-C284-A1CD-73B89DD36DFA}"/>
-              </a:ext>
-            </a:extLst>
-          </p:cNvPr>
+          <p:cNvPr id="4" name="Date Placeholder 3"/>
           <p:cNvSpPr>
             <a:spLocks noGrp="1"/>
           </p:cNvSpPr>
@@ -472,7 +414,6 @@
           <a:p>
             <a:fld id="{19B74646-DC45-4486-A51D-FAC7D43D67F5}" type="datetimeFigureOut">
               <a:rPr lang="en-IN" smtClean="0"/>
-              <a:t>03-02-2024</a:t>
             </a:fld>
             <a:endParaRPr lang="en-IN"/>
           </a:p>
@@ -480,13 +421,7 @@
       </p:sp>
       <p:sp>
         <p:nvSpPr>
-          <p:cNvPr id="5" name="Footer Placeholder 4">
-            <a:extLst>
-              <a:ext uri="{FF2B5EF4-FFF2-40B4-BE49-F238E27FC236}">
-                <a16:creationId xmlns:a16="http://schemas.microsoft.com/office/drawing/2014/main" id="{04B59384-C907-29CD-3DA6-69E2FFFF671B}"/>
-              </a:ext>
-            </a:extLst>
-          </p:cNvPr>
+          <p:cNvPr id="5" name="Footer Placeholder 4"/>
           <p:cNvSpPr>
             <a:spLocks noGrp="1"/>
           </p:cNvSpPr>
@@ -505,13 +440,7 @@
       </p:sp>
       <p:sp>
         <p:nvSpPr>
-          <p:cNvPr id="6" name="Slide Number Placeholder 5">
-            <a:extLst>
-              <a:ext uri="{FF2B5EF4-FFF2-40B4-BE49-F238E27FC236}">
-                <a16:creationId xmlns:a16="http://schemas.microsoft.com/office/drawing/2014/main" id="{B5E66B19-5D9E-2FA1-81E4-4D5140759DDC}"/>
-              </a:ext>
-            </a:extLst>
-          </p:cNvPr>
+          <p:cNvPr id="6" name="Slide Number Placeholder 5"/>
           <p:cNvSpPr>
             <a:spLocks noGrp="1"/>
           </p:cNvSpPr>
@@ -526,18 +455,12 @@
           <a:p>
             <a:fld id="{34605B2D-DB9C-4C4D-91A9-1612F99397BC}" type="slidenum">
               <a:rPr lang="en-IN" smtClean="0"/>
-              <a:t>‹#›</a:t>
             </a:fld>
             <a:endParaRPr lang="en-IN"/>
           </a:p>
         </p:txBody>
       </p:sp>
     </p:spTree>
-    <p:extLst>
-      <p:ext uri="{BB962C8B-B14F-4D97-AF65-F5344CB8AC3E}">
-        <p14:creationId xmlns:p14="http://schemas.microsoft.com/office/powerpoint/2010/main" val="1576442020"/>
-      </p:ext>
-    </p:extLst>
   </p:cSld>
   <p:clrMapOvr>
     <a:masterClrMapping/>
@@ -564,13 +487,7 @@
       </p:grpSpPr>
       <p:sp>
         <p:nvSpPr>
-          <p:cNvPr id="2" name="Vertical Title 1">
-            <a:extLst>
-              <a:ext uri="{FF2B5EF4-FFF2-40B4-BE49-F238E27FC236}">
-                <a16:creationId xmlns:a16="http://schemas.microsoft.com/office/drawing/2014/main" id="{9590A457-FCCE-3DE1-5CBC-BA424891D27D}"/>
-              </a:ext>
-            </a:extLst>
-          </p:cNvPr>
+          <p:cNvPr id="2" name="Vertical Title 1"/>
           <p:cNvSpPr>
             <a:spLocks noGrp="1"/>
           </p:cNvSpPr>
@@ -598,13 +515,7 @@
       </p:sp>
       <p:sp>
         <p:nvSpPr>
-          <p:cNvPr id="3" name="Vertical Text Placeholder 2">
-            <a:extLst>
-              <a:ext uri="{FF2B5EF4-FFF2-40B4-BE49-F238E27FC236}">
-                <a16:creationId xmlns:a16="http://schemas.microsoft.com/office/drawing/2014/main" id="{619A5BEE-34A3-868A-23F3-5BBEB7CD7845}"/>
-              </a:ext>
-            </a:extLst>
-          </p:cNvPr>
+          <p:cNvPr id="3" name="Vertical Text Placeholder 2"/>
           <p:cNvSpPr>
             <a:spLocks noGrp="1"/>
           </p:cNvSpPr>
@@ -627,6 +538,7 @@
               <a:rPr lang="en-US"/>
               <a:t>Click to edit Master text styles</a:t>
             </a:r>
+            <a:endParaRPr lang="en-US"/>
           </a:p>
           <a:p>
             <a:pPr lvl="1"/>
@@ -634,6 +546,7 @@
               <a:rPr lang="en-US"/>
               <a:t>Second level</a:t>
             </a:r>
+            <a:endParaRPr lang="en-US"/>
           </a:p>
           <a:p>
             <a:pPr lvl="2"/>
@@ -641,6 +554,7 @@
               <a:rPr lang="en-US"/>
               <a:t>Third level</a:t>
             </a:r>
+            <a:endParaRPr lang="en-US"/>
           </a:p>
           <a:p>
             <a:pPr lvl="3"/>
@@ -648,6 +562,7 @@
               <a:rPr lang="en-US"/>
               <a:t>Fourth level</a:t>
             </a:r>
+            <a:endParaRPr lang="en-US"/>
           </a:p>
           <a:p>
             <a:pPr lvl="4"/>
@@ -661,13 +576,7 @@
       </p:sp>
       <p:sp>
         <p:nvSpPr>
-          <p:cNvPr id="4" name="Date Placeholder 3">
-            <a:extLst>
-              <a:ext uri="{FF2B5EF4-FFF2-40B4-BE49-F238E27FC236}">
-                <a16:creationId xmlns:a16="http://schemas.microsoft.com/office/drawing/2014/main" id="{5103B842-4BBA-F08C-ECDE-E8BC473DBECF}"/>
-              </a:ext>
-            </a:extLst>
-          </p:cNvPr>
+          <p:cNvPr id="4" name="Date Placeholder 3"/>
           <p:cNvSpPr>
             <a:spLocks noGrp="1"/>
           </p:cNvSpPr>
@@ -682,7 +591,6 @@
           <a:p>
             <a:fld id="{19B74646-DC45-4486-A51D-FAC7D43D67F5}" type="datetimeFigureOut">
               <a:rPr lang="en-IN" smtClean="0"/>
-              <a:t>03-02-2024</a:t>
             </a:fld>
             <a:endParaRPr lang="en-IN"/>
           </a:p>
@@ -690,13 +598,7 @@
       </p:sp>
       <p:sp>
         <p:nvSpPr>
-          <p:cNvPr id="5" name="Footer Placeholder 4">
-            <a:extLst>
-              <a:ext uri="{FF2B5EF4-FFF2-40B4-BE49-F238E27FC236}">
-                <a16:creationId xmlns:a16="http://schemas.microsoft.com/office/drawing/2014/main" id="{179AD47B-A067-2EDB-BE10-78DE521EB52F}"/>
-              </a:ext>
-            </a:extLst>
-          </p:cNvPr>
+          <p:cNvPr id="5" name="Footer Placeholder 4"/>
           <p:cNvSpPr>
             <a:spLocks noGrp="1"/>
           </p:cNvSpPr>
@@ -715,13 +617,7 @@
       </p:sp>
       <p:sp>
         <p:nvSpPr>
-          <p:cNvPr id="6" name="Slide Number Placeholder 5">
-            <a:extLst>
-              <a:ext uri="{FF2B5EF4-FFF2-40B4-BE49-F238E27FC236}">
-                <a16:creationId xmlns:a16="http://schemas.microsoft.com/office/drawing/2014/main" id="{C16CC91B-F76F-2DD1-1B60-230F27921607}"/>
-              </a:ext>
-            </a:extLst>
-          </p:cNvPr>
+          <p:cNvPr id="6" name="Slide Number Placeholder 5"/>
           <p:cNvSpPr>
             <a:spLocks noGrp="1"/>
           </p:cNvSpPr>
@@ -736,18 +632,12 @@
           <a:p>
             <a:fld id="{34605B2D-DB9C-4C4D-91A9-1612F99397BC}" type="slidenum">
               <a:rPr lang="en-IN" smtClean="0"/>
-              <a:t>‹#›</a:t>
             </a:fld>
             <a:endParaRPr lang="en-IN"/>
           </a:p>
         </p:txBody>
       </p:sp>
     </p:spTree>
-    <p:extLst>
-      <p:ext uri="{BB962C8B-B14F-4D97-AF65-F5344CB8AC3E}">
-        <p14:creationId xmlns:p14="http://schemas.microsoft.com/office/powerpoint/2010/main" val="1384623560"/>
-      </p:ext>
-    </p:extLst>
   </p:cSld>
   <p:clrMapOvr>
     <a:masterClrMapping/>
@@ -774,13 +664,7 @@
       </p:grpSpPr>
       <p:sp>
         <p:nvSpPr>
-          <p:cNvPr id="2" name="Title 1">
-            <a:extLst>
-              <a:ext uri="{FF2B5EF4-FFF2-40B4-BE49-F238E27FC236}">
-                <a16:creationId xmlns:a16="http://schemas.microsoft.com/office/drawing/2014/main" id="{8EAEBE1A-9AA7-67C0-7478-891AE6C3D9B4}"/>
-              </a:ext>
-            </a:extLst>
-          </p:cNvPr>
+          <p:cNvPr id="2" name="Title 1"/>
           <p:cNvSpPr>
             <a:spLocks noGrp="1"/>
           </p:cNvSpPr>
@@ -803,13 +687,7 @@
       </p:sp>
       <p:sp>
         <p:nvSpPr>
-          <p:cNvPr id="3" name="Content Placeholder 2">
-            <a:extLst>
-              <a:ext uri="{FF2B5EF4-FFF2-40B4-BE49-F238E27FC236}">
-                <a16:creationId xmlns:a16="http://schemas.microsoft.com/office/drawing/2014/main" id="{5DC9C5C1-ECB1-9647-B8FE-F0CFCC324B66}"/>
-              </a:ext>
-            </a:extLst>
-          </p:cNvPr>
+          <p:cNvPr id="3" name="Content Placeholder 2"/>
           <p:cNvSpPr>
             <a:spLocks noGrp="1"/>
           </p:cNvSpPr>
@@ -827,6 +705,7 @@
               <a:rPr lang="en-US"/>
               <a:t>Click to edit Master text styles</a:t>
             </a:r>
+            <a:endParaRPr lang="en-US"/>
           </a:p>
           <a:p>
             <a:pPr lvl="1"/>
@@ -834,6 +713,7 @@
               <a:rPr lang="en-US"/>
               <a:t>Second level</a:t>
             </a:r>
+            <a:endParaRPr lang="en-US"/>
           </a:p>
           <a:p>
             <a:pPr lvl="2"/>
@@ -841,6 +721,7 @@
               <a:rPr lang="en-US"/>
               <a:t>Third level</a:t>
             </a:r>
+            <a:endParaRPr lang="en-US"/>
           </a:p>
           <a:p>
             <a:pPr lvl="3"/>
@@ -848,6 +729,7 @@
               <a:rPr lang="en-US"/>
               <a:t>Fourth level</a:t>
             </a:r>
+            <a:endParaRPr lang="en-US"/>
           </a:p>
           <a:p>
             <a:pPr lvl="4"/>
@@ -861,13 +743,7 @@
       </p:sp>
       <p:sp>
         <p:nvSpPr>
-          <p:cNvPr id="4" name="Date Placeholder 3">
-            <a:extLst>
-              <a:ext uri="{FF2B5EF4-FFF2-40B4-BE49-F238E27FC236}">
-                <a16:creationId xmlns:a16="http://schemas.microsoft.com/office/drawing/2014/main" id="{DDCFBB70-048F-564E-B960-52026B42AD3F}"/>
-              </a:ext>
-            </a:extLst>
-          </p:cNvPr>
+          <p:cNvPr id="4" name="Date Placeholder 3"/>
           <p:cNvSpPr>
             <a:spLocks noGrp="1"/>
           </p:cNvSpPr>
@@ -882,7 +758,6 @@
           <a:p>
             <a:fld id="{19B74646-DC45-4486-A51D-FAC7D43D67F5}" type="datetimeFigureOut">
               <a:rPr lang="en-IN" smtClean="0"/>
-              <a:t>03-02-2024</a:t>
             </a:fld>
             <a:endParaRPr lang="en-IN"/>
           </a:p>
@@ -890,13 +765,7 @@
       </p:sp>
       <p:sp>
         <p:nvSpPr>
-          <p:cNvPr id="5" name="Footer Placeholder 4">
-            <a:extLst>
-              <a:ext uri="{FF2B5EF4-FFF2-40B4-BE49-F238E27FC236}">
-                <a16:creationId xmlns:a16="http://schemas.microsoft.com/office/drawing/2014/main" id="{190798D5-FBF7-D4F4-9D72-F1E1DD4639F1}"/>
-              </a:ext>
-            </a:extLst>
-          </p:cNvPr>
+          <p:cNvPr id="5" name="Footer Placeholder 4"/>
           <p:cNvSpPr>
             <a:spLocks noGrp="1"/>
           </p:cNvSpPr>
@@ -915,13 +784,7 @@
       </p:sp>
       <p:sp>
         <p:nvSpPr>
-          <p:cNvPr id="6" name="Slide Number Placeholder 5">
-            <a:extLst>
-              <a:ext uri="{FF2B5EF4-FFF2-40B4-BE49-F238E27FC236}">
-                <a16:creationId xmlns:a16="http://schemas.microsoft.com/office/drawing/2014/main" id="{D1434A5B-6BB3-B679-90FE-160175BFE3A1}"/>
-              </a:ext>
-            </a:extLst>
-          </p:cNvPr>
+          <p:cNvPr id="6" name="Slide Number Placeholder 5"/>
           <p:cNvSpPr>
             <a:spLocks noGrp="1"/>
           </p:cNvSpPr>
@@ -936,18 +799,12 @@
           <a:p>
             <a:fld id="{34605B2D-DB9C-4C4D-91A9-1612F99397BC}" type="slidenum">
               <a:rPr lang="en-IN" smtClean="0"/>
-              <a:t>‹#›</a:t>
             </a:fld>
             <a:endParaRPr lang="en-IN"/>
           </a:p>
         </p:txBody>
       </p:sp>
     </p:spTree>
-    <p:extLst>
-      <p:ext uri="{BB962C8B-B14F-4D97-AF65-F5344CB8AC3E}">
-        <p14:creationId xmlns:p14="http://schemas.microsoft.com/office/powerpoint/2010/main" val="4005288021"/>
-      </p:ext>
-    </p:extLst>
   </p:cSld>
   <p:clrMapOvr>
     <a:masterClrMapping/>
@@ -974,13 +831,7 @@
       </p:grpSpPr>
       <p:sp>
         <p:nvSpPr>
-          <p:cNvPr id="2" name="Title 1">
-            <a:extLst>
-              <a:ext uri="{FF2B5EF4-FFF2-40B4-BE49-F238E27FC236}">
-                <a16:creationId xmlns:a16="http://schemas.microsoft.com/office/drawing/2014/main" id="{F96440BB-ED80-74EC-834B-B6D71E0C78CD}"/>
-              </a:ext>
-            </a:extLst>
-          </p:cNvPr>
+          <p:cNvPr id="2" name="Title 1"/>
           <p:cNvSpPr>
             <a:spLocks noGrp="1"/>
           </p:cNvSpPr>
@@ -1012,13 +863,7 @@
       </p:sp>
       <p:sp>
         <p:nvSpPr>
-          <p:cNvPr id="3" name="Text Placeholder 2">
-            <a:extLst>
-              <a:ext uri="{FF2B5EF4-FFF2-40B4-BE49-F238E27FC236}">
-                <a16:creationId xmlns:a16="http://schemas.microsoft.com/office/drawing/2014/main" id="{48D8CAFF-2BF7-55F9-89D3-8F7D17506C1B}"/>
-              </a:ext>
-            </a:extLst>
-          </p:cNvPr>
+          <p:cNvPr id="3" name="Text Placeholder 2"/>
           <p:cNvSpPr>
             <a:spLocks noGrp="1"/>
           </p:cNvSpPr>
@@ -1132,18 +977,13 @@
               <a:rPr lang="en-US"/>
               <a:t>Click to edit Master text styles</a:t>
             </a:r>
+            <a:endParaRPr lang="en-US"/>
           </a:p>
         </p:txBody>
       </p:sp>
       <p:sp>
         <p:nvSpPr>
-          <p:cNvPr id="4" name="Date Placeholder 3">
-            <a:extLst>
-              <a:ext uri="{FF2B5EF4-FFF2-40B4-BE49-F238E27FC236}">
-                <a16:creationId xmlns:a16="http://schemas.microsoft.com/office/drawing/2014/main" id="{617AC661-780A-30B1-46BB-48612CB44042}"/>
-              </a:ext>
-            </a:extLst>
-          </p:cNvPr>
+          <p:cNvPr id="4" name="Date Placeholder 3"/>
           <p:cNvSpPr>
             <a:spLocks noGrp="1"/>
           </p:cNvSpPr>
@@ -1158,7 +998,6 @@
           <a:p>
             <a:fld id="{19B74646-DC45-4486-A51D-FAC7D43D67F5}" type="datetimeFigureOut">
               <a:rPr lang="en-IN" smtClean="0"/>
-              <a:t>03-02-2024</a:t>
             </a:fld>
             <a:endParaRPr lang="en-IN"/>
           </a:p>
@@ -1166,13 +1005,7 @@
       </p:sp>
       <p:sp>
         <p:nvSpPr>
-          <p:cNvPr id="5" name="Footer Placeholder 4">
-            <a:extLst>
-              <a:ext uri="{FF2B5EF4-FFF2-40B4-BE49-F238E27FC236}">
-                <a16:creationId xmlns:a16="http://schemas.microsoft.com/office/drawing/2014/main" id="{F26B0238-2644-CB85-0369-21EDF48AC0A4}"/>
-              </a:ext>
-            </a:extLst>
-          </p:cNvPr>
+          <p:cNvPr id="5" name="Footer Placeholder 4"/>
           <p:cNvSpPr>
             <a:spLocks noGrp="1"/>
           </p:cNvSpPr>
@@ -1191,13 +1024,7 @@
       </p:sp>
       <p:sp>
         <p:nvSpPr>
-          <p:cNvPr id="6" name="Slide Number Placeholder 5">
-            <a:extLst>
-              <a:ext uri="{FF2B5EF4-FFF2-40B4-BE49-F238E27FC236}">
-                <a16:creationId xmlns:a16="http://schemas.microsoft.com/office/drawing/2014/main" id="{F86388B1-666C-34EB-B629-4F37E05FEF0B}"/>
-              </a:ext>
-            </a:extLst>
-          </p:cNvPr>
+          <p:cNvPr id="6" name="Slide Number Placeholder 5"/>
           <p:cNvSpPr>
             <a:spLocks noGrp="1"/>
           </p:cNvSpPr>
@@ -1212,18 +1039,12 @@
           <a:p>
             <a:fld id="{34605B2D-DB9C-4C4D-91A9-1612F99397BC}" type="slidenum">
               <a:rPr lang="en-IN" smtClean="0"/>
-              <a:t>‹#›</a:t>
             </a:fld>
             <a:endParaRPr lang="en-IN"/>
           </a:p>
         </p:txBody>
       </p:sp>
     </p:spTree>
-    <p:extLst>
-      <p:ext uri="{BB962C8B-B14F-4D97-AF65-F5344CB8AC3E}">
-        <p14:creationId xmlns:p14="http://schemas.microsoft.com/office/powerpoint/2010/main" val="2520639877"/>
-      </p:ext>
-    </p:extLst>
   </p:cSld>
   <p:clrMapOvr>
     <a:masterClrMapping/>
@@ -1250,13 +1071,7 @@
       </p:grpSpPr>
       <p:sp>
         <p:nvSpPr>
-          <p:cNvPr id="2" name="Title 1">
-            <a:extLst>
-              <a:ext uri="{FF2B5EF4-FFF2-40B4-BE49-F238E27FC236}">
-                <a16:creationId xmlns:a16="http://schemas.microsoft.com/office/drawing/2014/main" id="{3F47CF61-8D16-D637-D045-981B23D83251}"/>
-              </a:ext>
-            </a:extLst>
-          </p:cNvPr>
+          <p:cNvPr id="2" name="Title 1"/>
           <p:cNvSpPr>
             <a:spLocks noGrp="1"/>
           </p:cNvSpPr>
@@ -1279,13 +1094,7 @@
       </p:sp>
       <p:sp>
         <p:nvSpPr>
-          <p:cNvPr id="3" name="Content Placeholder 2">
-            <a:extLst>
-              <a:ext uri="{FF2B5EF4-FFF2-40B4-BE49-F238E27FC236}">
-                <a16:creationId xmlns:a16="http://schemas.microsoft.com/office/drawing/2014/main" id="{C44F99A5-BD30-C4D5-3E78-96DA3B9F3C08}"/>
-              </a:ext>
-            </a:extLst>
-          </p:cNvPr>
+          <p:cNvPr id="3" name="Content Placeholder 2"/>
           <p:cNvSpPr>
             <a:spLocks noGrp="1"/>
           </p:cNvSpPr>
@@ -1308,6 +1117,7 @@
               <a:rPr lang="en-US"/>
               <a:t>Click to edit Master text styles</a:t>
             </a:r>
+            <a:endParaRPr lang="en-US"/>
           </a:p>
           <a:p>
             <a:pPr lvl="1"/>
@@ -1315,6 +1125,7 @@
               <a:rPr lang="en-US"/>
               <a:t>Second level</a:t>
             </a:r>
+            <a:endParaRPr lang="en-US"/>
           </a:p>
           <a:p>
             <a:pPr lvl="2"/>
@@ -1322,6 +1133,7 @@
               <a:rPr lang="en-US"/>
               <a:t>Third level</a:t>
             </a:r>
+            <a:endParaRPr lang="en-US"/>
           </a:p>
           <a:p>
             <a:pPr lvl="3"/>
@@ -1329,6 +1141,7 @@
               <a:rPr lang="en-US"/>
               <a:t>Fourth level</a:t>
             </a:r>
+            <a:endParaRPr lang="en-US"/>
           </a:p>
           <a:p>
             <a:pPr lvl="4"/>
@@ -1342,13 +1155,7 @@
       </p:sp>
       <p:sp>
         <p:nvSpPr>
-          <p:cNvPr id="4" name="Content Placeholder 3">
-            <a:extLst>
-              <a:ext uri="{FF2B5EF4-FFF2-40B4-BE49-F238E27FC236}">
-                <a16:creationId xmlns:a16="http://schemas.microsoft.com/office/drawing/2014/main" id="{7EC0387C-15A0-58A7-8979-2AF4663B3773}"/>
-              </a:ext>
-            </a:extLst>
-          </p:cNvPr>
+          <p:cNvPr id="4" name="Content Placeholder 3"/>
           <p:cNvSpPr>
             <a:spLocks noGrp="1"/>
           </p:cNvSpPr>
@@ -1371,6 +1178,7 @@
               <a:rPr lang="en-US"/>
               <a:t>Click to edit Master text styles</a:t>
             </a:r>
+            <a:endParaRPr lang="en-US"/>
           </a:p>
           <a:p>
             <a:pPr lvl="1"/>
@@ -1378,6 +1186,7 @@
               <a:rPr lang="en-US"/>
               <a:t>Second level</a:t>
             </a:r>
+            <a:endParaRPr lang="en-US"/>
           </a:p>
           <a:p>
             <a:pPr lvl="2"/>
@@ -1385,6 +1194,7 @@
               <a:rPr lang="en-US"/>
               <a:t>Third level</a:t>
             </a:r>
+            <a:endParaRPr lang="en-US"/>
           </a:p>
           <a:p>
             <a:pPr lvl="3"/>
@@ -1392,6 +1202,7 @@
               <a:rPr lang="en-US"/>
               <a:t>Fourth level</a:t>
             </a:r>
+            <a:endParaRPr lang="en-US"/>
           </a:p>
           <a:p>
             <a:pPr lvl="4"/>
@@ -1405,13 +1216,7 @@
       </p:sp>
       <p:sp>
         <p:nvSpPr>
-          <p:cNvPr id="5" name="Date Placeholder 4">
-            <a:extLst>
-              <a:ext uri="{FF2B5EF4-FFF2-40B4-BE49-F238E27FC236}">
-                <a16:creationId xmlns:a16="http://schemas.microsoft.com/office/drawing/2014/main" id="{C9D66951-5549-B05F-3F58-39AC52B69FB0}"/>
-              </a:ext>
-            </a:extLst>
-          </p:cNvPr>
+          <p:cNvPr id="5" name="Date Placeholder 4"/>
           <p:cNvSpPr>
             <a:spLocks noGrp="1"/>
           </p:cNvSpPr>
@@ -1426,7 +1231,6 @@
           <a:p>
             <a:fld id="{19B74646-DC45-4486-A51D-FAC7D43D67F5}" type="datetimeFigureOut">
               <a:rPr lang="en-IN" smtClean="0"/>
-              <a:t>03-02-2024</a:t>
             </a:fld>
             <a:endParaRPr lang="en-IN"/>
           </a:p>
@@ -1434,13 +1238,7 @@
       </p:sp>
       <p:sp>
         <p:nvSpPr>
-          <p:cNvPr id="6" name="Footer Placeholder 5">
-            <a:extLst>
-              <a:ext uri="{FF2B5EF4-FFF2-40B4-BE49-F238E27FC236}">
-                <a16:creationId xmlns:a16="http://schemas.microsoft.com/office/drawing/2014/main" id="{2BB165D0-6FE9-49B0-7A0C-937439700E02}"/>
-              </a:ext>
-            </a:extLst>
-          </p:cNvPr>
+          <p:cNvPr id="6" name="Footer Placeholder 5"/>
           <p:cNvSpPr>
             <a:spLocks noGrp="1"/>
           </p:cNvSpPr>
@@ -1459,13 +1257,7 @@
       </p:sp>
       <p:sp>
         <p:nvSpPr>
-          <p:cNvPr id="7" name="Slide Number Placeholder 6">
-            <a:extLst>
-              <a:ext uri="{FF2B5EF4-FFF2-40B4-BE49-F238E27FC236}">
-                <a16:creationId xmlns:a16="http://schemas.microsoft.com/office/drawing/2014/main" id="{65CD78E2-D260-A42C-D76E-44D43FA2B34B}"/>
-              </a:ext>
-            </a:extLst>
-          </p:cNvPr>
+          <p:cNvPr id="7" name="Slide Number Placeholder 6"/>
           <p:cNvSpPr>
             <a:spLocks noGrp="1"/>
           </p:cNvSpPr>
@@ -1480,18 +1272,12 @@
           <a:p>
             <a:fld id="{34605B2D-DB9C-4C4D-91A9-1612F99397BC}" type="slidenum">
               <a:rPr lang="en-IN" smtClean="0"/>
-              <a:t>‹#›</a:t>
             </a:fld>
             <a:endParaRPr lang="en-IN"/>
           </a:p>
         </p:txBody>
       </p:sp>
     </p:spTree>
-    <p:extLst>
-      <p:ext uri="{BB962C8B-B14F-4D97-AF65-F5344CB8AC3E}">
-        <p14:creationId xmlns:p14="http://schemas.microsoft.com/office/powerpoint/2010/main" val="353395518"/>
-      </p:ext>
-    </p:extLst>
   </p:cSld>
   <p:clrMapOvr>
     <a:masterClrMapping/>
@@ -1518,13 +1304,7 @@
       </p:grpSpPr>
       <p:sp>
         <p:nvSpPr>
-          <p:cNvPr id="2" name="Title 1">
-            <a:extLst>
-              <a:ext uri="{FF2B5EF4-FFF2-40B4-BE49-F238E27FC236}">
-                <a16:creationId xmlns:a16="http://schemas.microsoft.com/office/drawing/2014/main" id="{B9447A13-D0F4-3DFB-CC3A-12EDBFBBBBB0}"/>
-              </a:ext>
-            </a:extLst>
-          </p:cNvPr>
+          <p:cNvPr id="2" name="Title 1"/>
           <p:cNvSpPr>
             <a:spLocks noGrp="1"/>
           </p:cNvSpPr>
@@ -1552,13 +1332,7 @@
       </p:sp>
       <p:sp>
         <p:nvSpPr>
-          <p:cNvPr id="3" name="Text Placeholder 2">
-            <a:extLst>
-              <a:ext uri="{FF2B5EF4-FFF2-40B4-BE49-F238E27FC236}">
-                <a16:creationId xmlns:a16="http://schemas.microsoft.com/office/drawing/2014/main" id="{5AE4DA8D-A3A2-9F31-F80B-A9A569FEA908}"/>
-              </a:ext>
-            </a:extLst>
-          </p:cNvPr>
+          <p:cNvPr id="3" name="Text Placeholder 2"/>
           <p:cNvSpPr>
             <a:spLocks noGrp="1"/>
           </p:cNvSpPr>
@@ -1618,18 +1392,13 @@
               <a:rPr lang="en-US"/>
               <a:t>Click to edit Master text styles</a:t>
             </a:r>
+            <a:endParaRPr lang="en-US"/>
           </a:p>
         </p:txBody>
       </p:sp>
       <p:sp>
         <p:nvSpPr>
-          <p:cNvPr id="4" name="Content Placeholder 3">
-            <a:extLst>
-              <a:ext uri="{FF2B5EF4-FFF2-40B4-BE49-F238E27FC236}">
-                <a16:creationId xmlns:a16="http://schemas.microsoft.com/office/drawing/2014/main" id="{74E28FA2-5EE0-8C19-E60B-7D95FFCCE67D}"/>
-              </a:ext>
-            </a:extLst>
-          </p:cNvPr>
+          <p:cNvPr id="4" name="Content Placeholder 3"/>
           <p:cNvSpPr>
             <a:spLocks noGrp="1"/>
           </p:cNvSpPr>
@@ -1652,6 +1421,7 @@
               <a:rPr lang="en-US"/>
               <a:t>Click to edit Master text styles</a:t>
             </a:r>
+            <a:endParaRPr lang="en-US"/>
           </a:p>
           <a:p>
             <a:pPr lvl="1"/>
@@ -1659,6 +1429,7 @@
               <a:rPr lang="en-US"/>
               <a:t>Second level</a:t>
             </a:r>
+            <a:endParaRPr lang="en-US"/>
           </a:p>
           <a:p>
             <a:pPr lvl="2"/>
@@ -1666,6 +1437,7 @@
               <a:rPr lang="en-US"/>
               <a:t>Third level</a:t>
             </a:r>
+            <a:endParaRPr lang="en-US"/>
           </a:p>
           <a:p>
             <a:pPr lvl="3"/>
@@ -1673,6 +1445,7 @@
               <a:rPr lang="en-US"/>
               <a:t>Fourth level</a:t>
             </a:r>
+            <a:endParaRPr lang="en-US"/>
           </a:p>
           <a:p>
             <a:pPr lvl="4"/>
@@ -1686,13 +1459,7 @@
       </p:sp>
       <p:sp>
         <p:nvSpPr>
-          <p:cNvPr id="5" name="Text Placeholder 4">
-            <a:extLst>
-              <a:ext uri="{FF2B5EF4-FFF2-40B4-BE49-F238E27FC236}">
-                <a16:creationId xmlns:a16="http://schemas.microsoft.com/office/drawing/2014/main" id="{71EE8CE4-D3F1-DCF4-39D1-B59D4DBF5403}"/>
-              </a:ext>
-            </a:extLst>
-          </p:cNvPr>
+          <p:cNvPr id="5" name="Text Placeholder 4"/>
           <p:cNvSpPr>
             <a:spLocks noGrp="1"/>
           </p:cNvSpPr>
@@ -1752,18 +1519,13 @@
               <a:rPr lang="en-US"/>
               <a:t>Click to edit Master text styles</a:t>
             </a:r>
+            <a:endParaRPr lang="en-US"/>
           </a:p>
         </p:txBody>
       </p:sp>
       <p:sp>
         <p:nvSpPr>
-          <p:cNvPr id="6" name="Content Placeholder 5">
-            <a:extLst>
-              <a:ext uri="{FF2B5EF4-FFF2-40B4-BE49-F238E27FC236}">
-                <a16:creationId xmlns:a16="http://schemas.microsoft.com/office/drawing/2014/main" id="{49D870DA-6BF0-3368-8DF1-E42829625787}"/>
-              </a:ext>
-            </a:extLst>
-          </p:cNvPr>
+          <p:cNvPr id="6" name="Content Placeholder 5"/>
           <p:cNvSpPr>
             <a:spLocks noGrp="1"/>
           </p:cNvSpPr>
@@ -1786,6 +1548,7 @@
               <a:rPr lang="en-US"/>
               <a:t>Click to edit Master text styles</a:t>
             </a:r>
+            <a:endParaRPr lang="en-US"/>
           </a:p>
           <a:p>
             <a:pPr lvl="1"/>
@@ -1793,6 +1556,7 @@
               <a:rPr lang="en-US"/>
               <a:t>Second level</a:t>
             </a:r>
+            <a:endParaRPr lang="en-US"/>
           </a:p>
           <a:p>
             <a:pPr lvl="2"/>
@@ -1800,6 +1564,7 @@
               <a:rPr lang="en-US"/>
               <a:t>Third level</a:t>
             </a:r>
+            <a:endParaRPr lang="en-US"/>
           </a:p>
           <a:p>
             <a:pPr lvl="3"/>
@@ -1807,6 +1572,7 @@
               <a:rPr lang="en-US"/>
               <a:t>Fourth level</a:t>
             </a:r>
+            <a:endParaRPr lang="en-US"/>
           </a:p>
           <a:p>
             <a:pPr lvl="4"/>
@@ -1820,13 +1586,7 @@
       </p:sp>
       <p:sp>
         <p:nvSpPr>
-          <p:cNvPr id="7" name="Date Placeholder 6">
-            <a:extLst>
-              <a:ext uri="{FF2B5EF4-FFF2-40B4-BE49-F238E27FC236}">
-                <a16:creationId xmlns:a16="http://schemas.microsoft.com/office/drawing/2014/main" id="{5ADBC4A3-9497-D095-1B5A-133700DA9FC4}"/>
-              </a:ext>
-            </a:extLst>
-          </p:cNvPr>
+          <p:cNvPr id="7" name="Date Placeholder 6"/>
           <p:cNvSpPr>
             <a:spLocks noGrp="1"/>
           </p:cNvSpPr>
@@ -1841,7 +1601,6 @@
           <a:p>
             <a:fld id="{19B74646-DC45-4486-A51D-FAC7D43D67F5}" type="datetimeFigureOut">
               <a:rPr lang="en-IN" smtClean="0"/>
-              <a:t>03-02-2024</a:t>
             </a:fld>
             <a:endParaRPr lang="en-IN"/>
           </a:p>
@@ -1849,13 +1608,7 @@
       </p:sp>
       <p:sp>
         <p:nvSpPr>
-          <p:cNvPr id="8" name="Footer Placeholder 7">
-            <a:extLst>
-              <a:ext uri="{FF2B5EF4-FFF2-40B4-BE49-F238E27FC236}">
-                <a16:creationId xmlns:a16="http://schemas.microsoft.com/office/drawing/2014/main" id="{F06D93AD-2102-2260-8DA0-638CF81E1A3D}"/>
-              </a:ext>
-            </a:extLst>
-          </p:cNvPr>
+          <p:cNvPr id="8" name="Footer Placeholder 7"/>
           <p:cNvSpPr>
             <a:spLocks noGrp="1"/>
           </p:cNvSpPr>
@@ -1874,13 +1627,7 @@
       </p:sp>
       <p:sp>
         <p:nvSpPr>
-          <p:cNvPr id="9" name="Slide Number Placeholder 8">
-            <a:extLst>
-              <a:ext uri="{FF2B5EF4-FFF2-40B4-BE49-F238E27FC236}">
-                <a16:creationId xmlns:a16="http://schemas.microsoft.com/office/drawing/2014/main" id="{54CFA801-5CB4-5E33-0292-968E01A16E6D}"/>
-              </a:ext>
-            </a:extLst>
-          </p:cNvPr>
+          <p:cNvPr id="9" name="Slide Number Placeholder 8"/>
           <p:cNvSpPr>
             <a:spLocks noGrp="1"/>
           </p:cNvSpPr>
@@ -1895,18 +1642,12 @@
           <a:p>
             <a:fld id="{34605B2D-DB9C-4C4D-91A9-1612F99397BC}" type="slidenum">
               <a:rPr lang="en-IN" smtClean="0"/>
-              <a:t>‹#›</a:t>
             </a:fld>
             <a:endParaRPr lang="en-IN"/>
           </a:p>
         </p:txBody>
       </p:sp>
     </p:spTree>
-    <p:extLst>
-      <p:ext uri="{BB962C8B-B14F-4D97-AF65-F5344CB8AC3E}">
-        <p14:creationId xmlns:p14="http://schemas.microsoft.com/office/powerpoint/2010/main" val="501556232"/>
-      </p:ext>
-    </p:extLst>
   </p:cSld>
   <p:clrMapOvr>
     <a:masterClrMapping/>
@@ -1933,13 +1674,7 @@
       </p:grpSpPr>
       <p:sp>
         <p:nvSpPr>
-          <p:cNvPr id="2" name="Title 1">
-            <a:extLst>
-              <a:ext uri="{FF2B5EF4-FFF2-40B4-BE49-F238E27FC236}">
-                <a16:creationId xmlns:a16="http://schemas.microsoft.com/office/drawing/2014/main" id="{59305391-5370-FBBC-E10E-97CB9B0C3B73}"/>
-              </a:ext>
-            </a:extLst>
-          </p:cNvPr>
+          <p:cNvPr id="2" name="Title 1"/>
           <p:cNvSpPr>
             <a:spLocks noGrp="1"/>
           </p:cNvSpPr>
@@ -1962,13 +1697,7 @@
       </p:sp>
       <p:sp>
         <p:nvSpPr>
-          <p:cNvPr id="3" name="Date Placeholder 2">
-            <a:extLst>
-              <a:ext uri="{FF2B5EF4-FFF2-40B4-BE49-F238E27FC236}">
-                <a16:creationId xmlns:a16="http://schemas.microsoft.com/office/drawing/2014/main" id="{A7DABBEB-D18E-7D3D-130A-93604B40D97A}"/>
-              </a:ext>
-            </a:extLst>
-          </p:cNvPr>
+          <p:cNvPr id="3" name="Date Placeholder 2"/>
           <p:cNvSpPr>
             <a:spLocks noGrp="1"/>
           </p:cNvSpPr>
@@ -1983,7 +1712,6 @@
           <a:p>
             <a:fld id="{19B74646-DC45-4486-A51D-FAC7D43D67F5}" type="datetimeFigureOut">
               <a:rPr lang="en-IN" smtClean="0"/>
-              <a:t>03-02-2024</a:t>
             </a:fld>
             <a:endParaRPr lang="en-IN"/>
           </a:p>
@@ -1991,13 +1719,7 @@
       </p:sp>
       <p:sp>
         <p:nvSpPr>
-          <p:cNvPr id="4" name="Footer Placeholder 3">
-            <a:extLst>
-              <a:ext uri="{FF2B5EF4-FFF2-40B4-BE49-F238E27FC236}">
-                <a16:creationId xmlns:a16="http://schemas.microsoft.com/office/drawing/2014/main" id="{9DBFB14E-5742-09C4-F723-F6009F22FBB7}"/>
-              </a:ext>
-            </a:extLst>
-          </p:cNvPr>
+          <p:cNvPr id="4" name="Footer Placeholder 3"/>
           <p:cNvSpPr>
             <a:spLocks noGrp="1"/>
           </p:cNvSpPr>
@@ -2016,13 +1738,7 @@
       </p:sp>
       <p:sp>
         <p:nvSpPr>
-          <p:cNvPr id="5" name="Slide Number Placeholder 4">
-            <a:extLst>
-              <a:ext uri="{FF2B5EF4-FFF2-40B4-BE49-F238E27FC236}">
-                <a16:creationId xmlns:a16="http://schemas.microsoft.com/office/drawing/2014/main" id="{374D590E-8771-68A7-0FF1-EA5037F9276F}"/>
-              </a:ext>
-            </a:extLst>
-          </p:cNvPr>
+          <p:cNvPr id="5" name="Slide Number Placeholder 4"/>
           <p:cNvSpPr>
             <a:spLocks noGrp="1"/>
           </p:cNvSpPr>
@@ -2037,18 +1753,12 @@
           <a:p>
             <a:fld id="{34605B2D-DB9C-4C4D-91A9-1612F99397BC}" type="slidenum">
               <a:rPr lang="en-IN" smtClean="0"/>
-              <a:t>‹#›</a:t>
             </a:fld>
             <a:endParaRPr lang="en-IN"/>
           </a:p>
         </p:txBody>
       </p:sp>
     </p:spTree>
-    <p:extLst>
-      <p:ext uri="{BB962C8B-B14F-4D97-AF65-F5344CB8AC3E}">
-        <p14:creationId xmlns:p14="http://schemas.microsoft.com/office/powerpoint/2010/main" val="1696063833"/>
-      </p:ext>
-    </p:extLst>
   </p:cSld>
   <p:clrMapOvr>
     <a:masterClrMapping/>
@@ -2075,13 +1785,7 @@
       </p:grpSpPr>
       <p:sp>
         <p:nvSpPr>
-          <p:cNvPr id="2" name="Date Placeholder 1">
-            <a:extLst>
-              <a:ext uri="{FF2B5EF4-FFF2-40B4-BE49-F238E27FC236}">
-                <a16:creationId xmlns:a16="http://schemas.microsoft.com/office/drawing/2014/main" id="{2CB45BF9-5190-9015-6F31-445454CE7888}"/>
-              </a:ext>
-            </a:extLst>
-          </p:cNvPr>
+          <p:cNvPr id="2" name="Date Placeholder 1"/>
           <p:cNvSpPr>
             <a:spLocks noGrp="1"/>
           </p:cNvSpPr>
@@ -2096,7 +1800,6 @@
           <a:p>
             <a:fld id="{19B74646-DC45-4486-A51D-FAC7D43D67F5}" type="datetimeFigureOut">
               <a:rPr lang="en-IN" smtClean="0"/>
-              <a:t>03-02-2024</a:t>
             </a:fld>
             <a:endParaRPr lang="en-IN"/>
           </a:p>
@@ -2104,13 +1807,7 @@
       </p:sp>
       <p:sp>
         <p:nvSpPr>
-          <p:cNvPr id="3" name="Footer Placeholder 2">
-            <a:extLst>
-              <a:ext uri="{FF2B5EF4-FFF2-40B4-BE49-F238E27FC236}">
-                <a16:creationId xmlns:a16="http://schemas.microsoft.com/office/drawing/2014/main" id="{30474AC3-27C2-A9CA-ED8B-9E92A142D049}"/>
-              </a:ext>
-            </a:extLst>
-          </p:cNvPr>
+          <p:cNvPr id="3" name="Footer Placeholder 2"/>
           <p:cNvSpPr>
             <a:spLocks noGrp="1"/>
           </p:cNvSpPr>
@@ -2129,13 +1826,7 @@
       </p:sp>
       <p:sp>
         <p:nvSpPr>
-          <p:cNvPr id="4" name="Slide Number Placeholder 3">
-            <a:extLst>
-              <a:ext uri="{FF2B5EF4-FFF2-40B4-BE49-F238E27FC236}">
-                <a16:creationId xmlns:a16="http://schemas.microsoft.com/office/drawing/2014/main" id="{ACDF7D91-D820-22C2-86DF-ECC14647DA04}"/>
-              </a:ext>
-            </a:extLst>
-          </p:cNvPr>
+          <p:cNvPr id="4" name="Slide Number Placeholder 3"/>
           <p:cNvSpPr>
             <a:spLocks noGrp="1"/>
           </p:cNvSpPr>
@@ -2150,18 +1841,12 @@
           <a:p>
             <a:fld id="{34605B2D-DB9C-4C4D-91A9-1612F99397BC}" type="slidenum">
               <a:rPr lang="en-IN" smtClean="0"/>
-              <a:t>‹#›</a:t>
             </a:fld>
             <a:endParaRPr lang="en-IN"/>
           </a:p>
         </p:txBody>
       </p:sp>
     </p:spTree>
-    <p:extLst>
-      <p:ext uri="{BB962C8B-B14F-4D97-AF65-F5344CB8AC3E}">
-        <p14:creationId xmlns:p14="http://schemas.microsoft.com/office/powerpoint/2010/main" val="801164246"/>
-      </p:ext>
-    </p:extLst>
   </p:cSld>
   <p:clrMapOvr>
     <a:masterClrMapping/>
@@ -2188,13 +1873,7 @@
       </p:grpSpPr>
       <p:sp>
         <p:nvSpPr>
-          <p:cNvPr id="2" name="Title 1">
-            <a:extLst>
-              <a:ext uri="{FF2B5EF4-FFF2-40B4-BE49-F238E27FC236}">
-                <a16:creationId xmlns:a16="http://schemas.microsoft.com/office/drawing/2014/main" id="{59C363C5-78D0-5BC6-BC8F-8DC9E2AD95D4}"/>
-              </a:ext>
-            </a:extLst>
-          </p:cNvPr>
+          <p:cNvPr id="2" name="Title 1"/>
           <p:cNvSpPr>
             <a:spLocks noGrp="1"/>
           </p:cNvSpPr>
@@ -2226,13 +1905,7 @@
       </p:sp>
       <p:sp>
         <p:nvSpPr>
-          <p:cNvPr id="3" name="Content Placeholder 2">
-            <a:extLst>
-              <a:ext uri="{FF2B5EF4-FFF2-40B4-BE49-F238E27FC236}">
-                <a16:creationId xmlns:a16="http://schemas.microsoft.com/office/drawing/2014/main" id="{9B4A0869-E9CA-A09B-47C2-33DB8A100F4D}"/>
-              </a:ext>
-            </a:extLst>
-          </p:cNvPr>
+          <p:cNvPr id="3" name="Content Placeholder 2"/>
           <p:cNvSpPr>
             <a:spLocks noGrp="1"/>
           </p:cNvSpPr>
@@ -2283,6 +1956,7 @@
               <a:rPr lang="en-US"/>
               <a:t>Click to edit Master text styles</a:t>
             </a:r>
+            <a:endParaRPr lang="en-US"/>
           </a:p>
           <a:p>
             <a:pPr lvl="1"/>
@@ -2290,6 +1964,7 @@
               <a:rPr lang="en-US"/>
               <a:t>Second level</a:t>
             </a:r>
+            <a:endParaRPr lang="en-US"/>
           </a:p>
           <a:p>
             <a:pPr lvl="2"/>
@@ -2297,6 +1972,7 @@
               <a:rPr lang="en-US"/>
               <a:t>Third level</a:t>
             </a:r>
+            <a:endParaRPr lang="en-US"/>
           </a:p>
           <a:p>
             <a:pPr lvl="3"/>
@@ -2304,6 +1980,7 @@
               <a:rPr lang="en-US"/>
               <a:t>Fourth level</a:t>
             </a:r>
+            <a:endParaRPr lang="en-US"/>
           </a:p>
           <a:p>
             <a:pPr lvl="4"/>
@@ -2317,13 +1994,7 @@
       </p:sp>
       <p:sp>
         <p:nvSpPr>
-          <p:cNvPr id="4" name="Text Placeholder 3">
-            <a:extLst>
-              <a:ext uri="{FF2B5EF4-FFF2-40B4-BE49-F238E27FC236}">
-                <a16:creationId xmlns:a16="http://schemas.microsoft.com/office/drawing/2014/main" id="{E996AD30-976C-160B-9E47-C87D299A27EC}"/>
-              </a:ext>
-            </a:extLst>
-          </p:cNvPr>
+          <p:cNvPr id="4" name="Text Placeholder 3"/>
           <p:cNvSpPr>
             <a:spLocks noGrp="1"/>
           </p:cNvSpPr>
@@ -2383,18 +2054,13 @@
               <a:rPr lang="en-US"/>
               <a:t>Click to edit Master text styles</a:t>
             </a:r>
+            <a:endParaRPr lang="en-US"/>
           </a:p>
         </p:txBody>
       </p:sp>
       <p:sp>
         <p:nvSpPr>
-          <p:cNvPr id="5" name="Date Placeholder 4">
-            <a:extLst>
-              <a:ext uri="{FF2B5EF4-FFF2-40B4-BE49-F238E27FC236}">
-                <a16:creationId xmlns:a16="http://schemas.microsoft.com/office/drawing/2014/main" id="{C5B1B9B0-E1E7-A71E-47F9-BC3289C58A06}"/>
-              </a:ext>
-            </a:extLst>
-          </p:cNvPr>
+          <p:cNvPr id="5" name="Date Placeholder 4"/>
           <p:cNvSpPr>
             <a:spLocks noGrp="1"/>
           </p:cNvSpPr>
@@ -2409,7 +2075,6 @@
           <a:p>
             <a:fld id="{19B74646-DC45-4486-A51D-FAC7D43D67F5}" type="datetimeFigureOut">
               <a:rPr lang="en-IN" smtClean="0"/>
-              <a:t>03-02-2024</a:t>
             </a:fld>
             <a:endParaRPr lang="en-IN"/>
           </a:p>
@@ -2417,13 +2082,7 @@
       </p:sp>
       <p:sp>
         <p:nvSpPr>
-          <p:cNvPr id="6" name="Footer Placeholder 5">
-            <a:extLst>
-              <a:ext uri="{FF2B5EF4-FFF2-40B4-BE49-F238E27FC236}">
-                <a16:creationId xmlns:a16="http://schemas.microsoft.com/office/drawing/2014/main" id="{11D0F3CF-91A6-E9DB-628B-3F71DFBCBB18}"/>
-              </a:ext>
-            </a:extLst>
-          </p:cNvPr>
+          <p:cNvPr id="6" name="Footer Placeholder 5"/>
           <p:cNvSpPr>
             <a:spLocks noGrp="1"/>
           </p:cNvSpPr>
@@ -2442,13 +2101,7 @@
       </p:sp>
       <p:sp>
         <p:nvSpPr>
-          <p:cNvPr id="7" name="Slide Number Placeholder 6">
-            <a:extLst>
-              <a:ext uri="{FF2B5EF4-FFF2-40B4-BE49-F238E27FC236}">
-                <a16:creationId xmlns:a16="http://schemas.microsoft.com/office/drawing/2014/main" id="{F03D1DA5-CE67-8C45-ECDC-ED4906A3EF2B}"/>
-              </a:ext>
-            </a:extLst>
-          </p:cNvPr>
+          <p:cNvPr id="7" name="Slide Number Placeholder 6"/>
           <p:cNvSpPr>
             <a:spLocks noGrp="1"/>
           </p:cNvSpPr>
@@ -2463,18 +2116,12 @@
           <a:p>
             <a:fld id="{34605B2D-DB9C-4C4D-91A9-1612F99397BC}" type="slidenum">
               <a:rPr lang="en-IN" smtClean="0"/>
-              <a:t>‹#›</a:t>
             </a:fld>
             <a:endParaRPr lang="en-IN"/>
           </a:p>
         </p:txBody>
       </p:sp>
     </p:spTree>
-    <p:extLst>
-      <p:ext uri="{BB962C8B-B14F-4D97-AF65-F5344CB8AC3E}">
-        <p14:creationId xmlns:p14="http://schemas.microsoft.com/office/powerpoint/2010/main" val="632151502"/>
-      </p:ext>
-    </p:extLst>
   </p:cSld>
   <p:clrMapOvr>
     <a:masterClrMapping/>
@@ -2501,13 +2148,7 @@
       </p:grpSpPr>
       <p:sp>
         <p:nvSpPr>
-          <p:cNvPr id="2" name="Title 1">
-            <a:extLst>
-              <a:ext uri="{FF2B5EF4-FFF2-40B4-BE49-F238E27FC236}">
-                <a16:creationId xmlns:a16="http://schemas.microsoft.com/office/drawing/2014/main" id="{12F733FF-303E-7360-C63A-4A7ADD775E59}"/>
-              </a:ext>
-            </a:extLst>
-          </p:cNvPr>
+          <p:cNvPr id="2" name="Title 1"/>
           <p:cNvSpPr>
             <a:spLocks noGrp="1"/>
           </p:cNvSpPr>
@@ -2539,13 +2180,7 @@
       </p:sp>
       <p:sp>
         <p:nvSpPr>
-          <p:cNvPr id="3" name="Picture Placeholder 2">
-            <a:extLst>
-              <a:ext uri="{FF2B5EF4-FFF2-40B4-BE49-F238E27FC236}">
-                <a16:creationId xmlns:a16="http://schemas.microsoft.com/office/drawing/2014/main" id="{C748E705-9F58-5A24-D9B6-5DE8570F48AA}"/>
-              </a:ext>
-            </a:extLst>
-          </p:cNvPr>
+          <p:cNvPr id="3" name="Picture Placeholder 2"/>
           <p:cNvSpPr>
             <a:spLocks noGrp="1"/>
           </p:cNvSpPr>
@@ -2606,13 +2241,7 @@
       </p:sp>
       <p:sp>
         <p:nvSpPr>
-          <p:cNvPr id="4" name="Text Placeholder 3">
-            <a:extLst>
-              <a:ext uri="{FF2B5EF4-FFF2-40B4-BE49-F238E27FC236}">
-                <a16:creationId xmlns:a16="http://schemas.microsoft.com/office/drawing/2014/main" id="{44AFEF1C-BB09-7B86-3A65-2966D7F143A7}"/>
-              </a:ext>
-            </a:extLst>
-          </p:cNvPr>
+          <p:cNvPr id="4" name="Text Placeholder 3"/>
           <p:cNvSpPr>
             <a:spLocks noGrp="1"/>
           </p:cNvSpPr>
@@ -2672,18 +2301,13 @@
               <a:rPr lang="en-US"/>
               <a:t>Click to edit Master text styles</a:t>
             </a:r>
+            <a:endParaRPr lang="en-US"/>
           </a:p>
         </p:txBody>
       </p:sp>
       <p:sp>
         <p:nvSpPr>
-          <p:cNvPr id="5" name="Date Placeholder 4">
-            <a:extLst>
-              <a:ext uri="{FF2B5EF4-FFF2-40B4-BE49-F238E27FC236}">
-                <a16:creationId xmlns:a16="http://schemas.microsoft.com/office/drawing/2014/main" id="{8BDCF245-3C80-ED10-7648-EE77ACAA2193}"/>
-              </a:ext>
-            </a:extLst>
-          </p:cNvPr>
+          <p:cNvPr id="5" name="Date Placeholder 4"/>
           <p:cNvSpPr>
             <a:spLocks noGrp="1"/>
           </p:cNvSpPr>
@@ -2698,7 +2322,6 @@
           <a:p>
             <a:fld id="{19B74646-DC45-4486-A51D-FAC7D43D67F5}" type="datetimeFigureOut">
               <a:rPr lang="en-IN" smtClean="0"/>
-              <a:t>03-02-2024</a:t>
             </a:fld>
             <a:endParaRPr lang="en-IN"/>
           </a:p>
@@ -2706,13 +2329,7 @@
       </p:sp>
       <p:sp>
         <p:nvSpPr>
-          <p:cNvPr id="6" name="Footer Placeholder 5">
-            <a:extLst>
-              <a:ext uri="{FF2B5EF4-FFF2-40B4-BE49-F238E27FC236}">
-                <a16:creationId xmlns:a16="http://schemas.microsoft.com/office/drawing/2014/main" id="{87B19E5A-E9AE-D146-2330-B2F9958D9438}"/>
-              </a:ext>
-            </a:extLst>
-          </p:cNvPr>
+          <p:cNvPr id="6" name="Footer Placeholder 5"/>
           <p:cNvSpPr>
             <a:spLocks noGrp="1"/>
           </p:cNvSpPr>
@@ -2731,13 +2348,7 @@
       </p:sp>
       <p:sp>
         <p:nvSpPr>
-          <p:cNvPr id="7" name="Slide Number Placeholder 6">
-            <a:extLst>
-              <a:ext uri="{FF2B5EF4-FFF2-40B4-BE49-F238E27FC236}">
-                <a16:creationId xmlns:a16="http://schemas.microsoft.com/office/drawing/2014/main" id="{D6E0E95B-A4F3-B992-1628-D6D5F367D4B5}"/>
-              </a:ext>
-            </a:extLst>
-          </p:cNvPr>
+          <p:cNvPr id="7" name="Slide Number Placeholder 6"/>
           <p:cNvSpPr>
             <a:spLocks noGrp="1"/>
           </p:cNvSpPr>
@@ -2752,18 +2363,12 @@
           <a:p>
             <a:fld id="{34605B2D-DB9C-4C4D-91A9-1612F99397BC}" type="slidenum">
               <a:rPr lang="en-IN" smtClean="0"/>
-              <a:t>‹#›</a:t>
             </a:fld>
             <a:endParaRPr lang="en-IN"/>
           </a:p>
         </p:txBody>
       </p:sp>
     </p:spTree>
-    <p:extLst>
-      <p:ext uri="{BB962C8B-B14F-4D97-AF65-F5344CB8AC3E}">
-        <p14:creationId xmlns:p14="http://schemas.microsoft.com/office/powerpoint/2010/main" val="249588485"/>
-      </p:ext>
-    </p:extLst>
   </p:cSld>
   <p:clrMapOvr>
     <a:masterClrMapping/>
@@ -2795,13 +2400,7 @@
       </p:grpSpPr>
       <p:sp>
         <p:nvSpPr>
-          <p:cNvPr id="2" name="Title Placeholder 1">
-            <a:extLst>
-              <a:ext uri="{FF2B5EF4-FFF2-40B4-BE49-F238E27FC236}">
-                <a16:creationId xmlns:a16="http://schemas.microsoft.com/office/drawing/2014/main" id="{3980F9B7-5AE0-B8BC-2109-607C0D743AF3}"/>
-              </a:ext>
-            </a:extLst>
-          </p:cNvPr>
+          <p:cNvPr id="2" name="Title Placeholder 1"/>
           <p:cNvSpPr>
             <a:spLocks noGrp="1"/>
           </p:cNvSpPr>
@@ -2834,13 +2433,7 @@
       </p:sp>
       <p:sp>
         <p:nvSpPr>
-          <p:cNvPr id="3" name="Text Placeholder 2">
-            <a:extLst>
-              <a:ext uri="{FF2B5EF4-FFF2-40B4-BE49-F238E27FC236}">
-                <a16:creationId xmlns:a16="http://schemas.microsoft.com/office/drawing/2014/main" id="{DAB67A56-BB07-195F-7095-A5264574DF5B}"/>
-              </a:ext>
-            </a:extLst>
-          </p:cNvPr>
+          <p:cNvPr id="3" name="Text Placeholder 2"/>
           <p:cNvSpPr>
             <a:spLocks noGrp="1"/>
           </p:cNvSpPr>
@@ -2868,6 +2461,7 @@
               <a:rPr lang="en-US"/>
               <a:t>Click to edit Master text styles</a:t>
             </a:r>
+            <a:endParaRPr lang="en-US"/>
           </a:p>
           <a:p>
             <a:pPr lvl="1"/>
@@ -2875,6 +2469,7 @@
               <a:rPr lang="en-US"/>
               <a:t>Second level</a:t>
             </a:r>
+            <a:endParaRPr lang="en-US"/>
           </a:p>
           <a:p>
             <a:pPr lvl="2"/>
@@ -2882,6 +2477,7 @@
               <a:rPr lang="en-US"/>
               <a:t>Third level</a:t>
             </a:r>
+            <a:endParaRPr lang="en-US"/>
           </a:p>
           <a:p>
             <a:pPr lvl="3"/>
@@ -2889,6 +2485,7 @@
               <a:rPr lang="en-US"/>
               <a:t>Fourth level</a:t>
             </a:r>
+            <a:endParaRPr lang="en-US"/>
           </a:p>
           <a:p>
             <a:pPr lvl="4"/>
@@ -2902,13 +2499,7 @@
       </p:sp>
       <p:sp>
         <p:nvSpPr>
-          <p:cNvPr id="4" name="Date Placeholder 3">
-            <a:extLst>
-              <a:ext uri="{FF2B5EF4-FFF2-40B4-BE49-F238E27FC236}">
-                <a16:creationId xmlns:a16="http://schemas.microsoft.com/office/drawing/2014/main" id="{53E10D42-0031-A922-892F-5064B2977064}"/>
-              </a:ext>
-            </a:extLst>
-          </p:cNvPr>
+          <p:cNvPr id="4" name="Date Placeholder 3"/>
           <p:cNvSpPr>
             <a:spLocks noGrp="1"/>
           </p:cNvSpPr>
@@ -2941,7 +2532,6 @@
           <a:p>
             <a:fld id="{19B74646-DC45-4486-A51D-FAC7D43D67F5}" type="datetimeFigureOut">
               <a:rPr lang="en-IN" smtClean="0"/>
-              <a:t>03-02-2024</a:t>
             </a:fld>
             <a:endParaRPr lang="en-IN"/>
           </a:p>
@@ -2949,13 +2539,7 @@
       </p:sp>
       <p:sp>
         <p:nvSpPr>
-          <p:cNvPr id="5" name="Footer Placeholder 4">
-            <a:extLst>
-              <a:ext uri="{FF2B5EF4-FFF2-40B4-BE49-F238E27FC236}">
-                <a16:creationId xmlns:a16="http://schemas.microsoft.com/office/drawing/2014/main" id="{A76E6D19-667E-7AB8-865D-1D0C212BBAC0}"/>
-              </a:ext>
-            </a:extLst>
-          </p:cNvPr>
+          <p:cNvPr id="5" name="Footer Placeholder 4"/>
           <p:cNvSpPr>
             <a:spLocks noGrp="1"/>
           </p:cNvSpPr>
@@ -2992,13 +2576,7 @@
       </p:sp>
       <p:sp>
         <p:nvSpPr>
-          <p:cNvPr id="6" name="Slide Number Placeholder 5">
-            <a:extLst>
-              <a:ext uri="{FF2B5EF4-FFF2-40B4-BE49-F238E27FC236}">
-                <a16:creationId xmlns:a16="http://schemas.microsoft.com/office/drawing/2014/main" id="{569EF461-85A3-0B00-CEEC-0A2A88FE5ACC}"/>
-              </a:ext>
-            </a:extLst>
-          </p:cNvPr>
+          <p:cNvPr id="6" name="Slide Number Placeholder 5"/>
           <p:cNvSpPr>
             <a:spLocks noGrp="1"/>
           </p:cNvSpPr>
@@ -3031,18 +2609,12 @@
           <a:p>
             <a:fld id="{34605B2D-DB9C-4C4D-91A9-1612F99397BC}" type="slidenum">
               <a:rPr lang="en-IN" smtClean="0"/>
-              <a:t>‹#›</a:t>
             </a:fld>
             <a:endParaRPr lang="en-IN"/>
           </a:p>
         </p:txBody>
       </p:sp>
     </p:spTree>
-    <p:extLst>
-      <p:ext uri="{BB962C8B-B14F-4D97-AF65-F5344CB8AC3E}">
-        <p14:creationId xmlns:p14="http://schemas.microsoft.com/office/powerpoint/2010/main" val="2112537554"/>
-      </p:ext>
-    </p:extLst>
   </p:cSld>
   <p:clrMap bg1="lt1" tx1="dk1" bg2="lt2" tx2="dk2" accent1="accent1" accent2="accent2" accent3="accent3" accent4="accent4" accent5="accent5" accent6="accent6" hlink="hlink" folHlink="folHlink"/>
   <p:sldLayoutIdLst>
@@ -3360,13 +2932,7 @@
       </p:grpSpPr>
       <p:sp>
         <p:nvSpPr>
-          <p:cNvPr id="2" name="Title 1">
-            <a:extLst>
-              <a:ext uri="{FF2B5EF4-FFF2-40B4-BE49-F238E27FC236}">
-                <a16:creationId xmlns:a16="http://schemas.microsoft.com/office/drawing/2014/main" id="{90127D44-C7DD-4857-5A3E-B4BDA9828EC5}"/>
-              </a:ext>
-            </a:extLst>
-          </p:cNvPr>
+          <p:cNvPr id="2" name="Title 1"/>
           <p:cNvSpPr>
             <a:spLocks noGrp="1"/>
           </p:cNvSpPr>
@@ -3395,18 +2961,18 @@
               </a:rPr>
               <a:t>JAVASCRIPT </a:t>
             </a:r>
+            <a:endParaRPr lang="en-IN" sz="4000" dirty="0">
+              <a:solidFill>
+                <a:srgbClr val="002060"/>
+              </a:solidFill>
+              <a:latin typeface="Arial Rounded MT Bold" panose="020F0704030504030204" pitchFamily="34" charset="0"/>
+            </a:endParaRPr>
           </a:p>
         </p:txBody>
       </p:sp>
       <p:sp>
         <p:nvSpPr>
-          <p:cNvPr id="3" name="Subtitle 2">
-            <a:extLst>
-              <a:ext uri="{FF2B5EF4-FFF2-40B4-BE49-F238E27FC236}">
-                <a16:creationId xmlns:a16="http://schemas.microsoft.com/office/drawing/2014/main" id="{D42099DF-DEE6-4CF0-7B70-90E26926AD97}"/>
-              </a:ext>
-            </a:extLst>
-          </p:cNvPr>
+          <p:cNvPr id="3" name="Subtitle 2"/>
           <p:cNvSpPr>
             <a:spLocks noGrp="1"/>
           </p:cNvSpPr>
@@ -3447,20 +3013,14 @@
       </p:sp>
       <p:pic>
         <p:nvPicPr>
-          <p:cNvPr id="5" name="Picture 4">
-            <a:extLst>
-              <a:ext uri="{FF2B5EF4-FFF2-40B4-BE49-F238E27FC236}">
-                <a16:creationId xmlns:a16="http://schemas.microsoft.com/office/drawing/2014/main" id="{31B615AD-2B50-1CD0-A54E-0AAEC941BDCB}"/>
-              </a:ext>
-            </a:extLst>
-          </p:cNvPr>
+          <p:cNvPr id="5" name="Picture 4"/>
           <p:cNvPicPr>
             <a:picLocks noChangeAspect="1"/>
           </p:cNvPicPr>
           <p:nvPr/>
         </p:nvPicPr>
         <p:blipFill>
-          <a:blip r:embed="rId2">
+          <a:blip r:embed="rId1">
             <a:extLst>
               <a:ext uri="{28A0092B-C50C-407E-A947-70E740481C1C}">
                 <a14:useLocalDpi xmlns:a14="http://schemas.microsoft.com/office/drawing/2010/main" val="0"/>
@@ -3483,13 +3043,7 @@
       </p:pic>
       <p:sp>
         <p:nvSpPr>
-          <p:cNvPr id="6" name="TextBox 5">
-            <a:extLst>
-              <a:ext uri="{FF2B5EF4-FFF2-40B4-BE49-F238E27FC236}">
-                <a16:creationId xmlns:a16="http://schemas.microsoft.com/office/drawing/2014/main" id="{03200923-7CBE-9FA6-9C3B-39CC5EF0FF62}"/>
-              </a:ext>
-            </a:extLst>
-          </p:cNvPr>
+          <p:cNvPr id="6" name="TextBox 5"/>
           <p:cNvSpPr txBox="1"/>
           <p:nvPr/>
         </p:nvSpPr>
@@ -3521,20 +3075,14 @@
       </p:sp>
       <p:pic>
         <p:nvPicPr>
-          <p:cNvPr id="7" name="Picture 6">
-            <a:extLst>
-              <a:ext uri="{FF2B5EF4-FFF2-40B4-BE49-F238E27FC236}">
-                <a16:creationId xmlns:a16="http://schemas.microsoft.com/office/drawing/2014/main" id="{9B44CD3D-32FB-8981-2A18-1A4C4B55319B}"/>
-              </a:ext>
-            </a:extLst>
-          </p:cNvPr>
+          <p:cNvPr id="7" name="Picture 6"/>
           <p:cNvPicPr>
             <a:picLocks noChangeAspect="1"/>
           </p:cNvPicPr>
           <p:nvPr/>
         </p:nvPicPr>
         <p:blipFill>
-          <a:blip r:embed="rId3">
+          <a:blip r:embed="rId2">
             <a:extLst>
               <a:ext uri="{28A0092B-C50C-407E-A947-70E740481C1C}">
                 <a14:useLocalDpi xmlns:a14="http://schemas.microsoft.com/office/drawing/2010/main" val="0"/>
@@ -3556,11 +3104,6 @@
         </p:spPr>
       </p:pic>
     </p:spTree>
-    <p:extLst>
-      <p:ext uri="{BB962C8B-B14F-4D97-AF65-F5344CB8AC3E}">
-        <p14:creationId xmlns:p14="http://schemas.microsoft.com/office/powerpoint/2010/main" val="978174667"/>
-      </p:ext>
-    </p:extLst>
   </p:cSld>
   <p:clrMapOvr>
     <a:masterClrMapping/>
@@ -3684,1550 +3227,18 @@
       </p:grpSpPr>
       <p:pic>
         <p:nvPicPr>
-          <p:cNvPr id="14" name="Picture 13">
-            <a:extLst>
-              <a:ext uri="{FF2B5EF4-FFF2-40B4-BE49-F238E27FC236}">
-                <a16:creationId xmlns:a16="http://schemas.microsoft.com/office/drawing/2014/main" id="{C2A5661E-E0EE-1931-1AF1-B0080AED7C15}"/>
-              </a:ext>
-            </a:extLst>
-          </p:cNvPr>
+          <p:cNvPr id="5" name="Picture 4"/>
           <p:cNvPicPr>
             <a:picLocks noChangeAspect="1"/>
           </p:cNvPicPr>
           <p:nvPr/>
         </p:nvPicPr>
         <p:blipFill>
-          <a:blip r:embed="rId2">
-            <a:extLst>
-              <a:ext uri="{28A0092B-C50C-407E-A947-70E740481C1C}">
-                <a14:useLocalDpi xmlns:a14="http://schemas.microsoft.com/office/drawing/2010/main" val="0"/>
-              </a:ext>
-            </a:extLst>
-          </a:blip>
-          <a:stretch>
-            <a:fillRect/>
-          </a:stretch>
-        </p:blipFill>
-        <p:spPr>
-          <a:xfrm>
-            <a:off x="5937182" y="1865695"/>
-            <a:ext cx="6254818" cy="2138414"/>
-          </a:xfrm>
-          <a:prstGeom prst="rect">
-            <a:avLst/>
-          </a:prstGeom>
-        </p:spPr>
-      </p:pic>
-      <p:pic>
-        <p:nvPicPr>
-          <p:cNvPr id="10" name="Picture 9">
-            <a:extLst>
-              <a:ext uri="{FF2B5EF4-FFF2-40B4-BE49-F238E27FC236}">
-                <a16:creationId xmlns:a16="http://schemas.microsoft.com/office/drawing/2014/main" id="{ED6C68FC-08DA-E103-F493-C24D6E144739}"/>
-              </a:ext>
-            </a:extLst>
-          </p:cNvPr>
-          <p:cNvPicPr>
-            <a:picLocks noChangeAspect="1"/>
-          </p:cNvPicPr>
-          <p:nvPr/>
-        </p:nvPicPr>
-        <p:blipFill>
-          <a:blip r:embed="rId2">
-            <a:extLst>
-              <a:ext uri="{28A0092B-C50C-407E-A947-70E740481C1C}">
-                <a14:useLocalDpi xmlns:a14="http://schemas.microsoft.com/office/drawing/2010/main" val="0"/>
-              </a:ext>
-            </a:extLst>
-          </a:blip>
-          <a:stretch>
-            <a:fillRect/>
-          </a:stretch>
-        </p:blipFill>
-        <p:spPr>
-          <a:xfrm>
-            <a:off x="5909912" y="462014"/>
-            <a:ext cx="6253213" cy="1819175"/>
-          </a:xfrm>
-          <a:prstGeom prst="rect">
-            <a:avLst/>
-          </a:prstGeom>
-        </p:spPr>
-      </p:pic>
-      <p:pic>
-        <p:nvPicPr>
-          <p:cNvPr id="12" name="Picture 11">
-            <a:extLst>
-              <a:ext uri="{FF2B5EF4-FFF2-40B4-BE49-F238E27FC236}">
-                <a16:creationId xmlns:a16="http://schemas.microsoft.com/office/drawing/2014/main" id="{2203AD7B-C030-2A6E-EFF9-079F0336CFEF}"/>
-              </a:ext>
-            </a:extLst>
-          </p:cNvPr>
-          <p:cNvPicPr>
-            <a:picLocks noChangeAspect="1"/>
-          </p:cNvPicPr>
-          <p:nvPr/>
-        </p:nvPicPr>
-        <p:blipFill>
-          <a:blip r:embed="rId3">
-            <a:extLst>
-              <a:ext uri="{28A0092B-C50C-407E-A947-70E740481C1C}">
-                <a14:useLocalDpi xmlns:a14="http://schemas.microsoft.com/office/drawing/2010/main" val="0"/>
-              </a:ext>
-            </a:extLst>
-          </a:blip>
-          <a:stretch>
-            <a:fillRect/>
-          </a:stretch>
-        </p:blipFill>
-        <p:spPr>
-          <a:xfrm>
-            <a:off x="286659" y="2450298"/>
-            <a:ext cx="6325897" cy="4143006"/>
-          </a:xfrm>
-          <a:prstGeom prst="rect">
-            <a:avLst/>
-          </a:prstGeom>
-        </p:spPr>
-      </p:pic>
-      <p:sp>
-        <p:nvSpPr>
-          <p:cNvPr id="13" name="TextBox 12">
-            <a:extLst>
-              <a:ext uri="{FF2B5EF4-FFF2-40B4-BE49-F238E27FC236}">
-                <a16:creationId xmlns:a16="http://schemas.microsoft.com/office/drawing/2014/main" id="{C7492869-39DE-89CF-454D-7766BEB23D88}"/>
-              </a:ext>
-            </a:extLst>
-          </p:cNvPr>
-          <p:cNvSpPr txBox="1"/>
-          <p:nvPr/>
-        </p:nvSpPr>
-        <p:spPr>
-          <a:xfrm>
-            <a:off x="6912099" y="1068536"/>
-            <a:ext cx="4617857" cy="646331"/>
-          </a:xfrm>
-          <a:prstGeom prst="rect">
-            <a:avLst/>
-          </a:prstGeom>
-          <a:noFill/>
-        </p:spPr>
-        <p:txBody>
-          <a:bodyPr wrap="square" rtlCol="0">
-            <a:spAutoFit/>
-          </a:bodyPr>
-          <a:lstStyle/>
-          <a:p>
-            <a:r>
-              <a:rPr lang="en-US" dirty="0">
-                <a:solidFill>
-                  <a:schemeClr val="bg1"/>
-                </a:solidFill>
-                <a:latin typeface="Arial Rounded MT Bold" panose="020F0704030504030204" pitchFamily="34" charset="0"/>
-                <a:ea typeface="Verdana" panose="020B0604030504040204" pitchFamily="34" charset="0"/>
-              </a:rPr>
-              <a:t>The </a:t>
-            </a:r>
-            <a:r>
-              <a:rPr lang="en-US" dirty="0">
-                <a:solidFill>
-                  <a:srgbClr val="FF0000"/>
-                </a:solidFill>
-                <a:latin typeface="Arial Rounded MT Bold" panose="020F0704030504030204" pitchFamily="34" charset="0"/>
-                <a:ea typeface="Verdana" panose="020B0604030504040204" pitchFamily="34" charset="0"/>
-              </a:rPr>
-              <a:t>alert()</a:t>
-            </a:r>
-            <a:r>
-              <a:rPr lang="en-US" dirty="0">
-                <a:solidFill>
-                  <a:schemeClr val="bg1"/>
-                </a:solidFill>
-                <a:latin typeface="Arial Rounded MT Bold" panose="020F0704030504030204" pitchFamily="34" charset="0"/>
-                <a:ea typeface="Verdana" panose="020B0604030504040204" pitchFamily="34" charset="0"/>
-              </a:rPr>
-              <a:t> method displays an alert box with a message and an OK button.</a:t>
-            </a:r>
-          </a:p>
-        </p:txBody>
-      </p:sp>
-      <p:sp>
-        <p:nvSpPr>
-          <p:cNvPr id="17" name="TextBox 16">
-            <a:extLst>
-              <a:ext uri="{FF2B5EF4-FFF2-40B4-BE49-F238E27FC236}">
-                <a16:creationId xmlns:a16="http://schemas.microsoft.com/office/drawing/2014/main" id="{B7EAE70E-438F-7796-4842-34F4D163F53B}"/>
-              </a:ext>
-            </a:extLst>
-          </p:cNvPr>
-          <p:cNvSpPr txBox="1"/>
-          <p:nvPr/>
-        </p:nvSpPr>
-        <p:spPr>
-          <a:xfrm>
-            <a:off x="6784204" y="2597349"/>
-            <a:ext cx="4822753" cy="646331"/>
-          </a:xfrm>
-          <a:prstGeom prst="rect">
-            <a:avLst/>
-          </a:prstGeom>
-          <a:noFill/>
-        </p:spPr>
-        <p:txBody>
-          <a:bodyPr wrap="square" rtlCol="0">
-            <a:spAutoFit/>
-          </a:bodyPr>
-          <a:lstStyle/>
-          <a:p>
-            <a:r>
-              <a:rPr lang="en-US" dirty="0">
-                <a:solidFill>
-                  <a:schemeClr val="bg1"/>
-                </a:solidFill>
-                <a:latin typeface="Arial Rounded MT Bold" panose="020F0704030504030204" pitchFamily="34" charset="0"/>
-                <a:ea typeface="Verdana" panose="020B0604030504040204" pitchFamily="34" charset="0"/>
-              </a:rPr>
-              <a:t>The </a:t>
-            </a:r>
-            <a:r>
-              <a:rPr lang="en-US" dirty="0">
-                <a:solidFill>
-                  <a:srgbClr val="FF0000"/>
-                </a:solidFill>
-                <a:latin typeface="Arial Rounded MT Bold" panose="020F0704030504030204" pitchFamily="34" charset="0"/>
-                <a:ea typeface="Verdana" panose="020B0604030504040204" pitchFamily="34" charset="0"/>
-              </a:rPr>
-              <a:t>alert()</a:t>
-            </a:r>
-            <a:r>
-              <a:rPr lang="en-US" dirty="0">
-                <a:solidFill>
-                  <a:schemeClr val="bg1"/>
-                </a:solidFill>
-                <a:latin typeface="Arial Rounded MT Bold" panose="020F0704030504030204" pitchFamily="34" charset="0"/>
-                <a:ea typeface="Verdana" panose="020B0604030504040204" pitchFamily="34" charset="0"/>
-              </a:rPr>
-              <a:t> method is used when you want information to come through to the user.</a:t>
-            </a:r>
-          </a:p>
-        </p:txBody>
-      </p:sp>
-      <p:cxnSp>
-        <p:nvCxnSpPr>
-          <p:cNvPr id="19" name="Straight Connector 18">
-            <a:extLst>
-              <a:ext uri="{FF2B5EF4-FFF2-40B4-BE49-F238E27FC236}">
-                <a16:creationId xmlns:a16="http://schemas.microsoft.com/office/drawing/2014/main" id="{5F182D14-0F1F-D68D-C54C-BB18A34B2E04}"/>
-              </a:ext>
-            </a:extLst>
-          </p:cNvPr>
-          <p:cNvCxnSpPr/>
-          <p:nvPr/>
-        </p:nvCxnSpPr>
-        <p:spPr>
-          <a:xfrm flipV="1">
-            <a:off x="2367815" y="1472665"/>
-            <a:ext cx="0" cy="944890"/>
-          </a:xfrm>
-          <a:prstGeom prst="line">
-            <a:avLst/>
-          </a:prstGeom>
-        </p:spPr>
-        <p:style>
-          <a:lnRef idx="3">
-            <a:schemeClr val="accent1"/>
-          </a:lnRef>
-          <a:fillRef idx="0">
-            <a:schemeClr val="accent1"/>
-          </a:fillRef>
-          <a:effectRef idx="2">
-            <a:schemeClr val="accent1"/>
-          </a:effectRef>
-          <a:fontRef idx="minor">
-            <a:schemeClr val="tx1"/>
-          </a:fontRef>
-        </p:style>
-      </p:cxnSp>
-      <p:cxnSp>
-        <p:nvCxnSpPr>
-          <p:cNvPr id="21" name="Straight Arrow Connector 20">
-            <a:extLst>
-              <a:ext uri="{FF2B5EF4-FFF2-40B4-BE49-F238E27FC236}">
-                <a16:creationId xmlns:a16="http://schemas.microsoft.com/office/drawing/2014/main" id="{A82B3640-8F8C-D45D-5444-A43F07AC9AAA}"/>
-              </a:ext>
-            </a:extLst>
-          </p:cNvPr>
-          <p:cNvCxnSpPr/>
-          <p:nvPr/>
-        </p:nvCxnSpPr>
-        <p:spPr>
-          <a:xfrm>
-            <a:off x="2367815" y="1472665"/>
-            <a:ext cx="3728185" cy="0"/>
-          </a:xfrm>
-          <a:prstGeom prst="straightConnector1">
-            <a:avLst/>
-          </a:prstGeom>
-          <a:ln>
-            <a:tailEnd type="triangle"/>
-          </a:ln>
-        </p:spPr>
-        <p:style>
-          <a:lnRef idx="3">
-            <a:schemeClr val="accent1"/>
-          </a:lnRef>
-          <a:fillRef idx="0">
-            <a:schemeClr val="accent1"/>
-          </a:fillRef>
-          <a:effectRef idx="2">
-            <a:schemeClr val="accent1"/>
-          </a:effectRef>
-          <a:fontRef idx="minor">
-            <a:schemeClr val="tx1"/>
-          </a:fontRef>
-        </p:style>
-      </p:cxnSp>
-      <p:pic>
-        <p:nvPicPr>
-          <p:cNvPr id="22" name="Picture 21">
-            <a:extLst>
-              <a:ext uri="{FF2B5EF4-FFF2-40B4-BE49-F238E27FC236}">
-                <a16:creationId xmlns:a16="http://schemas.microsoft.com/office/drawing/2014/main" id="{23DC626B-5A91-478A-0789-DF087A8B9F93}"/>
-              </a:ext>
-            </a:extLst>
-          </p:cNvPr>
-          <p:cNvPicPr>
-            <a:picLocks noChangeAspect="1"/>
-          </p:cNvPicPr>
-          <p:nvPr/>
-        </p:nvPicPr>
-        <p:blipFill>
-          <a:blip r:embed="rId4">
-            <a:extLst>
-              <a:ext uri="{28A0092B-C50C-407E-A947-70E740481C1C}">
-                <a14:useLocalDpi xmlns:a14="http://schemas.microsoft.com/office/drawing/2010/main" val="0"/>
-              </a:ext>
-            </a:extLst>
-          </a:blip>
-          <a:stretch>
-            <a:fillRect/>
-          </a:stretch>
-        </p:blipFill>
-        <p:spPr>
-          <a:xfrm>
-            <a:off x="9967442" y="6013642"/>
-            <a:ext cx="1528148" cy="498987"/>
-          </a:xfrm>
-          <a:prstGeom prst="rect">
-            <a:avLst/>
-          </a:prstGeom>
-        </p:spPr>
-      </p:pic>
-    </p:spTree>
-    <p:extLst>
-      <p:ext uri="{BB962C8B-B14F-4D97-AF65-F5344CB8AC3E}">
-        <p14:creationId xmlns:p14="http://schemas.microsoft.com/office/powerpoint/2010/main" val="164271082"/>
-      </p:ext>
-    </p:extLst>
-  </p:cSld>
-  <p:clrMapOvr>
-    <a:masterClrMapping/>
-  </p:clrMapOvr>
-  <p:timing>
-    <p:tnLst>
-      <p:par>
-        <p:cTn id="1" dur="indefinite" restart="never" nodeType="tmRoot">
-          <p:childTnLst>
-            <p:seq concurrent="1" nextAc="seek">
-              <p:cTn id="2" dur="indefinite" nodeType="mainSeq">
-                <p:childTnLst>
-                  <p:par>
-                    <p:cTn id="3" fill="hold">
-                      <p:stCondLst>
-                        <p:cond delay="indefinite"/>
-                      </p:stCondLst>
-                      <p:childTnLst>
-                        <p:par>
-                          <p:cTn id="4" fill="hold">
-                            <p:stCondLst>
-                              <p:cond delay="0"/>
-                            </p:stCondLst>
-                            <p:childTnLst>
-                              <p:par>
-                                <p:cTn id="5" presetID="10" presetClass="entr" presetSubtype="0" fill="hold" nodeType="clickEffect">
-                                  <p:stCondLst>
-                                    <p:cond delay="0"/>
-                                  </p:stCondLst>
-                                  <p:childTnLst>
-                                    <p:set>
-                                      <p:cBhvr>
-                                        <p:cTn id="6" dur="1" fill="hold">
-                                          <p:stCondLst>
-                                            <p:cond delay="0"/>
-                                          </p:stCondLst>
-                                        </p:cTn>
-                                        <p:tgtEl>
-                                          <p:spTgt spid="12"/>
-                                        </p:tgtEl>
-                                        <p:attrNameLst>
-                                          <p:attrName>style.visibility</p:attrName>
-                                        </p:attrNameLst>
-                                      </p:cBhvr>
-                                      <p:to>
-                                        <p:strVal val="visible"/>
-                                      </p:to>
-                                    </p:set>
-                                    <p:animEffect transition="in" filter="fade">
-                                      <p:cBhvr>
-                                        <p:cTn id="7" dur="500"/>
-                                        <p:tgtEl>
-                                          <p:spTgt spid="12"/>
-                                        </p:tgtEl>
-                                      </p:cBhvr>
-                                    </p:animEffect>
-                                  </p:childTnLst>
-                                </p:cTn>
-                              </p:par>
-                            </p:childTnLst>
-                          </p:cTn>
-                        </p:par>
-                      </p:childTnLst>
-                    </p:cTn>
-                  </p:par>
-                  <p:par>
-                    <p:cTn id="8" fill="hold">
-                      <p:stCondLst>
-                        <p:cond delay="indefinite"/>
-                      </p:stCondLst>
-                      <p:childTnLst>
-                        <p:par>
-                          <p:cTn id="9" fill="hold">
-                            <p:stCondLst>
-                              <p:cond delay="0"/>
-                            </p:stCondLst>
-                            <p:childTnLst>
-                              <p:par>
-                                <p:cTn id="10" presetID="22" presetClass="entr" presetSubtype="4" fill="hold" nodeType="clickEffect">
-                                  <p:stCondLst>
-                                    <p:cond delay="0"/>
-                                  </p:stCondLst>
-                                  <p:childTnLst>
-                                    <p:set>
-                                      <p:cBhvr>
-                                        <p:cTn id="11" dur="1" fill="hold">
-                                          <p:stCondLst>
-                                            <p:cond delay="0"/>
-                                          </p:stCondLst>
-                                        </p:cTn>
-                                        <p:tgtEl>
-                                          <p:spTgt spid="19"/>
-                                        </p:tgtEl>
-                                        <p:attrNameLst>
-                                          <p:attrName>style.visibility</p:attrName>
-                                        </p:attrNameLst>
-                                      </p:cBhvr>
-                                      <p:to>
-                                        <p:strVal val="visible"/>
-                                      </p:to>
-                                    </p:set>
-                                    <p:animEffect transition="in" filter="wipe(down)">
-                                      <p:cBhvr>
-                                        <p:cTn id="12" dur="500"/>
-                                        <p:tgtEl>
-                                          <p:spTgt spid="19"/>
-                                        </p:tgtEl>
-                                      </p:cBhvr>
-                                    </p:animEffect>
-                                  </p:childTnLst>
-                                </p:cTn>
-                              </p:par>
-                            </p:childTnLst>
-                          </p:cTn>
-                        </p:par>
-                        <p:par>
-                          <p:cTn id="13" fill="hold">
-                            <p:stCondLst>
-                              <p:cond delay="500"/>
-                            </p:stCondLst>
-                            <p:childTnLst>
-                              <p:par>
-                                <p:cTn id="14" presetID="22" presetClass="entr" presetSubtype="8" fill="hold" nodeType="afterEffect">
-                                  <p:stCondLst>
-                                    <p:cond delay="0"/>
-                                  </p:stCondLst>
-                                  <p:childTnLst>
-                                    <p:set>
-                                      <p:cBhvr>
-                                        <p:cTn id="15" dur="1" fill="hold">
-                                          <p:stCondLst>
-                                            <p:cond delay="0"/>
-                                          </p:stCondLst>
-                                        </p:cTn>
-                                        <p:tgtEl>
-                                          <p:spTgt spid="21"/>
-                                        </p:tgtEl>
-                                        <p:attrNameLst>
-                                          <p:attrName>style.visibility</p:attrName>
-                                        </p:attrNameLst>
-                                      </p:cBhvr>
-                                      <p:to>
-                                        <p:strVal val="visible"/>
-                                      </p:to>
-                                    </p:set>
-                                    <p:animEffect transition="in" filter="wipe(left)">
-                                      <p:cBhvr>
-                                        <p:cTn id="16" dur="500"/>
-                                        <p:tgtEl>
-                                          <p:spTgt spid="21"/>
-                                        </p:tgtEl>
-                                      </p:cBhvr>
-                                    </p:animEffect>
-                                  </p:childTnLst>
-                                </p:cTn>
-                              </p:par>
-                            </p:childTnLst>
-                          </p:cTn>
-                        </p:par>
-                      </p:childTnLst>
-                    </p:cTn>
-                  </p:par>
-                  <p:par>
-                    <p:cTn id="17" fill="hold">
-                      <p:stCondLst>
-                        <p:cond delay="indefinite"/>
-                      </p:stCondLst>
-                      <p:childTnLst>
-                        <p:par>
-                          <p:cTn id="18" fill="hold">
-                            <p:stCondLst>
-                              <p:cond delay="0"/>
-                            </p:stCondLst>
-                            <p:childTnLst>
-                              <p:par>
-                                <p:cTn id="19" presetID="42" presetClass="entr" presetSubtype="0" fill="hold" nodeType="clickEffect">
-                                  <p:stCondLst>
-                                    <p:cond delay="500"/>
-                                  </p:stCondLst>
-                                  <p:childTnLst>
-                                    <p:set>
-                                      <p:cBhvr>
-                                        <p:cTn id="20" dur="1" fill="hold">
-                                          <p:stCondLst>
-                                            <p:cond delay="0"/>
-                                          </p:stCondLst>
-                                        </p:cTn>
-                                        <p:tgtEl>
-                                          <p:spTgt spid="10"/>
-                                        </p:tgtEl>
-                                        <p:attrNameLst>
-                                          <p:attrName>style.visibility</p:attrName>
-                                        </p:attrNameLst>
-                                      </p:cBhvr>
-                                      <p:to>
-                                        <p:strVal val="visible"/>
-                                      </p:to>
-                                    </p:set>
-                                    <p:animEffect transition="in" filter="fade">
-                                      <p:cBhvr>
-                                        <p:cTn id="21" dur="1000"/>
-                                        <p:tgtEl>
-                                          <p:spTgt spid="10"/>
-                                        </p:tgtEl>
-                                      </p:cBhvr>
-                                    </p:animEffect>
-                                    <p:anim calcmode="lin" valueType="num">
-                                      <p:cBhvr>
-                                        <p:cTn id="22" dur="1000" fill="hold"/>
-                                        <p:tgtEl>
-                                          <p:spTgt spid="10"/>
-                                        </p:tgtEl>
-                                        <p:attrNameLst>
-                                          <p:attrName>ppt_x</p:attrName>
-                                        </p:attrNameLst>
-                                      </p:cBhvr>
-                                      <p:tavLst>
-                                        <p:tav tm="0">
-                                          <p:val>
-                                            <p:strVal val="#ppt_x"/>
-                                          </p:val>
-                                        </p:tav>
-                                        <p:tav tm="100000">
-                                          <p:val>
-                                            <p:strVal val="#ppt_x"/>
-                                          </p:val>
-                                        </p:tav>
-                                      </p:tavLst>
-                                    </p:anim>
-                                    <p:anim calcmode="lin" valueType="num">
-                                      <p:cBhvr>
-                                        <p:cTn id="23" dur="1000" fill="hold"/>
-                                        <p:tgtEl>
-                                          <p:spTgt spid="10"/>
-                                        </p:tgtEl>
-                                        <p:attrNameLst>
-                                          <p:attrName>ppt_y</p:attrName>
-                                        </p:attrNameLst>
-                                      </p:cBhvr>
-                                      <p:tavLst>
-                                        <p:tav tm="0">
-                                          <p:val>
-                                            <p:strVal val="#ppt_y+.1"/>
-                                          </p:val>
-                                        </p:tav>
-                                        <p:tav tm="100000">
-                                          <p:val>
-                                            <p:strVal val="#ppt_y"/>
-                                          </p:val>
-                                        </p:tav>
-                                      </p:tavLst>
-                                    </p:anim>
-                                  </p:childTnLst>
-                                </p:cTn>
-                              </p:par>
-                              <p:par>
-                                <p:cTn id="24" presetID="42" presetClass="entr" presetSubtype="0" fill="hold" grpId="0" nodeType="withEffect">
-                                  <p:stCondLst>
-                                    <p:cond delay="500"/>
-                                  </p:stCondLst>
-                                  <p:childTnLst>
-                                    <p:set>
-                                      <p:cBhvr>
-                                        <p:cTn id="25" dur="1" fill="hold">
-                                          <p:stCondLst>
-                                            <p:cond delay="0"/>
-                                          </p:stCondLst>
-                                        </p:cTn>
-                                        <p:tgtEl>
-                                          <p:spTgt spid="13"/>
-                                        </p:tgtEl>
-                                        <p:attrNameLst>
-                                          <p:attrName>style.visibility</p:attrName>
-                                        </p:attrNameLst>
-                                      </p:cBhvr>
-                                      <p:to>
-                                        <p:strVal val="visible"/>
-                                      </p:to>
-                                    </p:set>
-                                    <p:animEffect transition="in" filter="fade">
-                                      <p:cBhvr>
-                                        <p:cTn id="26" dur="1000"/>
-                                        <p:tgtEl>
-                                          <p:spTgt spid="13"/>
-                                        </p:tgtEl>
-                                      </p:cBhvr>
-                                    </p:animEffect>
-                                    <p:anim calcmode="lin" valueType="num">
-                                      <p:cBhvr>
-                                        <p:cTn id="27" dur="1000" fill="hold"/>
-                                        <p:tgtEl>
-                                          <p:spTgt spid="13"/>
-                                        </p:tgtEl>
-                                        <p:attrNameLst>
-                                          <p:attrName>ppt_x</p:attrName>
-                                        </p:attrNameLst>
-                                      </p:cBhvr>
-                                      <p:tavLst>
-                                        <p:tav tm="0">
-                                          <p:val>
-                                            <p:strVal val="#ppt_x"/>
-                                          </p:val>
-                                        </p:tav>
-                                        <p:tav tm="100000">
-                                          <p:val>
-                                            <p:strVal val="#ppt_x"/>
-                                          </p:val>
-                                        </p:tav>
-                                      </p:tavLst>
-                                    </p:anim>
-                                    <p:anim calcmode="lin" valueType="num">
-                                      <p:cBhvr>
-                                        <p:cTn id="28" dur="1000" fill="hold"/>
-                                        <p:tgtEl>
-                                          <p:spTgt spid="13"/>
-                                        </p:tgtEl>
-                                        <p:attrNameLst>
-                                          <p:attrName>ppt_y</p:attrName>
-                                        </p:attrNameLst>
-                                      </p:cBhvr>
-                                      <p:tavLst>
-                                        <p:tav tm="0">
-                                          <p:val>
-                                            <p:strVal val="#ppt_y+.1"/>
-                                          </p:val>
-                                        </p:tav>
-                                        <p:tav tm="100000">
-                                          <p:val>
-                                            <p:strVal val="#ppt_y"/>
-                                          </p:val>
-                                        </p:tav>
-                                      </p:tavLst>
-                                    </p:anim>
-                                  </p:childTnLst>
-                                </p:cTn>
-                              </p:par>
-                            </p:childTnLst>
-                          </p:cTn>
-                        </p:par>
-                      </p:childTnLst>
-                    </p:cTn>
-                  </p:par>
-                  <p:par>
-                    <p:cTn id="29" fill="hold">
-                      <p:stCondLst>
-                        <p:cond delay="indefinite"/>
-                      </p:stCondLst>
-                      <p:childTnLst>
-                        <p:par>
-                          <p:cTn id="30" fill="hold">
-                            <p:stCondLst>
-                              <p:cond delay="0"/>
-                            </p:stCondLst>
-                            <p:childTnLst>
-                              <p:par>
-                                <p:cTn id="31" presetID="42" presetClass="entr" presetSubtype="0" fill="hold" nodeType="clickEffect">
-                                  <p:stCondLst>
-                                    <p:cond delay="500"/>
-                                  </p:stCondLst>
-                                  <p:childTnLst>
-                                    <p:set>
-                                      <p:cBhvr>
-                                        <p:cTn id="32" dur="1" fill="hold">
-                                          <p:stCondLst>
-                                            <p:cond delay="0"/>
-                                          </p:stCondLst>
-                                        </p:cTn>
-                                        <p:tgtEl>
-                                          <p:spTgt spid="14"/>
-                                        </p:tgtEl>
-                                        <p:attrNameLst>
-                                          <p:attrName>style.visibility</p:attrName>
-                                        </p:attrNameLst>
-                                      </p:cBhvr>
-                                      <p:to>
-                                        <p:strVal val="visible"/>
-                                      </p:to>
-                                    </p:set>
-                                    <p:animEffect transition="in" filter="fade">
-                                      <p:cBhvr>
-                                        <p:cTn id="33" dur="1000"/>
-                                        <p:tgtEl>
-                                          <p:spTgt spid="14"/>
-                                        </p:tgtEl>
-                                      </p:cBhvr>
-                                    </p:animEffect>
-                                    <p:anim calcmode="lin" valueType="num">
-                                      <p:cBhvr>
-                                        <p:cTn id="34" dur="1000" fill="hold"/>
-                                        <p:tgtEl>
-                                          <p:spTgt spid="14"/>
-                                        </p:tgtEl>
-                                        <p:attrNameLst>
-                                          <p:attrName>ppt_x</p:attrName>
-                                        </p:attrNameLst>
-                                      </p:cBhvr>
-                                      <p:tavLst>
-                                        <p:tav tm="0">
-                                          <p:val>
-                                            <p:strVal val="#ppt_x"/>
-                                          </p:val>
-                                        </p:tav>
-                                        <p:tav tm="100000">
-                                          <p:val>
-                                            <p:strVal val="#ppt_x"/>
-                                          </p:val>
-                                        </p:tav>
-                                      </p:tavLst>
-                                    </p:anim>
-                                    <p:anim calcmode="lin" valueType="num">
-                                      <p:cBhvr>
-                                        <p:cTn id="35" dur="1000" fill="hold"/>
-                                        <p:tgtEl>
-                                          <p:spTgt spid="14"/>
-                                        </p:tgtEl>
-                                        <p:attrNameLst>
-                                          <p:attrName>ppt_y</p:attrName>
-                                        </p:attrNameLst>
-                                      </p:cBhvr>
-                                      <p:tavLst>
-                                        <p:tav tm="0">
-                                          <p:val>
-                                            <p:strVal val="#ppt_y+.1"/>
-                                          </p:val>
-                                        </p:tav>
-                                        <p:tav tm="100000">
-                                          <p:val>
-                                            <p:strVal val="#ppt_y"/>
-                                          </p:val>
-                                        </p:tav>
-                                      </p:tavLst>
-                                    </p:anim>
-                                  </p:childTnLst>
-                                </p:cTn>
-                              </p:par>
-                              <p:par>
-                                <p:cTn id="36" presetID="42" presetClass="entr" presetSubtype="0" fill="hold" grpId="0" nodeType="withEffect">
-                                  <p:stCondLst>
-                                    <p:cond delay="500"/>
-                                  </p:stCondLst>
-                                  <p:childTnLst>
-                                    <p:set>
-                                      <p:cBhvr>
-                                        <p:cTn id="37" dur="1" fill="hold">
-                                          <p:stCondLst>
-                                            <p:cond delay="0"/>
-                                          </p:stCondLst>
-                                        </p:cTn>
-                                        <p:tgtEl>
-                                          <p:spTgt spid="17"/>
-                                        </p:tgtEl>
-                                        <p:attrNameLst>
-                                          <p:attrName>style.visibility</p:attrName>
-                                        </p:attrNameLst>
-                                      </p:cBhvr>
-                                      <p:to>
-                                        <p:strVal val="visible"/>
-                                      </p:to>
-                                    </p:set>
-                                    <p:animEffect transition="in" filter="fade">
-                                      <p:cBhvr>
-                                        <p:cTn id="38" dur="1000"/>
-                                        <p:tgtEl>
-                                          <p:spTgt spid="17"/>
-                                        </p:tgtEl>
-                                      </p:cBhvr>
-                                    </p:animEffect>
-                                    <p:anim calcmode="lin" valueType="num">
-                                      <p:cBhvr>
-                                        <p:cTn id="39" dur="1000" fill="hold"/>
-                                        <p:tgtEl>
-                                          <p:spTgt spid="17"/>
-                                        </p:tgtEl>
-                                        <p:attrNameLst>
-                                          <p:attrName>ppt_x</p:attrName>
-                                        </p:attrNameLst>
-                                      </p:cBhvr>
-                                      <p:tavLst>
-                                        <p:tav tm="0">
-                                          <p:val>
-                                            <p:strVal val="#ppt_x"/>
-                                          </p:val>
-                                        </p:tav>
-                                        <p:tav tm="100000">
-                                          <p:val>
-                                            <p:strVal val="#ppt_x"/>
-                                          </p:val>
-                                        </p:tav>
-                                      </p:tavLst>
-                                    </p:anim>
-                                    <p:anim calcmode="lin" valueType="num">
-                                      <p:cBhvr>
-                                        <p:cTn id="40" dur="1000" fill="hold"/>
-                                        <p:tgtEl>
-                                          <p:spTgt spid="17"/>
-                                        </p:tgtEl>
-                                        <p:attrNameLst>
-                                          <p:attrName>ppt_y</p:attrName>
-                                        </p:attrNameLst>
-                                      </p:cBhvr>
-                                      <p:tavLst>
-                                        <p:tav tm="0">
-                                          <p:val>
-                                            <p:strVal val="#ppt_y+.1"/>
-                                          </p:val>
-                                        </p:tav>
-                                        <p:tav tm="100000">
-                                          <p:val>
-                                            <p:strVal val="#ppt_y"/>
-                                          </p:val>
-                                        </p:tav>
-                                      </p:tavLst>
-                                    </p:anim>
-                                  </p:childTnLst>
-                                </p:cTn>
-                              </p:par>
-                            </p:childTnLst>
-                          </p:cTn>
-                        </p:par>
-                      </p:childTnLst>
-                    </p:cTn>
-                  </p:par>
-                </p:childTnLst>
-              </p:cTn>
-              <p:prevCondLst>
-                <p:cond evt="onPrev" delay="0">
-                  <p:tgtEl>
-                    <p:sldTgt/>
-                  </p:tgtEl>
-                </p:cond>
-              </p:prevCondLst>
-              <p:nextCondLst>
-                <p:cond evt="onNext" delay="0">
-                  <p:tgtEl>
-                    <p:sldTgt/>
-                  </p:tgtEl>
-                </p:cond>
-              </p:nextCondLst>
-            </p:seq>
-          </p:childTnLst>
-        </p:cTn>
-      </p:par>
-    </p:tnLst>
-    <p:bldLst>
-      <p:bldP spid="13" grpId="0"/>
-      <p:bldP spid="17" grpId="0"/>
-    </p:bldLst>
-  </p:timing>
-</p:sld>
-</file>
-
-<file path=ppt/slides/slide11.xml><?xml version="1.0" encoding="utf-8"?>
-<p:sld xmlns:a="http://schemas.openxmlformats.org/drawingml/2006/main" xmlns:r="http://schemas.openxmlformats.org/officeDocument/2006/relationships" xmlns:p="http://schemas.openxmlformats.org/presentationml/2006/main">
-  <p:cSld>
-    <p:spTree>
-      <p:nvGrpSpPr>
-        <p:cNvPr id="1" name=""/>
-        <p:cNvGrpSpPr/>
-        <p:nvPr/>
-      </p:nvGrpSpPr>
-      <p:grpSpPr>
-        <a:xfrm>
-          <a:off x="0" y="0"/>
-          <a:ext cx="0" cy="0"/>
-          <a:chOff x="0" y="0"/>
-          <a:chExt cx="0" cy="0"/>
-        </a:xfrm>
-      </p:grpSpPr>
-      <p:pic>
-        <p:nvPicPr>
-          <p:cNvPr id="12" name="Picture 11">
-            <a:extLst>
-              <a:ext uri="{FF2B5EF4-FFF2-40B4-BE49-F238E27FC236}">
-                <a16:creationId xmlns:a16="http://schemas.microsoft.com/office/drawing/2014/main" id="{B84BC1E1-C86F-C18F-6BFE-ADFFFC091C4B}"/>
-              </a:ext>
-            </a:extLst>
-          </p:cNvPr>
-          <p:cNvPicPr>
-            <a:picLocks noChangeAspect="1"/>
-          </p:cNvPicPr>
-          <p:nvPr/>
-        </p:nvPicPr>
-        <p:blipFill>
-          <a:blip r:embed="rId2">
-            <a:extLst>
-              <a:ext uri="{28A0092B-C50C-407E-A947-70E740481C1C}">
-                <a14:useLocalDpi xmlns:a14="http://schemas.microsoft.com/office/drawing/2010/main" val="0"/>
-              </a:ext>
-            </a:extLst>
-          </a:blip>
-          <a:stretch>
-            <a:fillRect/>
-          </a:stretch>
-        </p:blipFill>
-        <p:spPr>
-          <a:xfrm>
-            <a:off x="5467153" y="79095"/>
-            <a:ext cx="6724847" cy="2606349"/>
-          </a:xfrm>
-          <a:prstGeom prst="rect">
-            <a:avLst/>
-          </a:prstGeom>
-        </p:spPr>
-      </p:pic>
-      <p:pic>
-        <p:nvPicPr>
-          <p:cNvPr id="9" name="Picture 8">
-            <a:extLst>
-              <a:ext uri="{FF2B5EF4-FFF2-40B4-BE49-F238E27FC236}">
-                <a16:creationId xmlns:a16="http://schemas.microsoft.com/office/drawing/2014/main" id="{E5E37E73-78C0-4211-1BB8-565CBBF36909}"/>
-              </a:ext>
-            </a:extLst>
-          </p:cNvPr>
-          <p:cNvPicPr>
-            <a:picLocks noChangeAspect="1"/>
-          </p:cNvPicPr>
-          <p:nvPr/>
-        </p:nvPicPr>
-        <p:blipFill>
-          <a:blip r:embed="rId3"/>
-          <a:stretch>
-            <a:fillRect/>
-          </a:stretch>
-        </p:blipFill>
-        <p:spPr>
-          <a:xfrm>
-            <a:off x="311663" y="2164574"/>
-            <a:ext cx="7017064" cy="4419104"/>
-          </a:xfrm>
-          <a:prstGeom prst="rect">
-            <a:avLst/>
-          </a:prstGeom>
-        </p:spPr>
-      </p:pic>
-      <p:cxnSp>
-        <p:nvCxnSpPr>
-          <p:cNvPr id="10" name="Straight Connector 9">
-            <a:extLst>
-              <a:ext uri="{FF2B5EF4-FFF2-40B4-BE49-F238E27FC236}">
-                <a16:creationId xmlns:a16="http://schemas.microsoft.com/office/drawing/2014/main" id="{98A313E0-0511-018C-664E-FA74967A5D31}"/>
-              </a:ext>
-            </a:extLst>
-          </p:cNvPr>
-          <p:cNvCxnSpPr/>
-          <p:nvPr/>
-        </p:nvCxnSpPr>
-        <p:spPr>
-          <a:xfrm flipV="1">
-            <a:off x="2367814" y="1219685"/>
-            <a:ext cx="0" cy="944890"/>
-          </a:xfrm>
-          <a:prstGeom prst="line">
-            <a:avLst/>
-          </a:prstGeom>
-        </p:spPr>
-        <p:style>
-          <a:lnRef idx="3">
-            <a:schemeClr val="accent1"/>
-          </a:lnRef>
-          <a:fillRef idx="0">
-            <a:schemeClr val="accent1"/>
-          </a:fillRef>
-          <a:effectRef idx="2">
-            <a:schemeClr val="accent1"/>
-          </a:effectRef>
-          <a:fontRef idx="minor">
-            <a:schemeClr val="tx1"/>
-          </a:fontRef>
-        </p:style>
-      </p:cxnSp>
-      <p:cxnSp>
-        <p:nvCxnSpPr>
-          <p:cNvPr id="11" name="Straight Arrow Connector 10">
-            <a:extLst>
-              <a:ext uri="{FF2B5EF4-FFF2-40B4-BE49-F238E27FC236}">
-                <a16:creationId xmlns:a16="http://schemas.microsoft.com/office/drawing/2014/main" id="{DCBE4C22-77B1-16F8-4ABF-C27559AE227C}"/>
-              </a:ext>
-            </a:extLst>
-          </p:cNvPr>
-          <p:cNvCxnSpPr/>
-          <p:nvPr/>
-        </p:nvCxnSpPr>
-        <p:spPr>
-          <a:xfrm>
-            <a:off x="2367815" y="1219685"/>
-            <a:ext cx="3728185" cy="0"/>
-          </a:xfrm>
-          <a:prstGeom prst="straightConnector1">
-            <a:avLst/>
-          </a:prstGeom>
-          <a:ln>
-            <a:tailEnd type="triangle"/>
-          </a:ln>
-        </p:spPr>
-        <p:style>
-          <a:lnRef idx="3">
-            <a:schemeClr val="accent1"/>
-          </a:lnRef>
-          <a:fillRef idx="0">
-            <a:schemeClr val="accent1"/>
-          </a:fillRef>
-          <a:effectRef idx="2">
-            <a:schemeClr val="accent1"/>
-          </a:effectRef>
-          <a:fontRef idx="minor">
-            <a:schemeClr val="tx1"/>
-          </a:fontRef>
-        </p:style>
-      </p:cxnSp>
-      <p:sp>
-        <p:nvSpPr>
-          <p:cNvPr id="13" name="TextBox 12">
-            <a:extLst>
-              <a:ext uri="{FF2B5EF4-FFF2-40B4-BE49-F238E27FC236}">
-                <a16:creationId xmlns:a16="http://schemas.microsoft.com/office/drawing/2014/main" id="{C1A2054E-16ED-B1D9-15AF-67C297D0BC5B}"/>
-              </a:ext>
-            </a:extLst>
-          </p:cNvPr>
-          <p:cNvSpPr txBox="1"/>
-          <p:nvPr/>
-        </p:nvSpPr>
-        <p:spPr>
-          <a:xfrm>
-            <a:off x="6473544" y="933780"/>
-            <a:ext cx="4941572" cy="923330"/>
-          </a:xfrm>
-          <a:prstGeom prst="rect">
-            <a:avLst/>
-          </a:prstGeom>
-          <a:noFill/>
-        </p:spPr>
-        <p:txBody>
-          <a:bodyPr wrap="square" rtlCol="0">
-            <a:spAutoFit/>
-          </a:bodyPr>
-          <a:lstStyle/>
-          <a:p>
-            <a:r>
-              <a:rPr lang="en-US" dirty="0">
-                <a:solidFill>
-                  <a:schemeClr val="bg1"/>
-                </a:solidFill>
-                <a:latin typeface="Arial Rounded MT Bold" panose="020F0704030504030204" pitchFamily="34" charset="0"/>
-                <a:ea typeface="Verdana" panose="020B0604030504040204" pitchFamily="34" charset="0"/>
-              </a:rPr>
-              <a:t>JavaScript provides facility to validate the form on the client-side so data processing will be faster than server-side validation.</a:t>
-            </a:r>
-          </a:p>
-        </p:txBody>
-      </p:sp>
-      <p:pic>
-        <p:nvPicPr>
-          <p:cNvPr id="14" name="Picture 13">
-            <a:extLst>
-              <a:ext uri="{FF2B5EF4-FFF2-40B4-BE49-F238E27FC236}">
-                <a16:creationId xmlns:a16="http://schemas.microsoft.com/office/drawing/2014/main" id="{925A89FD-A7D4-1961-1369-E955E4060A25}"/>
-              </a:ext>
-            </a:extLst>
-          </p:cNvPr>
-          <p:cNvPicPr>
-            <a:picLocks noChangeAspect="1"/>
-          </p:cNvPicPr>
-          <p:nvPr/>
-        </p:nvPicPr>
-        <p:blipFill>
-          <a:blip r:embed="rId4">
-            <a:extLst>
-              <a:ext uri="{28A0092B-C50C-407E-A947-70E740481C1C}">
-                <a14:useLocalDpi xmlns:a14="http://schemas.microsoft.com/office/drawing/2010/main" val="0"/>
-              </a:ext>
-            </a:extLst>
-          </a:blip>
-          <a:stretch>
-            <a:fillRect/>
-          </a:stretch>
-        </p:blipFill>
-        <p:spPr>
-          <a:xfrm>
-            <a:off x="9977067" y="6013642"/>
-            <a:ext cx="1528148" cy="498987"/>
-          </a:xfrm>
-          <a:prstGeom prst="rect">
-            <a:avLst/>
-          </a:prstGeom>
-        </p:spPr>
-      </p:pic>
-    </p:spTree>
-    <p:extLst>
-      <p:ext uri="{BB962C8B-B14F-4D97-AF65-F5344CB8AC3E}">
-        <p14:creationId xmlns:p14="http://schemas.microsoft.com/office/powerpoint/2010/main" val="723167412"/>
-      </p:ext>
-    </p:extLst>
-  </p:cSld>
-  <p:clrMapOvr>
-    <a:masterClrMapping/>
-  </p:clrMapOvr>
-  <p:timing>
-    <p:tnLst>
-      <p:par>
-        <p:cTn id="1" dur="indefinite" restart="never" nodeType="tmRoot">
-          <p:childTnLst>
-            <p:seq concurrent="1" nextAc="seek">
-              <p:cTn id="2" dur="indefinite" nodeType="mainSeq">
-                <p:childTnLst>
-                  <p:par>
-                    <p:cTn id="3" fill="hold">
-                      <p:stCondLst>
-                        <p:cond delay="indefinite"/>
-                      </p:stCondLst>
-                      <p:childTnLst>
-                        <p:par>
-                          <p:cTn id="4" fill="hold">
-                            <p:stCondLst>
-                              <p:cond delay="0"/>
-                            </p:stCondLst>
-                            <p:childTnLst>
-                              <p:par>
-                                <p:cTn id="5" presetID="10" presetClass="entr" presetSubtype="0" fill="hold" nodeType="clickEffect">
-                                  <p:stCondLst>
-                                    <p:cond delay="0"/>
-                                  </p:stCondLst>
-                                  <p:childTnLst>
-                                    <p:set>
-                                      <p:cBhvr>
-                                        <p:cTn id="6" dur="1" fill="hold">
-                                          <p:stCondLst>
-                                            <p:cond delay="0"/>
-                                          </p:stCondLst>
-                                        </p:cTn>
-                                        <p:tgtEl>
-                                          <p:spTgt spid="9"/>
-                                        </p:tgtEl>
-                                        <p:attrNameLst>
-                                          <p:attrName>style.visibility</p:attrName>
-                                        </p:attrNameLst>
-                                      </p:cBhvr>
-                                      <p:to>
-                                        <p:strVal val="visible"/>
-                                      </p:to>
-                                    </p:set>
-                                    <p:animEffect transition="in" filter="fade">
-                                      <p:cBhvr>
-                                        <p:cTn id="7" dur="500"/>
-                                        <p:tgtEl>
-                                          <p:spTgt spid="9"/>
-                                        </p:tgtEl>
-                                      </p:cBhvr>
-                                    </p:animEffect>
-                                  </p:childTnLst>
-                                </p:cTn>
-                              </p:par>
-                            </p:childTnLst>
-                          </p:cTn>
-                        </p:par>
-                      </p:childTnLst>
-                    </p:cTn>
-                  </p:par>
-                  <p:par>
-                    <p:cTn id="8" fill="hold">
-                      <p:stCondLst>
-                        <p:cond delay="indefinite"/>
-                      </p:stCondLst>
-                      <p:childTnLst>
-                        <p:par>
-                          <p:cTn id="9" fill="hold">
-                            <p:stCondLst>
-                              <p:cond delay="0"/>
-                            </p:stCondLst>
-                            <p:childTnLst>
-                              <p:par>
-                                <p:cTn id="10" presetID="22" presetClass="entr" presetSubtype="4" fill="hold" nodeType="clickEffect">
-                                  <p:stCondLst>
-                                    <p:cond delay="0"/>
-                                  </p:stCondLst>
-                                  <p:childTnLst>
-                                    <p:set>
-                                      <p:cBhvr>
-                                        <p:cTn id="11" dur="1" fill="hold">
-                                          <p:stCondLst>
-                                            <p:cond delay="0"/>
-                                          </p:stCondLst>
-                                        </p:cTn>
-                                        <p:tgtEl>
-                                          <p:spTgt spid="10"/>
-                                        </p:tgtEl>
-                                        <p:attrNameLst>
-                                          <p:attrName>style.visibility</p:attrName>
-                                        </p:attrNameLst>
-                                      </p:cBhvr>
-                                      <p:to>
-                                        <p:strVal val="visible"/>
-                                      </p:to>
-                                    </p:set>
-                                    <p:animEffect transition="in" filter="wipe(down)">
-                                      <p:cBhvr>
-                                        <p:cTn id="12" dur="500"/>
-                                        <p:tgtEl>
-                                          <p:spTgt spid="10"/>
-                                        </p:tgtEl>
-                                      </p:cBhvr>
-                                    </p:animEffect>
-                                  </p:childTnLst>
-                                </p:cTn>
-                              </p:par>
-                            </p:childTnLst>
-                          </p:cTn>
-                        </p:par>
-                        <p:par>
-                          <p:cTn id="13" fill="hold">
-                            <p:stCondLst>
-                              <p:cond delay="500"/>
-                            </p:stCondLst>
-                            <p:childTnLst>
-                              <p:par>
-                                <p:cTn id="14" presetID="22" presetClass="entr" presetSubtype="8" fill="hold" nodeType="afterEffect">
-                                  <p:stCondLst>
-                                    <p:cond delay="0"/>
-                                  </p:stCondLst>
-                                  <p:childTnLst>
-                                    <p:set>
-                                      <p:cBhvr>
-                                        <p:cTn id="15" dur="1" fill="hold">
-                                          <p:stCondLst>
-                                            <p:cond delay="0"/>
-                                          </p:stCondLst>
-                                        </p:cTn>
-                                        <p:tgtEl>
-                                          <p:spTgt spid="11"/>
-                                        </p:tgtEl>
-                                        <p:attrNameLst>
-                                          <p:attrName>style.visibility</p:attrName>
-                                        </p:attrNameLst>
-                                      </p:cBhvr>
-                                      <p:to>
-                                        <p:strVal val="visible"/>
-                                      </p:to>
-                                    </p:set>
-                                    <p:animEffect transition="in" filter="wipe(left)">
-                                      <p:cBhvr>
-                                        <p:cTn id="16" dur="500"/>
-                                        <p:tgtEl>
-                                          <p:spTgt spid="11"/>
-                                        </p:tgtEl>
-                                      </p:cBhvr>
-                                    </p:animEffect>
-                                  </p:childTnLst>
-                                </p:cTn>
-                              </p:par>
-                            </p:childTnLst>
-                          </p:cTn>
-                        </p:par>
-                      </p:childTnLst>
-                    </p:cTn>
-                  </p:par>
-                  <p:par>
-                    <p:cTn id="17" fill="hold">
-                      <p:stCondLst>
-                        <p:cond delay="indefinite"/>
-                      </p:stCondLst>
-                      <p:childTnLst>
-                        <p:par>
-                          <p:cTn id="18" fill="hold">
-                            <p:stCondLst>
-                              <p:cond delay="0"/>
-                            </p:stCondLst>
-                            <p:childTnLst>
-                              <p:par>
-                                <p:cTn id="19" presetID="42" presetClass="entr" presetSubtype="0" fill="hold" nodeType="clickEffect">
-                                  <p:stCondLst>
-                                    <p:cond delay="0"/>
-                                  </p:stCondLst>
-                                  <p:childTnLst>
-                                    <p:set>
-                                      <p:cBhvr>
-                                        <p:cTn id="20" dur="1" fill="hold">
-                                          <p:stCondLst>
-                                            <p:cond delay="0"/>
-                                          </p:stCondLst>
-                                        </p:cTn>
-                                        <p:tgtEl>
-                                          <p:spTgt spid="12"/>
-                                        </p:tgtEl>
-                                        <p:attrNameLst>
-                                          <p:attrName>style.visibility</p:attrName>
-                                        </p:attrNameLst>
-                                      </p:cBhvr>
-                                      <p:to>
-                                        <p:strVal val="visible"/>
-                                      </p:to>
-                                    </p:set>
-                                    <p:animEffect transition="in" filter="fade">
-                                      <p:cBhvr>
-                                        <p:cTn id="21" dur="1000"/>
-                                        <p:tgtEl>
-                                          <p:spTgt spid="12"/>
-                                        </p:tgtEl>
-                                      </p:cBhvr>
-                                    </p:animEffect>
-                                    <p:anim calcmode="lin" valueType="num">
-                                      <p:cBhvr>
-                                        <p:cTn id="22" dur="1000" fill="hold"/>
-                                        <p:tgtEl>
-                                          <p:spTgt spid="12"/>
-                                        </p:tgtEl>
-                                        <p:attrNameLst>
-                                          <p:attrName>ppt_x</p:attrName>
-                                        </p:attrNameLst>
-                                      </p:cBhvr>
-                                      <p:tavLst>
-                                        <p:tav tm="0">
-                                          <p:val>
-                                            <p:strVal val="#ppt_x"/>
-                                          </p:val>
-                                        </p:tav>
-                                        <p:tav tm="100000">
-                                          <p:val>
-                                            <p:strVal val="#ppt_x"/>
-                                          </p:val>
-                                        </p:tav>
-                                      </p:tavLst>
-                                    </p:anim>
-                                    <p:anim calcmode="lin" valueType="num">
-                                      <p:cBhvr>
-                                        <p:cTn id="23" dur="1000" fill="hold"/>
-                                        <p:tgtEl>
-                                          <p:spTgt spid="12"/>
-                                        </p:tgtEl>
-                                        <p:attrNameLst>
-                                          <p:attrName>ppt_y</p:attrName>
-                                        </p:attrNameLst>
-                                      </p:cBhvr>
-                                      <p:tavLst>
-                                        <p:tav tm="0">
-                                          <p:val>
-                                            <p:strVal val="#ppt_y+.1"/>
-                                          </p:val>
-                                        </p:tav>
-                                        <p:tav tm="100000">
-                                          <p:val>
-                                            <p:strVal val="#ppt_y"/>
-                                          </p:val>
-                                        </p:tav>
-                                      </p:tavLst>
-                                    </p:anim>
-                                  </p:childTnLst>
-                                </p:cTn>
-                              </p:par>
-                              <p:par>
-                                <p:cTn id="24" presetID="42" presetClass="entr" presetSubtype="0" fill="hold" grpId="0" nodeType="withEffect">
-                                  <p:stCondLst>
-                                    <p:cond delay="0"/>
-                                  </p:stCondLst>
-                                  <p:childTnLst>
-                                    <p:set>
-                                      <p:cBhvr>
-                                        <p:cTn id="25" dur="1" fill="hold">
-                                          <p:stCondLst>
-                                            <p:cond delay="0"/>
-                                          </p:stCondLst>
-                                        </p:cTn>
-                                        <p:tgtEl>
-                                          <p:spTgt spid="13"/>
-                                        </p:tgtEl>
-                                        <p:attrNameLst>
-                                          <p:attrName>style.visibility</p:attrName>
-                                        </p:attrNameLst>
-                                      </p:cBhvr>
-                                      <p:to>
-                                        <p:strVal val="visible"/>
-                                      </p:to>
-                                    </p:set>
-                                    <p:animEffect transition="in" filter="fade">
-                                      <p:cBhvr>
-                                        <p:cTn id="26" dur="1000"/>
-                                        <p:tgtEl>
-                                          <p:spTgt spid="13"/>
-                                        </p:tgtEl>
-                                      </p:cBhvr>
-                                    </p:animEffect>
-                                    <p:anim calcmode="lin" valueType="num">
-                                      <p:cBhvr>
-                                        <p:cTn id="27" dur="1000" fill="hold"/>
-                                        <p:tgtEl>
-                                          <p:spTgt spid="13"/>
-                                        </p:tgtEl>
-                                        <p:attrNameLst>
-                                          <p:attrName>ppt_x</p:attrName>
-                                        </p:attrNameLst>
-                                      </p:cBhvr>
-                                      <p:tavLst>
-                                        <p:tav tm="0">
-                                          <p:val>
-                                            <p:strVal val="#ppt_x"/>
-                                          </p:val>
-                                        </p:tav>
-                                        <p:tav tm="100000">
-                                          <p:val>
-                                            <p:strVal val="#ppt_x"/>
-                                          </p:val>
-                                        </p:tav>
-                                      </p:tavLst>
-                                    </p:anim>
-                                    <p:anim calcmode="lin" valueType="num">
-                                      <p:cBhvr>
-                                        <p:cTn id="28" dur="1000" fill="hold"/>
-                                        <p:tgtEl>
-                                          <p:spTgt spid="13"/>
-                                        </p:tgtEl>
-                                        <p:attrNameLst>
-                                          <p:attrName>ppt_y</p:attrName>
-                                        </p:attrNameLst>
-                                      </p:cBhvr>
-                                      <p:tavLst>
-                                        <p:tav tm="0">
-                                          <p:val>
-                                            <p:strVal val="#ppt_y+.1"/>
-                                          </p:val>
-                                        </p:tav>
-                                        <p:tav tm="100000">
-                                          <p:val>
-                                            <p:strVal val="#ppt_y"/>
-                                          </p:val>
-                                        </p:tav>
-                                      </p:tavLst>
-                                    </p:anim>
-                                  </p:childTnLst>
-                                </p:cTn>
-                              </p:par>
-                            </p:childTnLst>
-                          </p:cTn>
-                        </p:par>
-                      </p:childTnLst>
-                    </p:cTn>
-                  </p:par>
-                </p:childTnLst>
-              </p:cTn>
-              <p:prevCondLst>
-                <p:cond evt="onPrev" delay="0">
-                  <p:tgtEl>
-                    <p:sldTgt/>
-                  </p:tgtEl>
-                </p:cond>
-              </p:prevCondLst>
-              <p:nextCondLst>
-                <p:cond evt="onNext" delay="0">
-                  <p:tgtEl>
-                    <p:sldTgt/>
-                  </p:tgtEl>
-                </p:cond>
-              </p:nextCondLst>
-            </p:seq>
-          </p:childTnLst>
-        </p:cTn>
-      </p:par>
-    </p:tnLst>
-    <p:bldLst>
-      <p:bldP spid="13" grpId="0"/>
-    </p:bldLst>
-  </p:timing>
-</p:sld>
-</file>
-
-<file path=ppt/slides/slide12.xml><?xml version="1.0" encoding="utf-8"?>
-<p:sld xmlns:a="http://schemas.openxmlformats.org/drawingml/2006/main" xmlns:r="http://schemas.openxmlformats.org/officeDocument/2006/relationships" xmlns:p="http://schemas.openxmlformats.org/presentationml/2006/main">
-  <p:cSld>
-    <p:spTree>
-      <p:nvGrpSpPr>
-        <p:cNvPr id="1" name=""/>
-        <p:cNvGrpSpPr/>
-        <p:nvPr/>
-      </p:nvGrpSpPr>
-      <p:grpSpPr>
-        <a:xfrm>
-          <a:off x="0" y="0"/>
-          <a:ext cx="0" cy="0"/>
-          <a:chOff x="0" y="0"/>
-          <a:chExt cx="0" cy="0"/>
-        </a:xfrm>
-      </p:grpSpPr>
-      <p:pic>
-        <p:nvPicPr>
-          <p:cNvPr id="5" name="Picture 4">
-            <a:extLst>
-              <a:ext uri="{FF2B5EF4-FFF2-40B4-BE49-F238E27FC236}">
-                <a16:creationId xmlns:a16="http://schemas.microsoft.com/office/drawing/2014/main" id="{D1DBD89F-8668-B12E-AE4D-2F731A534786}"/>
-              </a:ext>
-            </a:extLst>
-          </p:cNvPr>
-          <p:cNvPicPr>
-            <a:picLocks noChangeAspect="1"/>
-          </p:cNvPicPr>
-          <p:nvPr/>
-        </p:nvPicPr>
-        <p:blipFill>
-          <a:blip r:embed="rId2">
+          <a:blip r:embed="rId1">
             <a:extLst>
               <a:ext uri="{BEBA8EAE-BF5A-486C-A8C5-ECC9F3942E4B}">
                 <a14:imgProps xmlns:a14="http://schemas.microsoft.com/office/drawing/2010/main">
-                  <a14:imgLayer r:embed="rId3">
+                  <a14:imgLayer r:embed="rId2">
                     <a14:imgEffect>
                       <a14:saturation sat="300000"/>
                     </a14:imgEffect>
@@ -5261,20 +3272,14 @@
       </p:pic>
       <p:pic>
         <p:nvPicPr>
-          <p:cNvPr id="6" name="Picture 5">
-            <a:extLst>
-              <a:ext uri="{FF2B5EF4-FFF2-40B4-BE49-F238E27FC236}">
-                <a16:creationId xmlns:a16="http://schemas.microsoft.com/office/drawing/2014/main" id="{386E818A-0D91-FC33-1CFB-4C61F3DD0316}"/>
-              </a:ext>
-            </a:extLst>
-          </p:cNvPr>
+          <p:cNvPr id="6" name="Picture 5"/>
           <p:cNvPicPr>
             <a:picLocks noChangeAspect="1"/>
           </p:cNvPicPr>
           <p:nvPr/>
         </p:nvPicPr>
         <p:blipFill>
-          <a:blip r:embed="rId4">
+          <a:blip r:embed="rId3">
             <a:extLst>
               <a:ext uri="{28A0092B-C50C-407E-A947-70E740481C1C}">
                 <a14:useLocalDpi xmlns:a14="http://schemas.microsoft.com/office/drawing/2010/main" val="0"/>
@@ -5296,11 +3301,6 @@
         </p:spPr>
       </p:pic>
     </p:spTree>
-    <p:extLst>
-      <p:ext uri="{BB962C8B-B14F-4D97-AF65-F5344CB8AC3E}">
-        <p14:creationId xmlns:p14="http://schemas.microsoft.com/office/powerpoint/2010/main" val="592416816"/>
-      </p:ext>
-    </p:extLst>
   </p:cSld>
   <p:clrMapOvr>
     <a:masterClrMapping/>
@@ -5410,13 +3410,7 @@
       </p:grpSpPr>
       <p:sp>
         <p:nvSpPr>
-          <p:cNvPr id="2" name="Title 1">
-            <a:extLst>
-              <a:ext uri="{FF2B5EF4-FFF2-40B4-BE49-F238E27FC236}">
-                <a16:creationId xmlns:a16="http://schemas.microsoft.com/office/drawing/2014/main" id="{3C4C8F67-7874-5605-6969-B3B158925E34}"/>
-              </a:ext>
-            </a:extLst>
-          </p:cNvPr>
+          <p:cNvPr id="2" name="Title 1"/>
           <p:cNvSpPr>
             <a:spLocks noGrp="1"/>
           </p:cNvSpPr>
@@ -5475,13 +3469,7 @@
       </p:sp>
       <p:sp>
         <p:nvSpPr>
-          <p:cNvPr id="3" name="Content Placeholder 2">
-            <a:extLst>
-              <a:ext uri="{FF2B5EF4-FFF2-40B4-BE49-F238E27FC236}">
-                <a16:creationId xmlns:a16="http://schemas.microsoft.com/office/drawing/2014/main" id="{67C0F9DA-3CBE-21FB-7DD8-6648FBDF3F06}"/>
-              </a:ext>
-            </a:extLst>
-          </p:cNvPr>
+          <p:cNvPr id="3" name="Content Placeholder 2"/>
           <p:cNvSpPr>
             <a:spLocks noGrp="1"/>
           </p:cNvSpPr>
@@ -5510,25 +3498,22 @@
               </a:rPr>
               <a:t> </a:t>
             </a:r>
+            <a:endParaRPr lang="en-IN" dirty="0">
+              <a:latin typeface="Arial Rounded MT Bold" panose="020F0704030504030204" pitchFamily="34" charset="0"/>
+            </a:endParaRPr>
           </a:p>
         </p:txBody>
       </p:sp>
       <p:pic>
         <p:nvPicPr>
-          <p:cNvPr id="9" name="Picture 8">
-            <a:extLst>
-              <a:ext uri="{FF2B5EF4-FFF2-40B4-BE49-F238E27FC236}">
-                <a16:creationId xmlns:a16="http://schemas.microsoft.com/office/drawing/2014/main" id="{A345E224-6EE7-4148-EA35-04CC53BDF9F5}"/>
-              </a:ext>
-            </a:extLst>
-          </p:cNvPr>
+          <p:cNvPr id="9" name="Picture 8"/>
           <p:cNvPicPr>
             <a:picLocks noChangeAspect="1"/>
           </p:cNvPicPr>
           <p:nvPr/>
         </p:nvPicPr>
         <p:blipFill>
-          <a:blip r:embed="rId2">
+          <a:blip r:embed="rId1">
             <a:extLst>
               <a:ext uri="{28A0092B-C50C-407E-A947-70E740481C1C}">
                 <a14:useLocalDpi xmlns:a14="http://schemas.microsoft.com/office/drawing/2010/main" val="0"/>
@@ -5551,13 +3536,7 @@
       </p:pic>
       <p:sp>
         <p:nvSpPr>
-          <p:cNvPr id="5" name="Rectangle: Rounded Corners 4">
-            <a:extLst>
-              <a:ext uri="{FF2B5EF4-FFF2-40B4-BE49-F238E27FC236}">
-                <a16:creationId xmlns:a16="http://schemas.microsoft.com/office/drawing/2014/main" id="{653B6AB8-9FA5-28D5-DCE1-07A06EB554B0}"/>
-              </a:ext>
-            </a:extLst>
-          </p:cNvPr>
+          <p:cNvPr id="5" name="Rectangle: Rounded Corners 4"/>
           <p:cNvSpPr/>
           <p:nvPr/>
         </p:nvSpPr>
@@ -5602,13 +3581,7 @@
       </p:sp>
       <p:sp>
         <p:nvSpPr>
-          <p:cNvPr id="8" name="TextBox 7">
-            <a:extLst>
-              <a:ext uri="{FF2B5EF4-FFF2-40B4-BE49-F238E27FC236}">
-                <a16:creationId xmlns:a16="http://schemas.microsoft.com/office/drawing/2014/main" id="{A161B5E2-8963-18B1-5C3B-2772C9B55811}"/>
-              </a:ext>
-            </a:extLst>
-          </p:cNvPr>
+          <p:cNvPr id="8" name="TextBox 7"/>
           <p:cNvSpPr txBox="1"/>
           <p:nvPr/>
         </p:nvSpPr>
@@ -5665,13 +3638,7 @@
       </p:sp>
       <p:sp>
         <p:nvSpPr>
-          <p:cNvPr id="14" name="Rectangle: Rounded Corners 13">
-            <a:extLst>
-              <a:ext uri="{FF2B5EF4-FFF2-40B4-BE49-F238E27FC236}">
-                <a16:creationId xmlns:a16="http://schemas.microsoft.com/office/drawing/2014/main" id="{9EC0FE33-D596-3179-A1D4-893C19BEE179}"/>
-              </a:ext>
-            </a:extLst>
-          </p:cNvPr>
+          <p:cNvPr id="14" name="Rectangle: Rounded Corners 13"/>
           <p:cNvSpPr/>
           <p:nvPr/>
         </p:nvSpPr>
@@ -5716,13 +3683,7 @@
       </p:sp>
       <p:sp>
         <p:nvSpPr>
-          <p:cNvPr id="17" name="TextBox 16">
-            <a:extLst>
-              <a:ext uri="{FF2B5EF4-FFF2-40B4-BE49-F238E27FC236}">
-                <a16:creationId xmlns:a16="http://schemas.microsoft.com/office/drawing/2014/main" id="{E3B8E831-837F-4419-C8A3-4BD8670B570F}"/>
-              </a:ext>
-            </a:extLst>
-          </p:cNvPr>
+          <p:cNvPr id="17" name="TextBox 16"/>
           <p:cNvSpPr txBox="1"/>
           <p:nvPr/>
         </p:nvSpPr>
@@ -5783,13 +3744,7 @@
       </p:sp>
       <p:sp>
         <p:nvSpPr>
-          <p:cNvPr id="23" name="Freeform 96">
-            <a:extLst>
-              <a:ext uri="{FF2B5EF4-FFF2-40B4-BE49-F238E27FC236}">
-                <a16:creationId xmlns:a16="http://schemas.microsoft.com/office/drawing/2014/main" id="{6FAF551B-9EA0-8FFE-4B0C-9C73A703A809}"/>
-              </a:ext>
-            </a:extLst>
-          </p:cNvPr>
+          <p:cNvPr id="23" name="Freeform 96"/>
           <p:cNvSpPr>
             <a:spLocks noEditPoints="1"/>
           </p:cNvSpPr>
@@ -6090,18 +4045,12 @@
                   <a:srgbClr val="000000"/>
                 </a:solidFill>
                 <a:round/>
-                <a:headEnd/>
-                <a:tailEnd/>
               </a14:hiddenLine>
             </a:ext>
           </a:extLst>
         </p:spPr>
         <p:txBody>
-          <a:bodyPr vert="horz" wrap="square" lIns="91440" tIns="45720" rIns="91440" bIns="45720" numCol="1" anchor="t" anchorCtr="0" compatLnSpc="1">
-            <a:prstTxWarp prst="textNoShape">
-              <a:avLst/>
-            </a:prstTxWarp>
-          </a:bodyPr>
+          <a:bodyPr vert="horz" wrap="square" lIns="91440" tIns="45720" rIns="91440" bIns="45720" numCol="1" anchor="t" anchorCtr="0" compatLnSpc="1"/>
           <a:lstStyle/>
           <a:p>
             <a:endParaRPr lang="en-IN"/>
@@ -6110,20 +4059,14 @@
       </p:sp>
       <p:pic>
         <p:nvPicPr>
-          <p:cNvPr id="1026" name="Picture 2">
-            <a:extLst>
-              <a:ext uri="{FF2B5EF4-FFF2-40B4-BE49-F238E27FC236}">
-                <a16:creationId xmlns:a16="http://schemas.microsoft.com/office/drawing/2014/main" id="{6BB2C638-8AEA-5F67-4D08-9FE4E6D7B622}"/>
-              </a:ext>
-            </a:extLst>
-          </p:cNvPr>
+          <p:cNvPr id="1026" name="Picture 2"/>
           <p:cNvPicPr>
             <a:picLocks noChangeAspect="1" noChangeArrowheads="1"/>
           </p:cNvPicPr>
           <p:nvPr/>
         </p:nvPicPr>
         <p:blipFill>
-          <a:blip r:embed="rId3">
+          <a:blip r:embed="rId2">
             <a:extLst>
               <a:ext uri="{28A0092B-C50C-407E-A947-70E740481C1C}">
                 <a14:useLocalDpi xmlns:a14="http://schemas.microsoft.com/office/drawing/2010/main" val="0"/>
@@ -6156,11 +4099,6 @@
         </p:spPr>
       </p:pic>
     </p:spTree>
-    <p:extLst>
-      <p:ext uri="{BB962C8B-B14F-4D97-AF65-F5344CB8AC3E}">
-        <p14:creationId xmlns:p14="http://schemas.microsoft.com/office/powerpoint/2010/main" val="3449275339"/>
-      </p:ext>
-    </p:extLst>
   </p:cSld>
   <p:clrMapOvr>
     <a:masterClrMapping/>
@@ -6611,13 +4549,7 @@
       </p:grpSpPr>
       <p:sp>
         <p:nvSpPr>
-          <p:cNvPr id="2" name="Title 1">
-            <a:extLst>
-              <a:ext uri="{FF2B5EF4-FFF2-40B4-BE49-F238E27FC236}">
-                <a16:creationId xmlns:a16="http://schemas.microsoft.com/office/drawing/2014/main" id="{3C4C8F67-7874-5605-6969-B3B158925E34}"/>
-              </a:ext>
-            </a:extLst>
-          </p:cNvPr>
+          <p:cNvPr id="2" name="Title 1"/>
           <p:cNvSpPr>
             <a:spLocks noGrp="1"/>
           </p:cNvSpPr>
@@ -6676,20 +4608,14 @@
       </p:sp>
       <p:pic>
         <p:nvPicPr>
-          <p:cNvPr id="9" name="Picture 8">
-            <a:extLst>
-              <a:ext uri="{FF2B5EF4-FFF2-40B4-BE49-F238E27FC236}">
-                <a16:creationId xmlns:a16="http://schemas.microsoft.com/office/drawing/2014/main" id="{A345E224-6EE7-4148-EA35-04CC53BDF9F5}"/>
-              </a:ext>
-            </a:extLst>
-          </p:cNvPr>
+          <p:cNvPr id="9" name="Picture 8"/>
           <p:cNvPicPr>
             <a:picLocks noChangeAspect="1"/>
           </p:cNvPicPr>
           <p:nvPr/>
         </p:nvPicPr>
         <p:blipFill>
-          <a:blip r:embed="rId2">
+          <a:blip r:embed="rId1">
             <a:extLst>
               <a:ext uri="{28A0092B-C50C-407E-A947-70E740481C1C}">
                 <a14:useLocalDpi xmlns:a14="http://schemas.microsoft.com/office/drawing/2010/main" val="0"/>
@@ -6712,13 +4638,7 @@
       </p:pic>
       <p:sp>
         <p:nvSpPr>
-          <p:cNvPr id="5" name="Content Placeholder 4">
-            <a:extLst>
-              <a:ext uri="{FF2B5EF4-FFF2-40B4-BE49-F238E27FC236}">
-                <a16:creationId xmlns:a16="http://schemas.microsoft.com/office/drawing/2014/main" id="{673250BA-239B-5899-50F2-613D219E2288}"/>
-              </a:ext>
-            </a:extLst>
-          </p:cNvPr>
+          <p:cNvPr id="5" name="Content Placeholder 4"/>
           <p:cNvSpPr>
             <a:spLocks noGrp="1"/>
           </p:cNvSpPr>
@@ -6761,13 +4681,7 @@
       </p:sp>
       <p:sp>
         <p:nvSpPr>
-          <p:cNvPr id="39" name="Rectangle 38">
-            <a:extLst>
-              <a:ext uri="{FF2B5EF4-FFF2-40B4-BE49-F238E27FC236}">
-                <a16:creationId xmlns:a16="http://schemas.microsoft.com/office/drawing/2014/main" id="{A1FF8D3E-7E7B-6C4A-29EF-8EA39578EA6B}"/>
-              </a:ext>
-            </a:extLst>
-          </p:cNvPr>
+          <p:cNvPr id="39" name="Rectangle 38"/>
           <p:cNvSpPr/>
           <p:nvPr/>
         </p:nvSpPr>
@@ -6820,13 +4734,7 @@
       </p:sp>
       <p:sp>
         <p:nvSpPr>
-          <p:cNvPr id="29" name="Rectangle 28">
-            <a:extLst>
-              <a:ext uri="{FF2B5EF4-FFF2-40B4-BE49-F238E27FC236}">
-                <a16:creationId xmlns:a16="http://schemas.microsoft.com/office/drawing/2014/main" id="{85481603-CB22-0C9E-C8A5-28FD7C4A661E}"/>
-              </a:ext>
-            </a:extLst>
-          </p:cNvPr>
+          <p:cNvPr id="29" name="Rectangle 28"/>
           <p:cNvSpPr/>
           <p:nvPr/>
         </p:nvSpPr>
@@ -6879,20 +4787,14 @@
       </p:sp>
       <p:pic>
         <p:nvPicPr>
-          <p:cNvPr id="23" name="Picture 22">
-            <a:extLst>
-              <a:ext uri="{FF2B5EF4-FFF2-40B4-BE49-F238E27FC236}">
-                <a16:creationId xmlns:a16="http://schemas.microsoft.com/office/drawing/2014/main" id="{BC4BBD01-36F8-4BDD-4907-F099F338957F}"/>
-              </a:ext>
-            </a:extLst>
-          </p:cNvPr>
+          <p:cNvPr id="23" name="Picture 22"/>
           <p:cNvPicPr>
             <a:picLocks noChangeAspect="1"/>
           </p:cNvPicPr>
           <p:nvPr/>
         </p:nvPicPr>
         <p:blipFill>
-          <a:blip r:embed="rId3">
+          <a:blip r:embed="rId2">
             <a:extLst>
               <a:ext uri="{28A0092B-C50C-407E-A947-70E740481C1C}">
                 <a14:useLocalDpi xmlns:a14="http://schemas.microsoft.com/office/drawing/2010/main" val="0"/>
@@ -6915,20 +4817,14 @@
       </p:pic>
       <p:pic>
         <p:nvPicPr>
-          <p:cNvPr id="25" name="Picture 24">
-            <a:extLst>
-              <a:ext uri="{FF2B5EF4-FFF2-40B4-BE49-F238E27FC236}">
-                <a16:creationId xmlns:a16="http://schemas.microsoft.com/office/drawing/2014/main" id="{89671B44-FCD9-A584-E443-844463839664}"/>
-              </a:ext>
-            </a:extLst>
-          </p:cNvPr>
+          <p:cNvPr id="25" name="Picture 24"/>
           <p:cNvPicPr>
             <a:picLocks noChangeAspect="1"/>
           </p:cNvPicPr>
           <p:nvPr/>
         </p:nvPicPr>
         <p:blipFill>
-          <a:blip r:embed="rId4">
+          <a:blip r:embed="rId3">
             <a:extLst>
               <a:ext uri="{28A0092B-C50C-407E-A947-70E740481C1C}">
                 <a14:useLocalDpi xmlns:a14="http://schemas.microsoft.com/office/drawing/2010/main" val="0"/>
@@ -6951,20 +4847,14 @@
       </p:pic>
       <p:pic>
         <p:nvPicPr>
-          <p:cNvPr id="4" name="Picture 3">
-            <a:extLst>
-              <a:ext uri="{FF2B5EF4-FFF2-40B4-BE49-F238E27FC236}">
-                <a16:creationId xmlns:a16="http://schemas.microsoft.com/office/drawing/2014/main" id="{09BEE247-7BE4-748C-C5FE-3917AAF21784}"/>
-              </a:ext>
-            </a:extLst>
-          </p:cNvPr>
+          <p:cNvPr id="4" name="Picture 3"/>
           <p:cNvPicPr>
             <a:picLocks noChangeAspect="1"/>
           </p:cNvPicPr>
           <p:nvPr/>
         </p:nvPicPr>
         <p:blipFill>
-          <a:blip r:embed="rId4">
+          <a:blip r:embed="rId3">
             <a:extLst>
               <a:ext uri="{28A0092B-C50C-407E-A947-70E740481C1C}">
                 <a14:useLocalDpi xmlns:a14="http://schemas.microsoft.com/office/drawing/2010/main" val="0"/>
@@ -6987,13 +4877,7 @@
       </p:pic>
       <p:sp>
         <p:nvSpPr>
-          <p:cNvPr id="18" name="TextBox 17">
-            <a:extLst>
-              <a:ext uri="{FF2B5EF4-FFF2-40B4-BE49-F238E27FC236}">
-                <a16:creationId xmlns:a16="http://schemas.microsoft.com/office/drawing/2014/main" id="{F30BDF41-55CF-BAEB-A833-CAB5BDB74DBE}"/>
-              </a:ext>
-            </a:extLst>
-          </p:cNvPr>
+          <p:cNvPr id="18" name="TextBox 17"/>
           <p:cNvSpPr txBox="1"/>
           <p:nvPr/>
         </p:nvSpPr>
@@ -7034,13 +4918,7 @@
       </p:sp>
       <p:sp>
         <p:nvSpPr>
-          <p:cNvPr id="19" name="TextBox 18">
-            <a:extLst>
-              <a:ext uri="{FF2B5EF4-FFF2-40B4-BE49-F238E27FC236}">
-                <a16:creationId xmlns:a16="http://schemas.microsoft.com/office/drawing/2014/main" id="{1582A5CF-DBB9-C92B-6F24-D4D26A50078F}"/>
-              </a:ext>
-            </a:extLst>
-          </p:cNvPr>
+          <p:cNvPr id="19" name="TextBox 18"/>
           <p:cNvSpPr txBox="1"/>
           <p:nvPr/>
         </p:nvSpPr>
@@ -7080,11 +4958,6 @@
         </p:txBody>
       </p:sp>
     </p:spTree>
-    <p:extLst>
-      <p:ext uri="{BB962C8B-B14F-4D97-AF65-F5344CB8AC3E}">
-        <p14:creationId xmlns:p14="http://schemas.microsoft.com/office/powerpoint/2010/main" val="2118712927"/>
-      </p:ext>
-    </p:extLst>
   </p:cSld>
   <p:clrMapOvr>
     <a:masterClrMapping/>
@@ -7723,13 +5596,7 @@
       </p:grpSpPr>
       <p:sp>
         <p:nvSpPr>
-          <p:cNvPr id="2" name="Title 1">
-            <a:extLst>
-              <a:ext uri="{FF2B5EF4-FFF2-40B4-BE49-F238E27FC236}">
-                <a16:creationId xmlns:a16="http://schemas.microsoft.com/office/drawing/2014/main" id="{3C4C8F67-7874-5605-6969-B3B158925E34}"/>
-              </a:ext>
-            </a:extLst>
-          </p:cNvPr>
+          <p:cNvPr id="2" name="Title 1"/>
           <p:cNvSpPr>
             <a:spLocks noGrp="1"/>
           </p:cNvSpPr>
@@ -7788,13 +5655,7 @@
       </p:sp>
       <p:sp>
         <p:nvSpPr>
-          <p:cNvPr id="3" name="Content Placeholder 2">
-            <a:extLst>
-              <a:ext uri="{FF2B5EF4-FFF2-40B4-BE49-F238E27FC236}">
-                <a16:creationId xmlns:a16="http://schemas.microsoft.com/office/drawing/2014/main" id="{67C0F9DA-3CBE-21FB-7DD8-6648FBDF3F06}"/>
-              </a:ext>
-            </a:extLst>
-          </p:cNvPr>
+          <p:cNvPr id="3" name="Content Placeholder 2"/>
           <p:cNvSpPr>
             <a:spLocks noGrp="1"/>
           </p:cNvSpPr>
@@ -7821,18 +5682,15 @@
               </a:rPr>
               <a:t> </a:t>
             </a:r>
+            <a:endParaRPr lang="en-IN" dirty="0">
+              <a:latin typeface="Arial Rounded MT Bold" panose="020F0704030504030204" pitchFamily="34" charset="0"/>
+            </a:endParaRPr>
           </a:p>
         </p:txBody>
       </p:sp>
       <p:sp>
         <p:nvSpPr>
-          <p:cNvPr id="6" name="Rectangle: Rounded Corners 5">
-            <a:extLst>
-              <a:ext uri="{FF2B5EF4-FFF2-40B4-BE49-F238E27FC236}">
-                <a16:creationId xmlns:a16="http://schemas.microsoft.com/office/drawing/2014/main" id="{A43041B2-72D9-6D76-9ECA-1413B85FAF43}"/>
-              </a:ext>
-            </a:extLst>
-          </p:cNvPr>
+          <p:cNvPr id="6" name="Rectangle: Rounded Corners 5"/>
           <p:cNvSpPr/>
           <p:nvPr/>
         </p:nvSpPr>
@@ -7882,25 +5740,22 @@
               </a:rPr>
               <a:t>Variables can be thought of as named containers. </a:t>
             </a:r>
+            <a:endParaRPr lang="en-US" dirty="0">
+              <a:latin typeface="Arial Rounded MT Bold" panose="020F0704030504030204" pitchFamily="34" charset="0"/>
+            </a:endParaRPr>
           </a:p>
         </p:txBody>
       </p:sp>
       <p:pic>
         <p:nvPicPr>
-          <p:cNvPr id="9" name="Picture 8">
-            <a:extLst>
-              <a:ext uri="{FF2B5EF4-FFF2-40B4-BE49-F238E27FC236}">
-                <a16:creationId xmlns:a16="http://schemas.microsoft.com/office/drawing/2014/main" id="{A345E224-6EE7-4148-EA35-04CC53BDF9F5}"/>
-              </a:ext>
-            </a:extLst>
-          </p:cNvPr>
+          <p:cNvPr id="9" name="Picture 8"/>
           <p:cNvPicPr>
             <a:picLocks noChangeAspect="1"/>
           </p:cNvPicPr>
           <p:nvPr/>
         </p:nvPicPr>
         <p:blipFill>
-          <a:blip r:embed="rId2">
+          <a:blip r:embed="rId1">
             <a:extLst>
               <a:ext uri="{28A0092B-C50C-407E-A947-70E740481C1C}">
                 <a14:useLocalDpi xmlns:a14="http://schemas.microsoft.com/office/drawing/2010/main" val="0"/>
@@ -7923,13 +5778,7 @@
       </p:pic>
       <p:sp>
         <p:nvSpPr>
-          <p:cNvPr id="4" name="Rectangle: Rounded Corners 3">
-            <a:extLst>
-              <a:ext uri="{FF2B5EF4-FFF2-40B4-BE49-F238E27FC236}">
-                <a16:creationId xmlns:a16="http://schemas.microsoft.com/office/drawing/2014/main" id="{962529CB-AEBD-0F8B-5F88-2EA3AA084732}"/>
-              </a:ext>
-            </a:extLst>
-          </p:cNvPr>
+          <p:cNvPr id="4" name="Rectangle: Rounded Corners 3"/>
           <p:cNvSpPr/>
           <p:nvPr/>
         </p:nvSpPr>
@@ -7979,18 +5828,15 @@
               </a:rPr>
               <a:t>Place data into these containers and then refer to the data simply by naming the container.</a:t>
             </a:r>
+            <a:endParaRPr lang="en-US" dirty="0">
+              <a:latin typeface="Arial Rounded MT Bold" panose="020F0704030504030204" pitchFamily="34" charset="0"/>
+            </a:endParaRPr>
           </a:p>
         </p:txBody>
       </p:sp>
       <p:sp>
         <p:nvSpPr>
-          <p:cNvPr id="8" name="Rectangle: Rounded Corners 7">
-            <a:extLst>
-              <a:ext uri="{FF2B5EF4-FFF2-40B4-BE49-F238E27FC236}">
-                <a16:creationId xmlns:a16="http://schemas.microsoft.com/office/drawing/2014/main" id="{D0834862-185D-4F61-DA85-80F3A8864AA7}"/>
-              </a:ext>
-            </a:extLst>
-          </p:cNvPr>
+          <p:cNvPr id="8" name="Rectangle: Rounded Corners 7"/>
           <p:cNvSpPr/>
           <p:nvPr/>
         </p:nvSpPr>
@@ -8052,18 +5898,15 @@
               </a:rPr>
               <a:t> keyword</a:t>
             </a:r>
+            <a:endParaRPr lang="en-US" dirty="0">
+              <a:latin typeface="Arial Rounded MT Bold" panose="020F0704030504030204" pitchFamily="34" charset="0"/>
+            </a:endParaRPr>
           </a:p>
         </p:txBody>
       </p:sp>
       <p:sp>
         <p:nvSpPr>
-          <p:cNvPr id="12" name="Rectangle: Rounded Corners 11">
-            <a:extLst>
-              <a:ext uri="{FF2B5EF4-FFF2-40B4-BE49-F238E27FC236}">
-                <a16:creationId xmlns:a16="http://schemas.microsoft.com/office/drawing/2014/main" id="{1EB0D5E4-10F1-6987-B851-58D111AF2AF0}"/>
-              </a:ext>
-            </a:extLst>
-          </p:cNvPr>
+          <p:cNvPr id="12" name="Rectangle: Rounded Corners 11"/>
           <p:cNvSpPr/>
           <p:nvPr/>
         </p:nvSpPr>
@@ -8113,25 +5956,22 @@
               </a:rPr>
               <a:t>Before using a variable in a JavaScript program, must declare it. </a:t>
             </a:r>
+            <a:endParaRPr lang="en-US" dirty="0">
+              <a:latin typeface="Arial Rounded MT Bold" panose="020F0704030504030204" pitchFamily="34" charset="0"/>
+            </a:endParaRPr>
           </a:p>
         </p:txBody>
       </p:sp>
       <p:pic>
         <p:nvPicPr>
-          <p:cNvPr id="16" name="Picture 15">
-            <a:extLst>
-              <a:ext uri="{FF2B5EF4-FFF2-40B4-BE49-F238E27FC236}">
-                <a16:creationId xmlns:a16="http://schemas.microsoft.com/office/drawing/2014/main" id="{4C028991-C28A-ED6F-1271-0D98BF0F74A9}"/>
-              </a:ext>
-            </a:extLst>
-          </p:cNvPr>
+          <p:cNvPr id="16" name="Picture 15"/>
           <p:cNvPicPr>
             <a:picLocks noChangeAspect="1"/>
           </p:cNvPicPr>
           <p:nvPr/>
         </p:nvPicPr>
         <p:blipFill>
-          <a:blip r:embed="rId3">
+          <a:blip r:embed="rId2">
             <a:extLst>
               <a:ext uri="{28A0092B-C50C-407E-A947-70E740481C1C}">
                 <a14:useLocalDpi xmlns:a14="http://schemas.microsoft.com/office/drawing/2010/main" val="0"/>
@@ -8153,11 +5993,6 @@
         </p:spPr>
       </p:pic>
     </p:spTree>
-    <p:extLst>
-      <p:ext uri="{BB962C8B-B14F-4D97-AF65-F5344CB8AC3E}">
-        <p14:creationId xmlns:p14="http://schemas.microsoft.com/office/powerpoint/2010/main" val="3961414569"/>
-      </p:ext>
-    </p:extLst>
   </p:cSld>
   <p:clrMapOvr>
     <a:masterClrMapping/>
@@ -8587,880 +6422,7 @@
       </p:grpSpPr>
       <p:sp>
         <p:nvSpPr>
-          <p:cNvPr id="2" name="Title 1">
-            <a:extLst>
-              <a:ext uri="{FF2B5EF4-FFF2-40B4-BE49-F238E27FC236}">
-                <a16:creationId xmlns:a16="http://schemas.microsoft.com/office/drawing/2014/main" id="{3C4C8F67-7874-5605-6969-B3B158925E34}"/>
-              </a:ext>
-            </a:extLst>
-          </p:cNvPr>
-          <p:cNvSpPr>
-            <a:spLocks noGrp="1"/>
-          </p:cNvSpPr>
-          <p:nvPr>
-            <p:ph type="title"/>
-          </p:nvPr>
-        </p:nvSpPr>
-        <p:spPr>
-          <a:xfrm>
-            <a:off x="838200" y="365125"/>
-            <a:ext cx="10515600" cy="736087"/>
-          </a:xfrm>
-        </p:spPr>
-        <p:txBody>
-          <a:bodyPr>
-            <a:normAutofit/>
-          </a:bodyPr>
-          <a:lstStyle/>
-          <a:p>
-            <a:pPr rtl="0">
-              <a:spcBef>
-                <a:spcPts val="0"/>
-              </a:spcBef>
-              <a:spcAft>
-                <a:spcPts val="0"/>
-              </a:spcAft>
-            </a:pPr>
-            <a:r>
-              <a:rPr lang="en-IN" b="0" i="0" u="none" strike="noStrike" dirty="0">
-                <a:solidFill>
-                  <a:srgbClr val="002060"/>
-                </a:solidFill>
-                <a:effectLst/>
-                <a:latin typeface="Arial Rounded MT Bold" panose="020F0704030504030204" pitchFamily="34" charset="0"/>
-              </a:rPr>
-              <a:t>JavaScript </a:t>
-            </a:r>
-            <a:r>
-              <a:rPr lang="en-IN" b="0" i="0" u="none" strike="noStrike" dirty="0">
-                <a:solidFill>
-                  <a:srgbClr val="0070C0"/>
-                </a:solidFill>
-                <a:effectLst/>
-                <a:latin typeface="Arial Rounded MT Bold" panose="020F0704030504030204" pitchFamily="34" charset="0"/>
-              </a:rPr>
-              <a:t>Variables</a:t>
-            </a:r>
-            <a:endParaRPr lang="en-IN" dirty="0">
-              <a:solidFill>
-                <a:srgbClr val="0070C0"/>
-              </a:solidFill>
-              <a:latin typeface="Arial Rounded MT Bold" panose="020F0704030504030204" pitchFamily="34" charset="0"/>
-            </a:endParaRPr>
-          </a:p>
-        </p:txBody>
-      </p:sp>
-      <p:sp>
-        <p:nvSpPr>
-          <p:cNvPr id="3" name="Content Placeholder 2">
-            <a:extLst>
-              <a:ext uri="{FF2B5EF4-FFF2-40B4-BE49-F238E27FC236}">
-                <a16:creationId xmlns:a16="http://schemas.microsoft.com/office/drawing/2014/main" id="{67C0F9DA-3CBE-21FB-7DD8-6648FBDF3F06}"/>
-              </a:ext>
-            </a:extLst>
-          </p:cNvPr>
-          <p:cNvSpPr>
-            <a:spLocks noGrp="1"/>
-          </p:cNvSpPr>
-          <p:nvPr>
-            <p:ph idx="1"/>
-          </p:nvPr>
-        </p:nvSpPr>
-        <p:spPr>
-          <a:xfrm>
-            <a:off x="838200" y="1258529"/>
-            <a:ext cx="10515600" cy="4918434"/>
-          </a:xfrm>
-        </p:spPr>
-        <p:txBody>
-          <a:bodyPr/>
-          <a:lstStyle/>
-          <a:p>
-            <a:pPr marL="0" indent="0">
-              <a:buNone/>
-            </a:pPr>
-            <a:r>
-              <a:rPr lang="en-IN" dirty="0">
-                <a:latin typeface="Arial Rounded MT Bold" panose="020F0704030504030204" pitchFamily="34" charset="0"/>
-              </a:rPr>
-              <a:t> </a:t>
-            </a:r>
-          </a:p>
-        </p:txBody>
-      </p:sp>
-      <p:sp>
-        <p:nvSpPr>
-          <p:cNvPr id="6" name="Rectangle: Rounded Corners 5">
-            <a:extLst>
-              <a:ext uri="{FF2B5EF4-FFF2-40B4-BE49-F238E27FC236}">
-                <a16:creationId xmlns:a16="http://schemas.microsoft.com/office/drawing/2014/main" id="{A43041B2-72D9-6D76-9ECA-1413B85FAF43}"/>
-              </a:ext>
-            </a:extLst>
-          </p:cNvPr>
-          <p:cNvSpPr/>
-          <p:nvPr/>
-        </p:nvSpPr>
-        <p:spPr>
-          <a:xfrm>
-            <a:off x="4294240" y="1584254"/>
-            <a:ext cx="7580670" cy="624116"/>
-          </a:xfrm>
-          <a:prstGeom prst="roundRect">
-            <a:avLst>
-              <a:gd name="adj" fmla="val 50000"/>
-            </a:avLst>
-          </a:prstGeom>
-          <a:solidFill>
-            <a:srgbClr val="0070C0"/>
-          </a:solidFill>
-          <a:ln>
-            <a:solidFill>
-              <a:schemeClr val="bg1"/>
-            </a:solidFill>
-          </a:ln>
-        </p:spPr>
-        <p:style>
-          <a:lnRef idx="2">
-            <a:schemeClr val="accent1">
-              <a:shade val="50000"/>
-            </a:schemeClr>
-          </a:lnRef>
-          <a:fillRef idx="1">
-            <a:schemeClr val="accent1"/>
-          </a:fillRef>
-          <a:effectRef idx="0">
-            <a:schemeClr val="accent1"/>
-          </a:effectRef>
-          <a:fontRef idx="minor">
-            <a:schemeClr val="lt1"/>
-          </a:fontRef>
-        </p:style>
-        <p:txBody>
-          <a:bodyPr rtlCol="0" anchor="ctr"/>
-          <a:lstStyle/>
-          <a:p>
-            <a:pPr fontAlgn="base"/>
-            <a:r>
-              <a:rPr lang="en-IN" dirty="0">
-                <a:latin typeface="Arial Rounded MT Bold" panose="020F0704030504030204" pitchFamily="34" charset="0"/>
-              </a:rPr>
-              <a:t>JavaScript is an </a:t>
-            </a:r>
-            <a:r>
-              <a:rPr lang="en-IN" i="1" dirty="0">
-                <a:latin typeface="Arial Rounded MT Bold" panose="020F0704030504030204" pitchFamily="34" charset="0"/>
-              </a:rPr>
-              <a:t>untyped</a:t>
-            </a:r>
-            <a:r>
-              <a:rPr lang="en-IN" dirty="0">
-                <a:latin typeface="Arial Rounded MT Bold" panose="020F0704030504030204" pitchFamily="34" charset="0"/>
-              </a:rPr>
-              <a:t> language.</a:t>
-            </a:r>
-            <a:endParaRPr lang="en-US" dirty="0">
-              <a:latin typeface="Arial Rounded MT Bold" panose="020F0704030504030204" pitchFamily="34" charset="0"/>
-            </a:endParaRPr>
-          </a:p>
-        </p:txBody>
-      </p:sp>
-      <p:pic>
-        <p:nvPicPr>
-          <p:cNvPr id="9" name="Picture 8">
-            <a:extLst>
-              <a:ext uri="{FF2B5EF4-FFF2-40B4-BE49-F238E27FC236}">
-                <a16:creationId xmlns:a16="http://schemas.microsoft.com/office/drawing/2014/main" id="{A345E224-6EE7-4148-EA35-04CC53BDF9F5}"/>
-              </a:ext>
-            </a:extLst>
-          </p:cNvPr>
-          <p:cNvPicPr>
-            <a:picLocks noChangeAspect="1"/>
-          </p:cNvPicPr>
-          <p:nvPr/>
-        </p:nvPicPr>
-        <p:blipFill>
-          <a:blip r:embed="rId2">
-            <a:extLst>
-              <a:ext uri="{28A0092B-C50C-407E-A947-70E740481C1C}">
-                <a14:useLocalDpi xmlns:a14="http://schemas.microsoft.com/office/drawing/2010/main" val="0"/>
-              </a:ext>
-            </a:extLst>
-          </a:blip>
-          <a:stretch>
-            <a:fillRect/>
-          </a:stretch>
-        </p:blipFill>
-        <p:spPr>
-          <a:xfrm>
-            <a:off x="571500" y="6043802"/>
-            <a:ext cx="1375287" cy="449073"/>
-          </a:xfrm>
-          <a:prstGeom prst="rect">
-            <a:avLst/>
-          </a:prstGeom>
-        </p:spPr>
-      </p:pic>
-      <p:sp>
-        <p:nvSpPr>
-          <p:cNvPr id="4" name="Rectangle: Rounded Corners 3">
-            <a:extLst>
-              <a:ext uri="{FF2B5EF4-FFF2-40B4-BE49-F238E27FC236}">
-                <a16:creationId xmlns:a16="http://schemas.microsoft.com/office/drawing/2014/main" id="{962529CB-AEBD-0F8B-5F88-2EA3AA084732}"/>
-              </a:ext>
-            </a:extLst>
-          </p:cNvPr>
-          <p:cNvSpPr/>
-          <p:nvPr/>
-        </p:nvSpPr>
-        <p:spPr>
-          <a:xfrm>
-            <a:off x="4294240" y="2394792"/>
-            <a:ext cx="7580670" cy="817654"/>
-          </a:xfrm>
-          <a:prstGeom prst="roundRect">
-            <a:avLst>
-              <a:gd name="adj" fmla="val 50000"/>
-            </a:avLst>
-          </a:prstGeom>
-          <a:solidFill>
-            <a:srgbClr val="0070C0"/>
-          </a:solidFill>
-          <a:ln>
-            <a:solidFill>
-              <a:schemeClr val="bg1"/>
-            </a:solidFill>
-          </a:ln>
-        </p:spPr>
-        <p:style>
-          <a:lnRef idx="2">
-            <a:schemeClr val="accent1">
-              <a:shade val="50000"/>
-            </a:schemeClr>
-          </a:lnRef>
-          <a:fillRef idx="1">
-            <a:schemeClr val="accent1"/>
-          </a:fillRef>
-          <a:effectRef idx="0">
-            <a:schemeClr val="accent1"/>
-          </a:effectRef>
-          <a:fontRef idx="minor">
-            <a:schemeClr val="lt1"/>
-          </a:fontRef>
-        </p:style>
-        <p:txBody>
-          <a:bodyPr rtlCol="0" anchor="ctr"/>
-          <a:lstStyle/>
-          <a:p>
-            <a:pPr fontAlgn="base"/>
-            <a:r>
-              <a:rPr lang="en-US" dirty="0">
-                <a:latin typeface="Arial Rounded MT Bold" panose="020F0704030504030204" pitchFamily="34" charset="0"/>
-              </a:rPr>
-              <a:t> This means that a JavaScript variable can hold a value of any data type.</a:t>
-            </a:r>
-          </a:p>
-        </p:txBody>
-      </p:sp>
-      <p:sp>
-        <p:nvSpPr>
-          <p:cNvPr id="8" name="Rectangle: Rounded Corners 7">
-            <a:extLst>
-              <a:ext uri="{FF2B5EF4-FFF2-40B4-BE49-F238E27FC236}">
-                <a16:creationId xmlns:a16="http://schemas.microsoft.com/office/drawing/2014/main" id="{D0834862-185D-4F61-DA85-80F3A8864AA7}"/>
-              </a:ext>
-            </a:extLst>
-          </p:cNvPr>
-          <p:cNvSpPr/>
-          <p:nvPr/>
-        </p:nvSpPr>
-        <p:spPr>
-          <a:xfrm>
-            <a:off x="4294240" y="4815650"/>
-            <a:ext cx="7580670" cy="916192"/>
-          </a:xfrm>
-          <a:prstGeom prst="roundRect">
-            <a:avLst>
-              <a:gd name="adj" fmla="val 50000"/>
-            </a:avLst>
-          </a:prstGeom>
-          <a:solidFill>
-            <a:srgbClr val="0070C0"/>
-          </a:solidFill>
-          <a:ln>
-            <a:solidFill>
-              <a:schemeClr val="bg1"/>
-            </a:solidFill>
-          </a:ln>
-        </p:spPr>
-        <p:style>
-          <a:lnRef idx="2">
-            <a:schemeClr val="accent1">
-              <a:shade val="50000"/>
-            </a:schemeClr>
-          </a:lnRef>
-          <a:fillRef idx="1">
-            <a:schemeClr val="accent1"/>
-          </a:fillRef>
-          <a:effectRef idx="0">
-            <a:schemeClr val="accent1"/>
-          </a:effectRef>
-          <a:fontRef idx="minor">
-            <a:schemeClr val="lt1"/>
-          </a:fontRef>
-        </p:style>
-        <p:txBody>
-          <a:bodyPr rtlCol="0" anchor="ctr"/>
-          <a:lstStyle/>
-          <a:p>
-            <a:pPr fontAlgn="base"/>
-            <a:r>
-              <a:rPr lang="en-US" dirty="0">
-                <a:latin typeface="Arial Rounded MT Bold" panose="020F0704030504030204" pitchFamily="34" charset="0"/>
-              </a:rPr>
-              <a:t>The value type of a variable can change during the execution of a program and JavaScript takes care of it automatically.</a:t>
-            </a:r>
-          </a:p>
-        </p:txBody>
-      </p:sp>
-      <p:sp>
-        <p:nvSpPr>
-          <p:cNvPr id="12" name="Rectangle: Rounded Corners 11">
-            <a:extLst>
-              <a:ext uri="{FF2B5EF4-FFF2-40B4-BE49-F238E27FC236}">
-                <a16:creationId xmlns:a16="http://schemas.microsoft.com/office/drawing/2014/main" id="{1EB0D5E4-10F1-6987-B851-58D111AF2AF0}"/>
-              </a:ext>
-            </a:extLst>
-          </p:cNvPr>
-          <p:cNvSpPr/>
-          <p:nvPr/>
-        </p:nvSpPr>
-        <p:spPr>
-          <a:xfrm>
-            <a:off x="4294240" y="3398867"/>
-            <a:ext cx="7580670" cy="1212043"/>
-          </a:xfrm>
-          <a:prstGeom prst="roundRect">
-            <a:avLst>
-              <a:gd name="adj" fmla="val 50000"/>
-            </a:avLst>
-          </a:prstGeom>
-          <a:solidFill>
-            <a:srgbClr val="0070C0"/>
-          </a:solidFill>
-          <a:ln>
-            <a:solidFill>
-              <a:schemeClr val="bg1"/>
-            </a:solidFill>
-          </a:ln>
-        </p:spPr>
-        <p:style>
-          <a:lnRef idx="2">
-            <a:schemeClr val="accent1">
-              <a:shade val="50000"/>
-            </a:schemeClr>
-          </a:lnRef>
-          <a:fillRef idx="1">
-            <a:schemeClr val="accent1"/>
-          </a:fillRef>
-          <a:effectRef idx="0">
-            <a:schemeClr val="accent1"/>
-          </a:effectRef>
-          <a:fontRef idx="minor">
-            <a:schemeClr val="lt1"/>
-          </a:fontRef>
-        </p:style>
-        <p:txBody>
-          <a:bodyPr rtlCol="0" anchor="ctr"/>
-          <a:lstStyle/>
-          <a:p>
-            <a:pPr fontAlgn="base"/>
-            <a:r>
-              <a:rPr lang="en-US" dirty="0">
-                <a:latin typeface="Arial Rounded MT Bold" panose="020F0704030504030204" pitchFamily="34" charset="0"/>
-              </a:rPr>
-              <a:t>Unlike many other languages, don't have to tell JavaScript during variable declaration what type of value the variable will hold. </a:t>
-            </a:r>
-          </a:p>
-        </p:txBody>
-      </p:sp>
-      <p:pic>
-        <p:nvPicPr>
-          <p:cNvPr id="16" name="Picture 15">
-            <a:extLst>
-              <a:ext uri="{FF2B5EF4-FFF2-40B4-BE49-F238E27FC236}">
-                <a16:creationId xmlns:a16="http://schemas.microsoft.com/office/drawing/2014/main" id="{4C028991-C28A-ED6F-1271-0D98BF0F74A9}"/>
-              </a:ext>
-            </a:extLst>
-          </p:cNvPr>
-          <p:cNvPicPr>
-            <a:picLocks noChangeAspect="1"/>
-          </p:cNvPicPr>
-          <p:nvPr/>
-        </p:nvPicPr>
-        <p:blipFill>
-          <a:blip r:embed="rId3">
-            <a:extLst>
-              <a:ext uri="{28A0092B-C50C-407E-A947-70E740481C1C}">
-                <a14:useLocalDpi xmlns:a14="http://schemas.microsoft.com/office/drawing/2010/main" val="0"/>
-              </a:ext>
-            </a:extLst>
-          </a:blip>
-          <a:stretch>
-            <a:fillRect/>
-          </a:stretch>
-        </p:blipFill>
-        <p:spPr>
-          <a:xfrm>
-            <a:off x="317090" y="1739861"/>
-            <a:ext cx="3773130" cy="3515929"/>
-          </a:xfrm>
-          <a:prstGeom prst="rect">
-            <a:avLst/>
-          </a:prstGeom>
-        </p:spPr>
-      </p:pic>
-    </p:spTree>
-    <p:extLst>
-      <p:ext uri="{BB962C8B-B14F-4D97-AF65-F5344CB8AC3E}">
-        <p14:creationId xmlns:p14="http://schemas.microsoft.com/office/powerpoint/2010/main" val="3532457816"/>
-      </p:ext>
-    </p:extLst>
-  </p:cSld>
-  <p:clrMapOvr>
-    <a:masterClrMapping/>
-  </p:clrMapOvr>
-  <p:transition spd="slow">
-    <p:push dir="u"/>
-  </p:transition>
-  <p:timing>
-    <p:tnLst>
-      <p:par>
-        <p:cTn id="1" dur="indefinite" restart="never" nodeType="tmRoot">
-          <p:childTnLst>
-            <p:seq concurrent="1" nextAc="seek">
-              <p:cTn id="2" dur="indefinite" nodeType="mainSeq">
-                <p:childTnLst>
-                  <p:par>
-                    <p:cTn id="3" fill="hold">
-                      <p:stCondLst>
-                        <p:cond delay="indefinite"/>
-                      </p:stCondLst>
-                      <p:childTnLst>
-                        <p:par>
-                          <p:cTn id="4" fill="hold">
-                            <p:stCondLst>
-                              <p:cond delay="0"/>
-                            </p:stCondLst>
-                            <p:childTnLst>
-                              <p:par>
-                                <p:cTn id="5" presetID="2" presetClass="entr" presetSubtype="4" fill="hold" grpId="0" nodeType="clickEffect">
-                                  <p:stCondLst>
-                                    <p:cond delay="0"/>
-                                  </p:stCondLst>
-                                  <p:childTnLst>
-                                    <p:set>
-                                      <p:cBhvr>
-                                        <p:cTn id="6" dur="1" fill="hold">
-                                          <p:stCondLst>
-                                            <p:cond delay="0"/>
-                                          </p:stCondLst>
-                                        </p:cTn>
-                                        <p:tgtEl>
-                                          <p:spTgt spid="6"/>
-                                        </p:tgtEl>
-                                        <p:attrNameLst>
-                                          <p:attrName>style.visibility</p:attrName>
-                                        </p:attrNameLst>
-                                      </p:cBhvr>
-                                      <p:to>
-                                        <p:strVal val="visible"/>
-                                      </p:to>
-                                    </p:set>
-                                    <p:anim calcmode="lin" valueType="num">
-                                      <p:cBhvr additive="base">
-                                        <p:cTn id="7" dur="500" fill="hold"/>
-                                        <p:tgtEl>
-                                          <p:spTgt spid="6"/>
-                                        </p:tgtEl>
-                                        <p:attrNameLst>
-                                          <p:attrName>ppt_x</p:attrName>
-                                        </p:attrNameLst>
-                                      </p:cBhvr>
-                                      <p:tavLst>
-                                        <p:tav tm="0">
-                                          <p:val>
-                                            <p:strVal val="#ppt_x"/>
-                                          </p:val>
-                                        </p:tav>
-                                        <p:tav tm="100000">
-                                          <p:val>
-                                            <p:strVal val="#ppt_x"/>
-                                          </p:val>
-                                        </p:tav>
-                                      </p:tavLst>
-                                    </p:anim>
-                                    <p:anim calcmode="lin" valueType="num">
-                                      <p:cBhvr additive="base">
-                                        <p:cTn id="8" dur="500" fill="hold"/>
-                                        <p:tgtEl>
-                                          <p:spTgt spid="6"/>
-                                        </p:tgtEl>
-                                        <p:attrNameLst>
-                                          <p:attrName>ppt_y</p:attrName>
-                                        </p:attrNameLst>
-                                      </p:cBhvr>
-                                      <p:tavLst>
-                                        <p:tav tm="0">
-                                          <p:val>
-                                            <p:strVal val="1+#ppt_h/2"/>
-                                          </p:val>
-                                        </p:tav>
-                                        <p:tav tm="100000">
-                                          <p:val>
-                                            <p:strVal val="#ppt_y"/>
-                                          </p:val>
-                                        </p:tav>
-                                      </p:tavLst>
-                                    </p:anim>
-                                  </p:childTnLst>
-                                </p:cTn>
-                              </p:par>
-                            </p:childTnLst>
-                          </p:cTn>
-                        </p:par>
-                      </p:childTnLst>
-                    </p:cTn>
-                  </p:par>
-                  <p:par>
-                    <p:cTn id="9" fill="hold">
-                      <p:stCondLst>
-                        <p:cond delay="indefinite"/>
-                      </p:stCondLst>
-                      <p:childTnLst>
-                        <p:par>
-                          <p:cTn id="10" fill="hold">
-                            <p:stCondLst>
-                              <p:cond delay="0"/>
-                            </p:stCondLst>
-                            <p:childTnLst>
-                              <p:par>
-                                <p:cTn id="11" presetID="2" presetClass="entr" presetSubtype="4" fill="hold" grpId="0" nodeType="clickEffect">
-                                  <p:stCondLst>
-                                    <p:cond delay="0"/>
-                                  </p:stCondLst>
-                                  <p:childTnLst>
-                                    <p:set>
-                                      <p:cBhvr>
-                                        <p:cTn id="12" dur="1" fill="hold">
-                                          <p:stCondLst>
-                                            <p:cond delay="0"/>
-                                          </p:stCondLst>
-                                        </p:cTn>
-                                        <p:tgtEl>
-                                          <p:spTgt spid="4"/>
-                                        </p:tgtEl>
-                                        <p:attrNameLst>
-                                          <p:attrName>style.visibility</p:attrName>
-                                        </p:attrNameLst>
-                                      </p:cBhvr>
-                                      <p:to>
-                                        <p:strVal val="visible"/>
-                                      </p:to>
-                                    </p:set>
-                                    <p:anim calcmode="lin" valueType="num">
-                                      <p:cBhvr additive="base">
-                                        <p:cTn id="13" dur="500" fill="hold"/>
-                                        <p:tgtEl>
-                                          <p:spTgt spid="4"/>
-                                        </p:tgtEl>
-                                        <p:attrNameLst>
-                                          <p:attrName>ppt_x</p:attrName>
-                                        </p:attrNameLst>
-                                      </p:cBhvr>
-                                      <p:tavLst>
-                                        <p:tav tm="0">
-                                          <p:val>
-                                            <p:strVal val="#ppt_x"/>
-                                          </p:val>
-                                        </p:tav>
-                                        <p:tav tm="100000">
-                                          <p:val>
-                                            <p:strVal val="#ppt_x"/>
-                                          </p:val>
-                                        </p:tav>
-                                      </p:tavLst>
-                                    </p:anim>
-                                    <p:anim calcmode="lin" valueType="num">
-                                      <p:cBhvr additive="base">
-                                        <p:cTn id="14" dur="500" fill="hold"/>
-                                        <p:tgtEl>
-                                          <p:spTgt spid="4"/>
-                                        </p:tgtEl>
-                                        <p:attrNameLst>
-                                          <p:attrName>ppt_y</p:attrName>
-                                        </p:attrNameLst>
-                                      </p:cBhvr>
-                                      <p:tavLst>
-                                        <p:tav tm="0">
-                                          <p:val>
-                                            <p:strVal val="1+#ppt_h/2"/>
-                                          </p:val>
-                                        </p:tav>
-                                        <p:tav tm="100000">
-                                          <p:val>
-                                            <p:strVal val="#ppt_y"/>
-                                          </p:val>
-                                        </p:tav>
-                                      </p:tavLst>
-                                    </p:anim>
-                                  </p:childTnLst>
-                                </p:cTn>
-                              </p:par>
-                            </p:childTnLst>
-                          </p:cTn>
-                        </p:par>
-                      </p:childTnLst>
-                    </p:cTn>
-                  </p:par>
-                  <p:par>
-                    <p:cTn id="15" fill="hold">
-                      <p:stCondLst>
-                        <p:cond delay="indefinite"/>
-                      </p:stCondLst>
-                      <p:childTnLst>
-                        <p:par>
-                          <p:cTn id="16" fill="hold">
-                            <p:stCondLst>
-                              <p:cond delay="0"/>
-                            </p:stCondLst>
-                            <p:childTnLst>
-                              <p:par>
-                                <p:cTn id="17" presetID="2" presetClass="entr" presetSubtype="4" fill="hold" grpId="0" nodeType="clickEffect">
-                                  <p:stCondLst>
-                                    <p:cond delay="0"/>
-                                  </p:stCondLst>
-                                  <p:childTnLst>
-                                    <p:set>
-                                      <p:cBhvr>
-                                        <p:cTn id="18" dur="1" fill="hold">
-                                          <p:stCondLst>
-                                            <p:cond delay="0"/>
-                                          </p:stCondLst>
-                                        </p:cTn>
-                                        <p:tgtEl>
-                                          <p:spTgt spid="12"/>
-                                        </p:tgtEl>
-                                        <p:attrNameLst>
-                                          <p:attrName>style.visibility</p:attrName>
-                                        </p:attrNameLst>
-                                      </p:cBhvr>
-                                      <p:to>
-                                        <p:strVal val="visible"/>
-                                      </p:to>
-                                    </p:set>
-                                    <p:anim calcmode="lin" valueType="num">
-                                      <p:cBhvr additive="base">
-                                        <p:cTn id="19" dur="500" fill="hold"/>
-                                        <p:tgtEl>
-                                          <p:spTgt spid="12"/>
-                                        </p:tgtEl>
-                                        <p:attrNameLst>
-                                          <p:attrName>ppt_x</p:attrName>
-                                        </p:attrNameLst>
-                                      </p:cBhvr>
-                                      <p:tavLst>
-                                        <p:tav tm="0">
-                                          <p:val>
-                                            <p:strVal val="#ppt_x"/>
-                                          </p:val>
-                                        </p:tav>
-                                        <p:tav tm="100000">
-                                          <p:val>
-                                            <p:strVal val="#ppt_x"/>
-                                          </p:val>
-                                        </p:tav>
-                                      </p:tavLst>
-                                    </p:anim>
-                                    <p:anim calcmode="lin" valueType="num">
-                                      <p:cBhvr additive="base">
-                                        <p:cTn id="20" dur="500" fill="hold"/>
-                                        <p:tgtEl>
-                                          <p:spTgt spid="12"/>
-                                        </p:tgtEl>
-                                        <p:attrNameLst>
-                                          <p:attrName>ppt_y</p:attrName>
-                                        </p:attrNameLst>
-                                      </p:cBhvr>
-                                      <p:tavLst>
-                                        <p:tav tm="0">
-                                          <p:val>
-                                            <p:strVal val="1+#ppt_h/2"/>
-                                          </p:val>
-                                        </p:tav>
-                                        <p:tav tm="100000">
-                                          <p:val>
-                                            <p:strVal val="#ppt_y"/>
-                                          </p:val>
-                                        </p:tav>
-                                      </p:tavLst>
-                                    </p:anim>
-                                  </p:childTnLst>
-                                </p:cTn>
-                              </p:par>
-                            </p:childTnLst>
-                          </p:cTn>
-                        </p:par>
-                      </p:childTnLst>
-                    </p:cTn>
-                  </p:par>
-                  <p:par>
-                    <p:cTn id="21" fill="hold">
-                      <p:stCondLst>
-                        <p:cond delay="indefinite"/>
-                      </p:stCondLst>
-                      <p:childTnLst>
-                        <p:par>
-                          <p:cTn id="22" fill="hold">
-                            <p:stCondLst>
-                              <p:cond delay="0"/>
-                            </p:stCondLst>
-                            <p:childTnLst>
-                              <p:par>
-                                <p:cTn id="23" presetID="2" presetClass="entr" presetSubtype="4" fill="hold" grpId="0" nodeType="clickEffect">
-                                  <p:stCondLst>
-                                    <p:cond delay="0"/>
-                                  </p:stCondLst>
-                                  <p:childTnLst>
-                                    <p:set>
-                                      <p:cBhvr>
-                                        <p:cTn id="24" dur="1" fill="hold">
-                                          <p:stCondLst>
-                                            <p:cond delay="0"/>
-                                          </p:stCondLst>
-                                        </p:cTn>
-                                        <p:tgtEl>
-                                          <p:spTgt spid="8"/>
-                                        </p:tgtEl>
-                                        <p:attrNameLst>
-                                          <p:attrName>style.visibility</p:attrName>
-                                        </p:attrNameLst>
-                                      </p:cBhvr>
-                                      <p:to>
-                                        <p:strVal val="visible"/>
-                                      </p:to>
-                                    </p:set>
-                                    <p:anim calcmode="lin" valueType="num">
-                                      <p:cBhvr additive="base">
-                                        <p:cTn id="25" dur="500" fill="hold"/>
-                                        <p:tgtEl>
-                                          <p:spTgt spid="8"/>
-                                        </p:tgtEl>
-                                        <p:attrNameLst>
-                                          <p:attrName>ppt_x</p:attrName>
-                                        </p:attrNameLst>
-                                      </p:cBhvr>
-                                      <p:tavLst>
-                                        <p:tav tm="0">
-                                          <p:val>
-                                            <p:strVal val="#ppt_x"/>
-                                          </p:val>
-                                        </p:tav>
-                                        <p:tav tm="100000">
-                                          <p:val>
-                                            <p:strVal val="#ppt_x"/>
-                                          </p:val>
-                                        </p:tav>
-                                      </p:tavLst>
-                                    </p:anim>
-                                    <p:anim calcmode="lin" valueType="num">
-                                      <p:cBhvr additive="base">
-                                        <p:cTn id="26" dur="500" fill="hold"/>
-                                        <p:tgtEl>
-                                          <p:spTgt spid="8"/>
-                                        </p:tgtEl>
-                                        <p:attrNameLst>
-                                          <p:attrName>ppt_y</p:attrName>
-                                        </p:attrNameLst>
-                                      </p:cBhvr>
-                                      <p:tavLst>
-                                        <p:tav tm="0">
-                                          <p:val>
-                                            <p:strVal val="1+#ppt_h/2"/>
-                                          </p:val>
-                                        </p:tav>
-                                        <p:tav tm="100000">
-                                          <p:val>
-                                            <p:strVal val="#ppt_y"/>
-                                          </p:val>
-                                        </p:tav>
-                                      </p:tavLst>
-                                    </p:anim>
-                                  </p:childTnLst>
-                                </p:cTn>
-                              </p:par>
-                            </p:childTnLst>
-                          </p:cTn>
-                        </p:par>
-                      </p:childTnLst>
-                    </p:cTn>
-                  </p:par>
-                </p:childTnLst>
-              </p:cTn>
-              <p:prevCondLst>
-                <p:cond evt="onPrev" delay="0">
-                  <p:tgtEl>
-                    <p:sldTgt/>
-                  </p:tgtEl>
-                </p:cond>
-              </p:prevCondLst>
-              <p:nextCondLst>
-                <p:cond evt="onNext" delay="0">
-                  <p:tgtEl>
-                    <p:sldTgt/>
-                  </p:tgtEl>
-                </p:cond>
-              </p:nextCondLst>
-            </p:seq>
-          </p:childTnLst>
-        </p:cTn>
-      </p:par>
-    </p:tnLst>
-    <p:bldLst>
-      <p:bldP spid="6" grpId="0" animBg="1"/>
-      <p:bldP spid="4" grpId="0" animBg="1"/>
-      <p:bldP spid="8" grpId="0" animBg="1"/>
-      <p:bldP spid="12" grpId="0" animBg="1"/>
-    </p:bldLst>
-  </p:timing>
-</p:sld>
-</file>
-
-<file path=ppt/slides/slide6.xml><?xml version="1.0" encoding="utf-8"?>
-<p:sld xmlns:a="http://schemas.openxmlformats.org/drawingml/2006/main" xmlns:r="http://schemas.openxmlformats.org/officeDocument/2006/relationships" xmlns:p="http://schemas.openxmlformats.org/presentationml/2006/main">
-  <p:cSld>
-    <p:spTree>
-      <p:nvGrpSpPr>
-        <p:cNvPr id="1" name=""/>
-        <p:cNvGrpSpPr/>
-        <p:nvPr/>
-      </p:nvGrpSpPr>
-      <p:grpSpPr>
-        <a:xfrm>
-          <a:off x="0" y="0"/>
-          <a:ext cx="0" cy="0"/>
-          <a:chOff x="0" y="0"/>
-          <a:chExt cx="0" cy="0"/>
-        </a:xfrm>
-      </p:grpSpPr>
-      <p:sp>
-        <p:nvSpPr>
-          <p:cNvPr id="2" name="Title 1">
-            <a:extLst>
-              <a:ext uri="{FF2B5EF4-FFF2-40B4-BE49-F238E27FC236}">
-                <a16:creationId xmlns:a16="http://schemas.microsoft.com/office/drawing/2014/main" id="{3C4C8F67-7874-5605-6969-B3B158925E34}"/>
-              </a:ext>
-            </a:extLst>
-          </p:cNvPr>
+          <p:cNvPr id="2" name="Title 1"/>
           <p:cNvSpPr>
             <a:spLocks noGrp="1"/>
           </p:cNvSpPr>
@@ -9481,42 +6443,42 @@
           <a:lstStyle/>
           <a:p>
             <a:r>
-              <a:rPr lang="en-IN" dirty="0">
+              <a:rPr lang="en-IN" sz="3600" dirty="0">
                 <a:solidFill>
                   <a:srgbClr val="0070C0"/>
                 </a:solidFill>
                 <a:latin typeface="Arial Rounded MT Bold" panose="020F0704030504030204" pitchFamily="34" charset="0"/>
               </a:rPr>
-              <a:t>JavaScript </a:t>
-            </a:r>
-            <a:r>
-              <a:rPr lang="en-IN" dirty="0">
+              <a:t>Conditional </a:t>
+            </a:r>
+            <a:r>
+              <a:rPr lang="en-IN" sz="3600" dirty="0">
                 <a:solidFill>
                   <a:srgbClr val="002060"/>
                 </a:solidFill>
                 <a:latin typeface="Arial Rounded MT Bold" panose="020F0704030504030204" pitchFamily="34" charset="0"/>
               </a:rPr>
-              <a:t>Operators</a:t>
-            </a:r>
+              <a:t>Statements</a:t>
+            </a:r>
+            <a:endParaRPr lang="en-IN" sz="3600" dirty="0">
+              <a:solidFill>
+                <a:srgbClr val="002060"/>
+              </a:solidFill>
+              <a:latin typeface="Arial Rounded MT Bold" panose="020F0704030504030204" pitchFamily="34" charset="0"/>
+            </a:endParaRPr>
           </a:p>
         </p:txBody>
       </p:sp>
       <p:pic>
         <p:nvPicPr>
-          <p:cNvPr id="9" name="Picture 8">
-            <a:extLst>
-              <a:ext uri="{FF2B5EF4-FFF2-40B4-BE49-F238E27FC236}">
-                <a16:creationId xmlns:a16="http://schemas.microsoft.com/office/drawing/2014/main" id="{A345E224-6EE7-4148-EA35-04CC53BDF9F5}"/>
-              </a:ext>
-            </a:extLst>
-          </p:cNvPr>
+          <p:cNvPr id="9" name="Picture 8"/>
           <p:cNvPicPr>
             <a:picLocks noChangeAspect="1"/>
           </p:cNvPicPr>
           <p:nvPr/>
         </p:nvPicPr>
         <p:blipFill>
-          <a:blip r:embed="rId2">
+          <a:blip r:embed="rId1">
             <a:extLst>
               <a:ext uri="{28A0092B-C50C-407E-A947-70E740481C1C}">
                 <a14:useLocalDpi xmlns:a14="http://schemas.microsoft.com/office/drawing/2010/main" val="0"/>
@@ -9539,2019 +6501,7 @@
       </p:pic>
       <p:sp>
         <p:nvSpPr>
-          <p:cNvPr id="11" name="Content Placeholder 4">
-            <a:extLst>
-              <a:ext uri="{FF2B5EF4-FFF2-40B4-BE49-F238E27FC236}">
-                <a16:creationId xmlns:a16="http://schemas.microsoft.com/office/drawing/2014/main" id="{4682E0A5-4631-2F27-F51A-DEB001D07582}"/>
-              </a:ext>
-            </a:extLst>
-          </p:cNvPr>
-          <p:cNvSpPr>
-            <a:spLocks noGrp="1"/>
-          </p:cNvSpPr>
-          <p:nvPr>
-            <p:ph idx="1"/>
-          </p:nvPr>
-        </p:nvSpPr>
-        <p:spPr>
-          <a:xfrm>
-            <a:off x="7479680" y="5014452"/>
-            <a:ext cx="3891116" cy="580052"/>
-          </a:xfrm>
-        </p:spPr>
-        <p:txBody>
-          <a:bodyPr>
-            <a:normAutofit/>
-          </a:bodyPr>
-          <a:lstStyle/>
-          <a:p>
-            <a:pPr marL="0" indent="0">
-              <a:buNone/>
-            </a:pPr>
-            <a:r>
-              <a:rPr lang="en-US" sz="2400" dirty="0">
-                <a:solidFill>
-                  <a:srgbClr val="002060"/>
-                </a:solidFill>
-                <a:latin typeface="Arial Rounded MT Bold" panose="020F0704030504030204" pitchFamily="34" charset="0"/>
-              </a:rPr>
-              <a:t> </a:t>
-            </a:r>
-            <a:endParaRPr lang="en-IN" sz="2400" dirty="0">
-              <a:solidFill>
-                <a:srgbClr val="002060"/>
-              </a:solidFill>
-              <a:latin typeface="Arial Rounded MT Bold" panose="020F0704030504030204" pitchFamily="34" charset="0"/>
-            </a:endParaRPr>
-          </a:p>
-        </p:txBody>
-      </p:sp>
-      <p:grpSp>
-        <p:nvGrpSpPr>
-          <p:cNvPr id="12" name="Group 11">
-            <a:extLst>
-              <a:ext uri="{FF2B5EF4-FFF2-40B4-BE49-F238E27FC236}">
-                <a16:creationId xmlns:a16="http://schemas.microsoft.com/office/drawing/2014/main" id="{4422DD8E-7DD0-34B0-D831-834B7DC56091}"/>
-              </a:ext>
-            </a:extLst>
-          </p:cNvPr>
-          <p:cNvGrpSpPr/>
-          <p:nvPr/>
-        </p:nvGrpSpPr>
-        <p:grpSpPr>
-          <a:xfrm>
-            <a:off x="848637" y="857598"/>
-            <a:ext cx="6967152" cy="1653222"/>
-            <a:chOff x="108397" y="-122119"/>
-            <a:chExt cx="6967152" cy="1653222"/>
-          </a:xfrm>
-        </p:grpSpPr>
-        <p:sp>
-          <p:nvSpPr>
-            <p:cNvPr id="13" name="Rectangle 12">
-              <a:extLst>
-                <a:ext uri="{FF2B5EF4-FFF2-40B4-BE49-F238E27FC236}">
-                  <a16:creationId xmlns:a16="http://schemas.microsoft.com/office/drawing/2014/main" id="{2BC9AD40-070E-B23F-F84E-2D425B3E6E20}"/>
-                </a:ext>
-              </a:extLst>
-            </p:cNvPr>
-            <p:cNvSpPr/>
-            <p:nvPr/>
-          </p:nvSpPr>
-          <p:spPr bwMode="white">
-            <a:xfrm>
-              <a:off x="1312541" y="619429"/>
-              <a:ext cx="2148945" cy="911674"/>
-            </a:xfrm>
-            <a:prstGeom prst="rect">
-              <a:avLst/>
-            </a:prstGeom>
-          </p:spPr>
-          <p:style>
-            <a:lnRef idx="0">
-              <a:schemeClr val="dk1">
-                <a:alpha val="0"/>
-                <a:hueOff val="0"/>
-                <a:satOff val="0"/>
-                <a:lumOff val="0"/>
-                <a:alphaOff val="0"/>
-              </a:schemeClr>
-            </a:lnRef>
-            <a:fillRef idx="0">
-              <a:schemeClr val="lt1">
-                <a:alpha val="0"/>
-                <a:hueOff val="0"/>
-                <a:satOff val="0"/>
-                <a:lumOff val="0"/>
-                <a:alphaOff val="0"/>
-              </a:schemeClr>
-            </a:fillRef>
-            <a:effectRef idx="0">
-              <a:schemeClr val="lt1">
-                <a:alpha val="0"/>
-                <a:hueOff val="0"/>
-                <a:satOff val="0"/>
-                <a:lumOff val="0"/>
-                <a:alphaOff val="0"/>
-              </a:schemeClr>
-            </a:effectRef>
-            <a:fontRef idx="minor">
-              <a:schemeClr val="tx1">
-                <a:hueOff val="0"/>
-                <a:satOff val="0"/>
-                <a:lumOff val="0"/>
-                <a:alphaOff val="0"/>
-              </a:schemeClr>
-            </a:fontRef>
-          </p:style>
-        </p:sp>
-        <p:sp>
-          <p:nvSpPr>
-            <p:cNvPr id="14" name="TextBox 13">
-              <a:extLst>
-                <a:ext uri="{FF2B5EF4-FFF2-40B4-BE49-F238E27FC236}">
-                  <a16:creationId xmlns:a16="http://schemas.microsoft.com/office/drawing/2014/main" id="{BACF5B25-E430-4E11-A924-AB5E3DEE2A81}"/>
-                </a:ext>
-              </a:extLst>
-            </p:cNvPr>
-            <p:cNvSpPr txBox="1"/>
-            <p:nvPr/>
-          </p:nvSpPr>
-          <p:spPr>
-            <a:xfrm>
-              <a:off x="108397" y="-122119"/>
-              <a:ext cx="6967152" cy="911674"/>
-            </a:xfrm>
-            <a:prstGeom prst="rect">
-              <a:avLst/>
-            </a:prstGeom>
-          </p:spPr>
-          <p:style>
-            <a:lnRef idx="0">
-              <a:scrgbClr r="0" g="0" b="0"/>
-            </a:lnRef>
-            <a:fillRef idx="0">
-              <a:scrgbClr r="0" g="0" b="0"/>
-            </a:fillRef>
-            <a:effectRef idx="0">
-              <a:scrgbClr r="0" g="0" b="0"/>
-            </a:effectRef>
-            <a:fontRef idx="minor">
-              <a:schemeClr val="tx1">
-                <a:hueOff val="0"/>
-                <a:satOff val="0"/>
-                <a:lumOff val="0"/>
-                <a:alphaOff val="0"/>
-              </a:schemeClr>
-            </a:fontRef>
-          </p:style>
-          <p:txBody>
-            <a:bodyPr spcFirstLastPara="0" vert="horz" wrap="square" lIns="0" tIns="0" rIns="0" bIns="0" numCol="1" spcCol="1270" anchor="ctr" anchorCtr="0">
-              <a:noAutofit/>
-            </a:bodyPr>
-            <a:lstStyle/>
-            <a:p>
-              <a:pPr rtl="0" fontAlgn="base">
-                <a:spcBef>
-                  <a:spcPts val="0"/>
-                </a:spcBef>
-                <a:spcAft>
-                  <a:spcPts val="0"/>
-                </a:spcAft>
-              </a:pPr>
-              <a:r>
-                <a:rPr lang="en-US" sz="1800" b="0" i="0" u="none" strike="noStrike" dirty="0">
-                  <a:solidFill>
-                    <a:srgbClr val="3F3F3F"/>
-                  </a:solidFill>
-                  <a:effectLst/>
-                  <a:latin typeface="Arial Rounded MT Bold" panose="020F0704030504030204" pitchFamily="34" charset="0"/>
-                </a:rPr>
-                <a:t>JavaScript language supports the following type of operators</a:t>
-              </a:r>
-              <a:r>
-                <a:rPr lang="en-US" sz="2400" b="0" i="0" u="none" strike="noStrike" dirty="0">
-                  <a:solidFill>
-                    <a:srgbClr val="3F3F3F"/>
-                  </a:solidFill>
-                  <a:effectLst/>
-                  <a:latin typeface="Arial Rounded MT Bold" panose="020F0704030504030204" pitchFamily="34" charset="0"/>
-                </a:rPr>
-                <a:t>:</a:t>
-              </a:r>
-            </a:p>
-          </p:txBody>
-        </p:sp>
-      </p:grpSp>
-      <p:sp>
-        <p:nvSpPr>
-          <p:cNvPr id="18" name="Rectangle 17">
-            <a:extLst>
-              <a:ext uri="{FF2B5EF4-FFF2-40B4-BE49-F238E27FC236}">
-                <a16:creationId xmlns:a16="http://schemas.microsoft.com/office/drawing/2014/main" id="{27E43BD8-2D9F-9281-9F5A-B993C0FF66E5}"/>
-              </a:ext>
-            </a:extLst>
-          </p:cNvPr>
-          <p:cNvSpPr/>
-          <p:nvPr/>
-        </p:nvSpPr>
-        <p:spPr bwMode="white">
-          <a:xfrm>
-            <a:off x="8980250" y="3694515"/>
-            <a:ext cx="2148945" cy="911674"/>
-          </a:xfrm>
-          <a:prstGeom prst="rect">
-            <a:avLst/>
-          </a:prstGeom>
-        </p:spPr>
-        <p:style>
-          <a:lnRef idx="0">
-            <a:schemeClr val="dk1">
-              <a:alpha val="0"/>
-              <a:hueOff val="0"/>
-              <a:satOff val="0"/>
-              <a:lumOff val="0"/>
-              <a:alphaOff val="0"/>
-            </a:schemeClr>
-          </a:lnRef>
-          <a:fillRef idx="0">
-            <a:schemeClr val="lt1">
-              <a:alpha val="0"/>
-              <a:hueOff val="0"/>
-              <a:satOff val="0"/>
-              <a:lumOff val="0"/>
-              <a:alphaOff val="0"/>
-            </a:schemeClr>
-          </a:fillRef>
-          <a:effectRef idx="0">
-            <a:schemeClr val="lt1">
-              <a:alpha val="0"/>
-              <a:hueOff val="0"/>
-              <a:satOff val="0"/>
-              <a:lumOff val="0"/>
-              <a:alphaOff val="0"/>
-            </a:schemeClr>
-          </a:effectRef>
-          <a:fontRef idx="minor">
-            <a:schemeClr val="tx1">
-              <a:hueOff val="0"/>
-              <a:satOff val="0"/>
-              <a:lumOff val="0"/>
-              <a:alphaOff val="0"/>
-            </a:schemeClr>
-          </a:fontRef>
-        </p:style>
-      </p:sp>
-      <p:pic>
-        <p:nvPicPr>
-          <p:cNvPr id="32" name="Picture 31">
-            <a:extLst>
-              <a:ext uri="{FF2B5EF4-FFF2-40B4-BE49-F238E27FC236}">
-                <a16:creationId xmlns:a16="http://schemas.microsoft.com/office/drawing/2014/main" id="{1F098469-CC4A-D8EF-2238-3EEABA3395BC}"/>
-              </a:ext>
-            </a:extLst>
-          </p:cNvPr>
-          <p:cNvPicPr>
-            <a:picLocks noChangeAspect="1"/>
-          </p:cNvPicPr>
-          <p:nvPr/>
-        </p:nvPicPr>
-        <p:blipFill>
-          <a:blip r:embed="rId3">
-            <a:extLst>
-              <a:ext uri="{28A0092B-C50C-407E-A947-70E740481C1C}">
-                <a14:useLocalDpi xmlns:a14="http://schemas.microsoft.com/office/drawing/2010/main" val="0"/>
-              </a:ext>
-            </a:extLst>
-          </a:blip>
-          <a:stretch>
-            <a:fillRect/>
-          </a:stretch>
-        </p:blipFill>
-        <p:spPr>
-          <a:xfrm>
-            <a:off x="3797821" y="3586747"/>
-            <a:ext cx="4882025" cy="3251613"/>
-          </a:xfrm>
-          <a:prstGeom prst="rect">
-            <a:avLst/>
-          </a:prstGeom>
-        </p:spPr>
-      </p:pic>
-      <p:pic>
-        <p:nvPicPr>
-          <p:cNvPr id="33" name="Picture 32">
-            <a:extLst>
-              <a:ext uri="{FF2B5EF4-FFF2-40B4-BE49-F238E27FC236}">
-                <a16:creationId xmlns:a16="http://schemas.microsoft.com/office/drawing/2014/main" id="{9588779F-E486-ACBC-D034-92EB053508D9}"/>
-              </a:ext>
-            </a:extLst>
-          </p:cNvPr>
-          <p:cNvPicPr>
-            <a:picLocks noChangeAspect="1"/>
-          </p:cNvPicPr>
-          <p:nvPr/>
-        </p:nvPicPr>
-        <p:blipFill>
-          <a:blip r:embed="rId4">
-            <a:extLst>
-              <a:ext uri="{28A0092B-C50C-407E-A947-70E740481C1C}">
-                <a14:useLocalDpi xmlns:a14="http://schemas.microsoft.com/office/drawing/2010/main" val="0"/>
-              </a:ext>
-            </a:extLst>
-          </a:blip>
-          <a:stretch>
-            <a:fillRect/>
-          </a:stretch>
-        </p:blipFill>
-        <p:spPr>
-          <a:xfrm flipH="1">
-            <a:off x="1062805" y="1930975"/>
-            <a:ext cx="2607328" cy="1842531"/>
-          </a:xfrm>
-          <a:prstGeom prst="rect">
-            <a:avLst/>
-          </a:prstGeom>
-        </p:spPr>
-      </p:pic>
-      <p:pic>
-        <p:nvPicPr>
-          <p:cNvPr id="34" name="Picture 33">
-            <a:extLst>
-              <a:ext uri="{FF2B5EF4-FFF2-40B4-BE49-F238E27FC236}">
-                <a16:creationId xmlns:a16="http://schemas.microsoft.com/office/drawing/2014/main" id="{F5894977-6A00-D1A8-9CA2-CD87ED034464}"/>
-              </a:ext>
-            </a:extLst>
-          </p:cNvPr>
-          <p:cNvPicPr>
-            <a:picLocks noChangeAspect="1"/>
-          </p:cNvPicPr>
-          <p:nvPr/>
-        </p:nvPicPr>
-        <p:blipFill>
-          <a:blip r:embed="rId4">
-            <a:extLst>
-              <a:ext uri="{28A0092B-C50C-407E-A947-70E740481C1C}">
-                <a14:useLocalDpi xmlns:a14="http://schemas.microsoft.com/office/drawing/2010/main" val="0"/>
-              </a:ext>
-            </a:extLst>
-          </a:blip>
-          <a:stretch>
-            <a:fillRect/>
-          </a:stretch>
-        </p:blipFill>
-        <p:spPr>
-          <a:xfrm>
-            <a:off x="8385547" y="1263496"/>
-            <a:ext cx="2515584" cy="1892878"/>
-          </a:xfrm>
-          <a:prstGeom prst="rect">
-            <a:avLst/>
-          </a:prstGeom>
-        </p:spPr>
-      </p:pic>
-      <p:pic>
-        <p:nvPicPr>
-          <p:cNvPr id="35" name="Picture 34">
-            <a:extLst>
-              <a:ext uri="{FF2B5EF4-FFF2-40B4-BE49-F238E27FC236}">
-                <a16:creationId xmlns:a16="http://schemas.microsoft.com/office/drawing/2014/main" id="{FDE94B9B-62CB-7E2D-7BB9-2C8BC3524137}"/>
-              </a:ext>
-            </a:extLst>
-          </p:cNvPr>
-          <p:cNvPicPr>
-            <a:picLocks noChangeAspect="1"/>
-          </p:cNvPicPr>
-          <p:nvPr/>
-        </p:nvPicPr>
-        <p:blipFill>
-          <a:blip r:embed="rId4">
-            <a:extLst>
-              <a:ext uri="{28A0092B-C50C-407E-A947-70E740481C1C}">
-                <a14:useLocalDpi xmlns:a14="http://schemas.microsoft.com/office/drawing/2010/main" val="0"/>
-              </a:ext>
-            </a:extLst>
-          </a:blip>
-          <a:stretch>
-            <a:fillRect/>
-          </a:stretch>
-        </p:blipFill>
-        <p:spPr>
-          <a:xfrm flipH="1">
-            <a:off x="1593005" y="4032549"/>
-            <a:ext cx="2077128" cy="1616378"/>
-          </a:xfrm>
-          <a:prstGeom prst="rect">
-            <a:avLst/>
-          </a:prstGeom>
-        </p:spPr>
-      </p:pic>
-      <p:pic>
-        <p:nvPicPr>
-          <p:cNvPr id="36" name="Picture 35">
-            <a:extLst>
-              <a:ext uri="{FF2B5EF4-FFF2-40B4-BE49-F238E27FC236}">
-                <a16:creationId xmlns:a16="http://schemas.microsoft.com/office/drawing/2014/main" id="{6C1B5277-29D7-B92B-F974-3D33EBB7485F}"/>
-              </a:ext>
-            </a:extLst>
-          </p:cNvPr>
-          <p:cNvPicPr>
-            <a:picLocks noChangeAspect="1"/>
-          </p:cNvPicPr>
-          <p:nvPr/>
-        </p:nvPicPr>
-        <p:blipFill>
-          <a:blip r:embed="rId4">
-            <a:extLst>
-              <a:ext uri="{28A0092B-C50C-407E-A947-70E740481C1C}">
-                <a14:useLocalDpi xmlns:a14="http://schemas.microsoft.com/office/drawing/2010/main" val="0"/>
-              </a:ext>
-            </a:extLst>
-          </a:blip>
-          <a:stretch>
-            <a:fillRect/>
-          </a:stretch>
-        </p:blipFill>
-        <p:spPr>
-          <a:xfrm>
-            <a:off x="8701513" y="3651992"/>
-            <a:ext cx="2027265" cy="1701424"/>
-          </a:xfrm>
-          <a:prstGeom prst="rect">
-            <a:avLst/>
-          </a:prstGeom>
-        </p:spPr>
-      </p:pic>
-      <p:pic>
-        <p:nvPicPr>
-          <p:cNvPr id="37" name="Picture 36">
-            <a:extLst>
-              <a:ext uri="{FF2B5EF4-FFF2-40B4-BE49-F238E27FC236}">
-                <a16:creationId xmlns:a16="http://schemas.microsoft.com/office/drawing/2014/main" id="{2C692844-DCC9-0847-8A7E-9C4684E33D8E}"/>
-              </a:ext>
-            </a:extLst>
-          </p:cNvPr>
-          <p:cNvPicPr>
-            <a:picLocks noChangeAspect="1"/>
-          </p:cNvPicPr>
-          <p:nvPr/>
-        </p:nvPicPr>
-        <p:blipFill>
-          <a:blip r:embed="rId4">
-            <a:extLst>
-              <a:ext uri="{28A0092B-C50C-407E-A947-70E740481C1C}">
-                <a14:useLocalDpi xmlns:a14="http://schemas.microsoft.com/office/drawing/2010/main" val="0"/>
-              </a:ext>
-            </a:extLst>
-          </a:blip>
-          <a:stretch>
-            <a:fillRect/>
-          </a:stretch>
-        </p:blipFill>
-        <p:spPr>
-          <a:xfrm flipH="1">
-            <a:off x="4682842" y="1654620"/>
-            <a:ext cx="2408929" cy="1842531"/>
-          </a:xfrm>
-          <a:prstGeom prst="rect">
-            <a:avLst/>
-          </a:prstGeom>
-        </p:spPr>
-      </p:pic>
-      <p:sp>
-        <p:nvSpPr>
-          <p:cNvPr id="41" name="TextBox 40">
-            <a:extLst>
-              <a:ext uri="{FF2B5EF4-FFF2-40B4-BE49-F238E27FC236}">
-                <a16:creationId xmlns:a16="http://schemas.microsoft.com/office/drawing/2014/main" id="{7FC2C57D-5DF0-8641-200E-709DEFA0E2A2}"/>
-              </a:ext>
-            </a:extLst>
-          </p:cNvPr>
-          <p:cNvSpPr txBox="1"/>
-          <p:nvPr/>
-        </p:nvSpPr>
-        <p:spPr>
-          <a:xfrm>
-            <a:off x="1180418" y="2036549"/>
-            <a:ext cx="2298280" cy="1102866"/>
-          </a:xfrm>
-          <a:prstGeom prst="rect">
-            <a:avLst/>
-          </a:prstGeom>
-          <a:noFill/>
-        </p:spPr>
-        <p:txBody>
-          <a:bodyPr wrap="square" rtlCol="0">
-            <a:spAutoFit/>
-          </a:bodyPr>
-          <a:lstStyle/>
-          <a:p>
-            <a:pPr rtl="0" fontAlgn="base">
-              <a:spcBef>
-                <a:spcPts val="1400"/>
-              </a:spcBef>
-              <a:spcAft>
-                <a:spcPts val="0"/>
-              </a:spcAft>
-            </a:pPr>
-            <a:r>
-              <a:rPr lang="en-IN" sz="1800" b="0" i="0" u="none" strike="noStrike" dirty="0">
-                <a:solidFill>
-                  <a:schemeClr val="bg1"/>
-                </a:solidFill>
-                <a:effectLst/>
-                <a:latin typeface="Arial Rounded MT Bold" panose="020F0704030504030204" pitchFamily="34" charset="0"/>
-              </a:rPr>
-              <a:t>Arithmetic Operators:</a:t>
-            </a:r>
-          </a:p>
-          <a:p>
-            <a:pPr rtl="0" fontAlgn="base">
-              <a:spcBef>
-                <a:spcPts val="1400"/>
-              </a:spcBef>
-              <a:spcAft>
-                <a:spcPts val="0"/>
-              </a:spcAft>
-            </a:pPr>
-            <a:r>
-              <a:rPr lang="en-IN" sz="1800" b="0" i="0" u="none" strike="noStrike" dirty="0">
-                <a:solidFill>
-                  <a:schemeClr val="bg1"/>
-                </a:solidFill>
-                <a:effectLst/>
-                <a:latin typeface="Arial Rounded MT Bold" panose="020F0704030504030204" pitchFamily="34" charset="0"/>
-              </a:rPr>
-              <a:t>(+,-,/,*,%,++,--)</a:t>
-            </a:r>
-          </a:p>
-        </p:txBody>
-      </p:sp>
-      <p:sp>
-        <p:nvSpPr>
-          <p:cNvPr id="42" name="TextBox 41">
-            <a:extLst>
-              <a:ext uri="{FF2B5EF4-FFF2-40B4-BE49-F238E27FC236}">
-                <a16:creationId xmlns:a16="http://schemas.microsoft.com/office/drawing/2014/main" id="{B5C7D2D9-24EA-B978-FED1-BCE20019815D}"/>
-              </a:ext>
-            </a:extLst>
-          </p:cNvPr>
-          <p:cNvSpPr txBox="1"/>
-          <p:nvPr/>
-        </p:nvSpPr>
-        <p:spPr>
-          <a:xfrm>
-            <a:off x="4817861" y="1755902"/>
-            <a:ext cx="2180493" cy="923330"/>
-          </a:xfrm>
-          <a:prstGeom prst="rect">
-            <a:avLst/>
-          </a:prstGeom>
-          <a:noFill/>
-        </p:spPr>
-        <p:txBody>
-          <a:bodyPr wrap="square" rtlCol="0">
-            <a:spAutoFit/>
-          </a:bodyPr>
-          <a:lstStyle/>
-          <a:p>
-            <a:r>
-              <a:rPr lang="en-IN" sz="1800" b="0" i="0" u="none" strike="noStrike" dirty="0">
-                <a:solidFill>
-                  <a:schemeClr val="bg1"/>
-                </a:solidFill>
-                <a:effectLst/>
-                <a:latin typeface="Arial Rounded MT Bold" panose="020F0704030504030204" pitchFamily="34" charset="0"/>
-              </a:rPr>
-              <a:t>Comparison Operators: (==,!=,&lt;=,&gt;=,&lt;,&gt;)</a:t>
-            </a:r>
-            <a:endParaRPr lang="en-IN" dirty="0">
-              <a:solidFill>
-                <a:schemeClr val="bg1"/>
-              </a:solidFill>
-              <a:latin typeface="Arial Rounded MT Bold" panose="020F0704030504030204" pitchFamily="34" charset="0"/>
-            </a:endParaRPr>
-          </a:p>
-        </p:txBody>
-      </p:sp>
-      <p:sp>
-        <p:nvSpPr>
-          <p:cNvPr id="43" name="TextBox 42">
-            <a:extLst>
-              <a:ext uri="{FF2B5EF4-FFF2-40B4-BE49-F238E27FC236}">
-                <a16:creationId xmlns:a16="http://schemas.microsoft.com/office/drawing/2014/main" id="{0FD49ADC-46BC-863F-0587-6470DCCE252C}"/>
-              </a:ext>
-            </a:extLst>
-          </p:cNvPr>
-          <p:cNvSpPr txBox="1"/>
-          <p:nvPr/>
-        </p:nvSpPr>
-        <p:spPr>
-          <a:xfrm>
-            <a:off x="8492202" y="1462638"/>
-            <a:ext cx="2408929" cy="923330"/>
-          </a:xfrm>
-          <a:prstGeom prst="rect">
-            <a:avLst/>
-          </a:prstGeom>
-          <a:noFill/>
-        </p:spPr>
-        <p:txBody>
-          <a:bodyPr wrap="square" rtlCol="0">
-            <a:spAutoFit/>
-          </a:bodyPr>
-          <a:lstStyle/>
-          <a:p>
-            <a:r>
-              <a:rPr lang="en-IN" sz="1800" b="0" i="0" u="none" strike="noStrike" dirty="0">
-                <a:solidFill>
-                  <a:schemeClr val="bg1"/>
-                </a:solidFill>
-                <a:effectLst/>
-                <a:latin typeface="Arial Rounded MT Bold" panose="020F0704030504030204" pitchFamily="34" charset="0"/>
-              </a:rPr>
-              <a:t>Logical (or Relational) Operators: (&amp;&amp;,||,!)</a:t>
-            </a:r>
-            <a:endParaRPr lang="en-IN" dirty="0">
-              <a:solidFill>
-                <a:schemeClr val="bg1"/>
-              </a:solidFill>
-              <a:latin typeface="Arial Rounded MT Bold" panose="020F0704030504030204" pitchFamily="34" charset="0"/>
-            </a:endParaRPr>
-          </a:p>
-        </p:txBody>
-      </p:sp>
-      <p:sp>
-        <p:nvSpPr>
-          <p:cNvPr id="4" name="TextBox 3">
-            <a:extLst>
-              <a:ext uri="{FF2B5EF4-FFF2-40B4-BE49-F238E27FC236}">
-                <a16:creationId xmlns:a16="http://schemas.microsoft.com/office/drawing/2014/main" id="{5C5E0524-7EBF-DE72-9BDA-AFD7D661511D}"/>
-              </a:ext>
-            </a:extLst>
-          </p:cNvPr>
-          <p:cNvSpPr txBox="1"/>
-          <p:nvPr/>
-        </p:nvSpPr>
-        <p:spPr>
-          <a:xfrm>
-            <a:off x="1818423" y="4123029"/>
-            <a:ext cx="1698337" cy="923330"/>
-          </a:xfrm>
-          <a:prstGeom prst="rect">
-            <a:avLst/>
-          </a:prstGeom>
-          <a:noFill/>
-        </p:spPr>
-        <p:txBody>
-          <a:bodyPr wrap="square">
-            <a:spAutoFit/>
-          </a:bodyPr>
-          <a:lstStyle/>
-          <a:p>
-            <a:r>
-              <a:rPr lang="en-IN" sz="1800" b="0" i="0" u="none" strike="noStrike" dirty="0">
-                <a:solidFill>
-                  <a:schemeClr val="bg1"/>
-                </a:solidFill>
-                <a:effectLst/>
-                <a:latin typeface="Arial Rounded MT Bold" panose="020F0704030504030204" pitchFamily="34" charset="0"/>
-              </a:rPr>
-              <a:t>Assignment Operators: (=,+=,-=,*=,/=)</a:t>
-            </a:r>
-            <a:endParaRPr lang="en-IN" dirty="0">
-              <a:solidFill>
-                <a:schemeClr val="bg1"/>
-              </a:solidFill>
-              <a:latin typeface="Arial Rounded MT Bold" panose="020F0704030504030204" pitchFamily="34" charset="0"/>
-            </a:endParaRPr>
-          </a:p>
-        </p:txBody>
-      </p:sp>
-      <p:sp>
-        <p:nvSpPr>
-          <p:cNvPr id="6" name="TextBox 5">
-            <a:extLst>
-              <a:ext uri="{FF2B5EF4-FFF2-40B4-BE49-F238E27FC236}">
-                <a16:creationId xmlns:a16="http://schemas.microsoft.com/office/drawing/2014/main" id="{7483B4D4-94E9-B683-3009-53B01AA0F64E}"/>
-              </a:ext>
-            </a:extLst>
-          </p:cNvPr>
-          <p:cNvSpPr txBox="1"/>
-          <p:nvPr/>
-        </p:nvSpPr>
-        <p:spPr>
-          <a:xfrm>
-            <a:off x="8701514" y="3789132"/>
-            <a:ext cx="2273122" cy="923330"/>
-          </a:xfrm>
-          <a:prstGeom prst="rect">
-            <a:avLst/>
-          </a:prstGeom>
-          <a:noFill/>
-        </p:spPr>
-        <p:txBody>
-          <a:bodyPr wrap="square">
-            <a:spAutoFit/>
-          </a:bodyPr>
-          <a:lstStyle/>
-          <a:p>
-            <a:r>
-              <a:rPr lang="en-IN" sz="1800" b="0" i="0" u="none" strike="noStrike" dirty="0">
-                <a:solidFill>
-                  <a:schemeClr val="bg1"/>
-                </a:solidFill>
-                <a:effectLst/>
-                <a:latin typeface="Arial Rounded MT Bold" panose="020F0704030504030204" pitchFamily="34" charset="0"/>
-              </a:rPr>
-              <a:t>Conditional (or ternary) Operators: (?: )</a:t>
-            </a:r>
-            <a:endParaRPr lang="en-IN" dirty="0">
-              <a:solidFill>
-                <a:schemeClr val="bg1"/>
-              </a:solidFill>
-              <a:latin typeface="Arial Rounded MT Bold" panose="020F0704030504030204" pitchFamily="34" charset="0"/>
-            </a:endParaRPr>
-          </a:p>
-        </p:txBody>
-      </p:sp>
-    </p:spTree>
-    <p:extLst>
-      <p:ext uri="{BB962C8B-B14F-4D97-AF65-F5344CB8AC3E}">
-        <p14:creationId xmlns:p14="http://schemas.microsoft.com/office/powerpoint/2010/main" val="1480189551"/>
-      </p:ext>
-    </p:extLst>
-  </p:cSld>
-  <p:clrMapOvr>
-    <a:masterClrMapping/>
-  </p:clrMapOvr>
-  <p:transition spd="slow">
-    <p:push dir="u"/>
-  </p:transition>
-  <p:timing>
-    <p:tnLst>
-      <p:par>
-        <p:cTn id="1" dur="indefinite" restart="never" nodeType="tmRoot">
-          <p:childTnLst>
-            <p:seq concurrent="1" nextAc="seek">
-              <p:cTn id="2" dur="indefinite" nodeType="mainSeq">
-                <p:childTnLst>
-                  <p:par>
-                    <p:cTn id="3" fill="hold">
-                      <p:stCondLst>
-                        <p:cond delay="indefinite"/>
-                      </p:stCondLst>
-                      <p:childTnLst>
-                        <p:par>
-                          <p:cTn id="4" fill="hold">
-                            <p:stCondLst>
-                              <p:cond delay="0"/>
-                            </p:stCondLst>
-                            <p:childTnLst>
-                              <p:par>
-                                <p:cTn id="5" presetID="2" presetClass="entr" presetSubtype="4" fill="hold" nodeType="clickEffect">
-                                  <p:stCondLst>
-                                    <p:cond delay="0"/>
-                                  </p:stCondLst>
-                                  <p:childTnLst>
-                                    <p:set>
-                                      <p:cBhvr>
-                                        <p:cTn id="6" dur="1" fill="hold">
-                                          <p:stCondLst>
-                                            <p:cond delay="0"/>
-                                          </p:stCondLst>
-                                        </p:cTn>
-                                        <p:tgtEl>
-                                          <p:spTgt spid="12"/>
-                                        </p:tgtEl>
-                                        <p:attrNameLst>
-                                          <p:attrName>style.visibility</p:attrName>
-                                        </p:attrNameLst>
-                                      </p:cBhvr>
-                                      <p:to>
-                                        <p:strVal val="visible"/>
-                                      </p:to>
-                                    </p:set>
-                                    <p:anim calcmode="lin" valueType="num">
-                                      <p:cBhvr additive="base">
-                                        <p:cTn id="7" dur="500" fill="hold"/>
-                                        <p:tgtEl>
-                                          <p:spTgt spid="12"/>
-                                        </p:tgtEl>
-                                        <p:attrNameLst>
-                                          <p:attrName>ppt_x</p:attrName>
-                                        </p:attrNameLst>
-                                      </p:cBhvr>
-                                      <p:tavLst>
-                                        <p:tav tm="0">
-                                          <p:val>
-                                            <p:strVal val="#ppt_x"/>
-                                          </p:val>
-                                        </p:tav>
-                                        <p:tav tm="100000">
-                                          <p:val>
-                                            <p:strVal val="#ppt_x"/>
-                                          </p:val>
-                                        </p:tav>
-                                      </p:tavLst>
-                                    </p:anim>
-                                    <p:anim calcmode="lin" valueType="num">
-                                      <p:cBhvr additive="base">
-                                        <p:cTn id="8" dur="500" fill="hold"/>
-                                        <p:tgtEl>
-                                          <p:spTgt spid="12"/>
-                                        </p:tgtEl>
-                                        <p:attrNameLst>
-                                          <p:attrName>ppt_y</p:attrName>
-                                        </p:attrNameLst>
-                                      </p:cBhvr>
-                                      <p:tavLst>
-                                        <p:tav tm="0">
-                                          <p:val>
-                                            <p:strVal val="1+#ppt_h/2"/>
-                                          </p:val>
-                                        </p:tav>
-                                        <p:tav tm="100000">
-                                          <p:val>
-                                            <p:strVal val="#ppt_y"/>
-                                          </p:val>
-                                        </p:tav>
-                                      </p:tavLst>
-                                    </p:anim>
-                                  </p:childTnLst>
-                                </p:cTn>
-                              </p:par>
-                            </p:childTnLst>
-                          </p:cTn>
-                        </p:par>
-                      </p:childTnLst>
-                    </p:cTn>
-                  </p:par>
-                  <p:par>
-                    <p:cTn id="9" fill="hold">
-                      <p:stCondLst>
-                        <p:cond delay="indefinite"/>
-                      </p:stCondLst>
-                      <p:childTnLst>
-                        <p:par>
-                          <p:cTn id="10" fill="hold">
-                            <p:stCondLst>
-                              <p:cond delay="0"/>
-                            </p:stCondLst>
-                            <p:childTnLst>
-                              <p:par>
-                                <p:cTn id="11" presetID="31" presetClass="entr" presetSubtype="0" fill="hold" nodeType="clickEffect">
-                                  <p:stCondLst>
-                                    <p:cond delay="0"/>
-                                  </p:stCondLst>
-                                  <p:childTnLst>
-                                    <p:set>
-                                      <p:cBhvr>
-                                        <p:cTn id="12" dur="1" fill="hold">
-                                          <p:stCondLst>
-                                            <p:cond delay="0"/>
-                                          </p:stCondLst>
-                                        </p:cTn>
-                                        <p:tgtEl>
-                                          <p:spTgt spid="32"/>
-                                        </p:tgtEl>
-                                        <p:attrNameLst>
-                                          <p:attrName>style.visibility</p:attrName>
-                                        </p:attrNameLst>
-                                      </p:cBhvr>
-                                      <p:to>
-                                        <p:strVal val="visible"/>
-                                      </p:to>
-                                    </p:set>
-                                    <p:anim calcmode="lin" valueType="num">
-                                      <p:cBhvr>
-                                        <p:cTn id="13" dur="1000" fill="hold"/>
-                                        <p:tgtEl>
-                                          <p:spTgt spid="32"/>
-                                        </p:tgtEl>
-                                        <p:attrNameLst>
-                                          <p:attrName>ppt_w</p:attrName>
-                                        </p:attrNameLst>
-                                      </p:cBhvr>
-                                      <p:tavLst>
-                                        <p:tav tm="0">
-                                          <p:val>
-                                            <p:fltVal val="0"/>
-                                          </p:val>
-                                        </p:tav>
-                                        <p:tav tm="100000">
-                                          <p:val>
-                                            <p:strVal val="#ppt_w"/>
-                                          </p:val>
-                                        </p:tav>
-                                      </p:tavLst>
-                                    </p:anim>
-                                    <p:anim calcmode="lin" valueType="num">
-                                      <p:cBhvr>
-                                        <p:cTn id="14" dur="1000" fill="hold"/>
-                                        <p:tgtEl>
-                                          <p:spTgt spid="32"/>
-                                        </p:tgtEl>
-                                        <p:attrNameLst>
-                                          <p:attrName>ppt_h</p:attrName>
-                                        </p:attrNameLst>
-                                      </p:cBhvr>
-                                      <p:tavLst>
-                                        <p:tav tm="0">
-                                          <p:val>
-                                            <p:fltVal val="0"/>
-                                          </p:val>
-                                        </p:tav>
-                                        <p:tav tm="100000">
-                                          <p:val>
-                                            <p:strVal val="#ppt_h"/>
-                                          </p:val>
-                                        </p:tav>
-                                      </p:tavLst>
-                                    </p:anim>
-                                    <p:anim calcmode="lin" valueType="num">
-                                      <p:cBhvr>
-                                        <p:cTn id="15" dur="1000" fill="hold"/>
-                                        <p:tgtEl>
-                                          <p:spTgt spid="32"/>
-                                        </p:tgtEl>
-                                        <p:attrNameLst>
-                                          <p:attrName>style.rotation</p:attrName>
-                                        </p:attrNameLst>
-                                      </p:cBhvr>
-                                      <p:tavLst>
-                                        <p:tav tm="0">
-                                          <p:val>
-                                            <p:fltVal val="90"/>
-                                          </p:val>
-                                        </p:tav>
-                                        <p:tav tm="100000">
-                                          <p:val>
-                                            <p:fltVal val="0"/>
-                                          </p:val>
-                                        </p:tav>
-                                      </p:tavLst>
-                                    </p:anim>
-                                    <p:animEffect transition="in" filter="fade">
-                                      <p:cBhvr>
-                                        <p:cTn id="16" dur="1000"/>
-                                        <p:tgtEl>
-                                          <p:spTgt spid="32"/>
-                                        </p:tgtEl>
-                                      </p:cBhvr>
-                                    </p:animEffect>
-                                  </p:childTnLst>
-                                </p:cTn>
-                              </p:par>
-                            </p:childTnLst>
-                          </p:cTn>
-                        </p:par>
-                      </p:childTnLst>
-                    </p:cTn>
-                  </p:par>
-                  <p:par>
-                    <p:cTn id="17" fill="hold">
-                      <p:stCondLst>
-                        <p:cond delay="indefinite"/>
-                      </p:stCondLst>
-                      <p:childTnLst>
-                        <p:par>
-                          <p:cTn id="18" fill="hold">
-                            <p:stCondLst>
-                              <p:cond delay="0"/>
-                            </p:stCondLst>
-                            <p:childTnLst>
-                              <p:par>
-                                <p:cTn id="19" presetID="42" presetClass="entr" presetSubtype="0" fill="hold" nodeType="clickEffect">
-                                  <p:stCondLst>
-                                    <p:cond delay="0"/>
-                                  </p:stCondLst>
-                                  <p:childTnLst>
-                                    <p:set>
-                                      <p:cBhvr>
-                                        <p:cTn id="20" dur="1" fill="hold">
-                                          <p:stCondLst>
-                                            <p:cond delay="0"/>
-                                          </p:stCondLst>
-                                        </p:cTn>
-                                        <p:tgtEl>
-                                          <p:spTgt spid="33"/>
-                                        </p:tgtEl>
-                                        <p:attrNameLst>
-                                          <p:attrName>style.visibility</p:attrName>
-                                        </p:attrNameLst>
-                                      </p:cBhvr>
-                                      <p:to>
-                                        <p:strVal val="visible"/>
-                                      </p:to>
-                                    </p:set>
-                                    <p:animEffect transition="in" filter="fade">
-                                      <p:cBhvr>
-                                        <p:cTn id="21" dur="1000"/>
-                                        <p:tgtEl>
-                                          <p:spTgt spid="33"/>
-                                        </p:tgtEl>
-                                      </p:cBhvr>
-                                    </p:animEffect>
-                                    <p:anim calcmode="lin" valueType="num">
-                                      <p:cBhvr>
-                                        <p:cTn id="22" dur="1000" fill="hold"/>
-                                        <p:tgtEl>
-                                          <p:spTgt spid="33"/>
-                                        </p:tgtEl>
-                                        <p:attrNameLst>
-                                          <p:attrName>ppt_x</p:attrName>
-                                        </p:attrNameLst>
-                                      </p:cBhvr>
-                                      <p:tavLst>
-                                        <p:tav tm="0">
-                                          <p:val>
-                                            <p:strVal val="#ppt_x"/>
-                                          </p:val>
-                                        </p:tav>
-                                        <p:tav tm="100000">
-                                          <p:val>
-                                            <p:strVal val="#ppt_x"/>
-                                          </p:val>
-                                        </p:tav>
-                                      </p:tavLst>
-                                    </p:anim>
-                                    <p:anim calcmode="lin" valueType="num">
-                                      <p:cBhvr>
-                                        <p:cTn id="23" dur="1000" fill="hold"/>
-                                        <p:tgtEl>
-                                          <p:spTgt spid="33"/>
-                                        </p:tgtEl>
-                                        <p:attrNameLst>
-                                          <p:attrName>ppt_y</p:attrName>
-                                        </p:attrNameLst>
-                                      </p:cBhvr>
-                                      <p:tavLst>
-                                        <p:tav tm="0">
-                                          <p:val>
-                                            <p:strVal val="#ppt_y+.1"/>
-                                          </p:val>
-                                        </p:tav>
-                                        <p:tav tm="100000">
-                                          <p:val>
-                                            <p:strVal val="#ppt_y"/>
-                                          </p:val>
-                                        </p:tav>
-                                      </p:tavLst>
-                                    </p:anim>
-                                  </p:childTnLst>
-                                </p:cTn>
-                              </p:par>
-                              <p:par>
-                                <p:cTn id="24" presetID="42" presetClass="entr" presetSubtype="0" fill="hold" grpId="0" nodeType="withEffect">
-                                  <p:stCondLst>
-                                    <p:cond delay="0"/>
-                                  </p:stCondLst>
-                                  <p:childTnLst>
-                                    <p:set>
-                                      <p:cBhvr>
-                                        <p:cTn id="25" dur="1" fill="hold">
-                                          <p:stCondLst>
-                                            <p:cond delay="0"/>
-                                          </p:stCondLst>
-                                        </p:cTn>
-                                        <p:tgtEl>
-                                          <p:spTgt spid="41"/>
-                                        </p:tgtEl>
-                                        <p:attrNameLst>
-                                          <p:attrName>style.visibility</p:attrName>
-                                        </p:attrNameLst>
-                                      </p:cBhvr>
-                                      <p:to>
-                                        <p:strVal val="visible"/>
-                                      </p:to>
-                                    </p:set>
-                                    <p:animEffect transition="in" filter="fade">
-                                      <p:cBhvr>
-                                        <p:cTn id="26" dur="1000"/>
-                                        <p:tgtEl>
-                                          <p:spTgt spid="41"/>
-                                        </p:tgtEl>
-                                      </p:cBhvr>
-                                    </p:animEffect>
-                                    <p:anim calcmode="lin" valueType="num">
-                                      <p:cBhvr>
-                                        <p:cTn id="27" dur="1000" fill="hold"/>
-                                        <p:tgtEl>
-                                          <p:spTgt spid="41"/>
-                                        </p:tgtEl>
-                                        <p:attrNameLst>
-                                          <p:attrName>ppt_x</p:attrName>
-                                        </p:attrNameLst>
-                                      </p:cBhvr>
-                                      <p:tavLst>
-                                        <p:tav tm="0">
-                                          <p:val>
-                                            <p:strVal val="#ppt_x"/>
-                                          </p:val>
-                                        </p:tav>
-                                        <p:tav tm="100000">
-                                          <p:val>
-                                            <p:strVal val="#ppt_x"/>
-                                          </p:val>
-                                        </p:tav>
-                                      </p:tavLst>
-                                    </p:anim>
-                                    <p:anim calcmode="lin" valueType="num">
-                                      <p:cBhvr>
-                                        <p:cTn id="28" dur="1000" fill="hold"/>
-                                        <p:tgtEl>
-                                          <p:spTgt spid="41"/>
-                                        </p:tgtEl>
-                                        <p:attrNameLst>
-                                          <p:attrName>ppt_y</p:attrName>
-                                        </p:attrNameLst>
-                                      </p:cBhvr>
-                                      <p:tavLst>
-                                        <p:tav tm="0">
-                                          <p:val>
-                                            <p:strVal val="#ppt_y+.1"/>
-                                          </p:val>
-                                        </p:tav>
-                                        <p:tav tm="100000">
-                                          <p:val>
-                                            <p:strVal val="#ppt_y"/>
-                                          </p:val>
-                                        </p:tav>
-                                      </p:tavLst>
-                                    </p:anim>
-                                  </p:childTnLst>
-                                </p:cTn>
-                              </p:par>
-                            </p:childTnLst>
-                          </p:cTn>
-                        </p:par>
-                      </p:childTnLst>
-                    </p:cTn>
-                  </p:par>
-                  <p:par>
-                    <p:cTn id="29" fill="hold">
-                      <p:stCondLst>
-                        <p:cond delay="indefinite"/>
-                      </p:stCondLst>
-                      <p:childTnLst>
-                        <p:par>
-                          <p:cTn id="30" fill="hold">
-                            <p:stCondLst>
-                              <p:cond delay="0"/>
-                            </p:stCondLst>
-                            <p:childTnLst>
-                              <p:par>
-                                <p:cTn id="31" presetID="42" presetClass="entr" presetSubtype="0" fill="hold" nodeType="clickEffect">
-                                  <p:stCondLst>
-                                    <p:cond delay="0"/>
-                                  </p:stCondLst>
-                                  <p:childTnLst>
-                                    <p:set>
-                                      <p:cBhvr>
-                                        <p:cTn id="32" dur="1" fill="hold">
-                                          <p:stCondLst>
-                                            <p:cond delay="0"/>
-                                          </p:stCondLst>
-                                        </p:cTn>
-                                        <p:tgtEl>
-                                          <p:spTgt spid="37"/>
-                                        </p:tgtEl>
-                                        <p:attrNameLst>
-                                          <p:attrName>style.visibility</p:attrName>
-                                        </p:attrNameLst>
-                                      </p:cBhvr>
-                                      <p:to>
-                                        <p:strVal val="visible"/>
-                                      </p:to>
-                                    </p:set>
-                                    <p:animEffect transition="in" filter="fade">
-                                      <p:cBhvr>
-                                        <p:cTn id="33" dur="1000"/>
-                                        <p:tgtEl>
-                                          <p:spTgt spid="37"/>
-                                        </p:tgtEl>
-                                      </p:cBhvr>
-                                    </p:animEffect>
-                                    <p:anim calcmode="lin" valueType="num">
-                                      <p:cBhvr>
-                                        <p:cTn id="34" dur="1000" fill="hold"/>
-                                        <p:tgtEl>
-                                          <p:spTgt spid="37"/>
-                                        </p:tgtEl>
-                                        <p:attrNameLst>
-                                          <p:attrName>ppt_x</p:attrName>
-                                        </p:attrNameLst>
-                                      </p:cBhvr>
-                                      <p:tavLst>
-                                        <p:tav tm="0">
-                                          <p:val>
-                                            <p:strVal val="#ppt_x"/>
-                                          </p:val>
-                                        </p:tav>
-                                        <p:tav tm="100000">
-                                          <p:val>
-                                            <p:strVal val="#ppt_x"/>
-                                          </p:val>
-                                        </p:tav>
-                                      </p:tavLst>
-                                    </p:anim>
-                                    <p:anim calcmode="lin" valueType="num">
-                                      <p:cBhvr>
-                                        <p:cTn id="35" dur="1000" fill="hold"/>
-                                        <p:tgtEl>
-                                          <p:spTgt spid="37"/>
-                                        </p:tgtEl>
-                                        <p:attrNameLst>
-                                          <p:attrName>ppt_y</p:attrName>
-                                        </p:attrNameLst>
-                                      </p:cBhvr>
-                                      <p:tavLst>
-                                        <p:tav tm="0">
-                                          <p:val>
-                                            <p:strVal val="#ppt_y+.1"/>
-                                          </p:val>
-                                        </p:tav>
-                                        <p:tav tm="100000">
-                                          <p:val>
-                                            <p:strVal val="#ppt_y"/>
-                                          </p:val>
-                                        </p:tav>
-                                      </p:tavLst>
-                                    </p:anim>
-                                  </p:childTnLst>
-                                </p:cTn>
-                              </p:par>
-                              <p:par>
-                                <p:cTn id="36" presetID="42" presetClass="entr" presetSubtype="0" fill="hold" grpId="0" nodeType="withEffect">
-                                  <p:stCondLst>
-                                    <p:cond delay="0"/>
-                                  </p:stCondLst>
-                                  <p:childTnLst>
-                                    <p:set>
-                                      <p:cBhvr>
-                                        <p:cTn id="37" dur="1" fill="hold">
-                                          <p:stCondLst>
-                                            <p:cond delay="0"/>
-                                          </p:stCondLst>
-                                        </p:cTn>
-                                        <p:tgtEl>
-                                          <p:spTgt spid="42"/>
-                                        </p:tgtEl>
-                                        <p:attrNameLst>
-                                          <p:attrName>style.visibility</p:attrName>
-                                        </p:attrNameLst>
-                                      </p:cBhvr>
-                                      <p:to>
-                                        <p:strVal val="visible"/>
-                                      </p:to>
-                                    </p:set>
-                                    <p:animEffect transition="in" filter="fade">
-                                      <p:cBhvr>
-                                        <p:cTn id="38" dur="1000"/>
-                                        <p:tgtEl>
-                                          <p:spTgt spid="42"/>
-                                        </p:tgtEl>
-                                      </p:cBhvr>
-                                    </p:animEffect>
-                                    <p:anim calcmode="lin" valueType="num">
-                                      <p:cBhvr>
-                                        <p:cTn id="39" dur="1000" fill="hold"/>
-                                        <p:tgtEl>
-                                          <p:spTgt spid="42"/>
-                                        </p:tgtEl>
-                                        <p:attrNameLst>
-                                          <p:attrName>ppt_x</p:attrName>
-                                        </p:attrNameLst>
-                                      </p:cBhvr>
-                                      <p:tavLst>
-                                        <p:tav tm="0">
-                                          <p:val>
-                                            <p:strVal val="#ppt_x"/>
-                                          </p:val>
-                                        </p:tav>
-                                        <p:tav tm="100000">
-                                          <p:val>
-                                            <p:strVal val="#ppt_x"/>
-                                          </p:val>
-                                        </p:tav>
-                                      </p:tavLst>
-                                    </p:anim>
-                                    <p:anim calcmode="lin" valueType="num">
-                                      <p:cBhvr>
-                                        <p:cTn id="40" dur="1000" fill="hold"/>
-                                        <p:tgtEl>
-                                          <p:spTgt spid="42"/>
-                                        </p:tgtEl>
-                                        <p:attrNameLst>
-                                          <p:attrName>ppt_y</p:attrName>
-                                        </p:attrNameLst>
-                                      </p:cBhvr>
-                                      <p:tavLst>
-                                        <p:tav tm="0">
-                                          <p:val>
-                                            <p:strVal val="#ppt_y+.1"/>
-                                          </p:val>
-                                        </p:tav>
-                                        <p:tav tm="100000">
-                                          <p:val>
-                                            <p:strVal val="#ppt_y"/>
-                                          </p:val>
-                                        </p:tav>
-                                      </p:tavLst>
-                                    </p:anim>
-                                  </p:childTnLst>
-                                </p:cTn>
-                              </p:par>
-                            </p:childTnLst>
-                          </p:cTn>
-                        </p:par>
-                      </p:childTnLst>
-                    </p:cTn>
-                  </p:par>
-                  <p:par>
-                    <p:cTn id="41" fill="hold">
-                      <p:stCondLst>
-                        <p:cond delay="indefinite"/>
-                      </p:stCondLst>
-                      <p:childTnLst>
-                        <p:par>
-                          <p:cTn id="42" fill="hold">
-                            <p:stCondLst>
-                              <p:cond delay="0"/>
-                            </p:stCondLst>
-                            <p:childTnLst>
-                              <p:par>
-                                <p:cTn id="43" presetID="42" presetClass="entr" presetSubtype="0" fill="hold" grpId="0" nodeType="clickEffect">
-                                  <p:stCondLst>
-                                    <p:cond delay="0"/>
-                                  </p:stCondLst>
-                                  <p:childTnLst>
-                                    <p:set>
-                                      <p:cBhvr>
-                                        <p:cTn id="44" dur="1" fill="hold">
-                                          <p:stCondLst>
-                                            <p:cond delay="0"/>
-                                          </p:stCondLst>
-                                        </p:cTn>
-                                        <p:tgtEl>
-                                          <p:spTgt spid="43"/>
-                                        </p:tgtEl>
-                                        <p:attrNameLst>
-                                          <p:attrName>style.visibility</p:attrName>
-                                        </p:attrNameLst>
-                                      </p:cBhvr>
-                                      <p:to>
-                                        <p:strVal val="visible"/>
-                                      </p:to>
-                                    </p:set>
-                                    <p:animEffect transition="in" filter="fade">
-                                      <p:cBhvr>
-                                        <p:cTn id="45" dur="1000"/>
-                                        <p:tgtEl>
-                                          <p:spTgt spid="43"/>
-                                        </p:tgtEl>
-                                      </p:cBhvr>
-                                    </p:animEffect>
-                                    <p:anim calcmode="lin" valueType="num">
-                                      <p:cBhvr>
-                                        <p:cTn id="46" dur="1000" fill="hold"/>
-                                        <p:tgtEl>
-                                          <p:spTgt spid="43"/>
-                                        </p:tgtEl>
-                                        <p:attrNameLst>
-                                          <p:attrName>ppt_x</p:attrName>
-                                        </p:attrNameLst>
-                                      </p:cBhvr>
-                                      <p:tavLst>
-                                        <p:tav tm="0">
-                                          <p:val>
-                                            <p:strVal val="#ppt_x"/>
-                                          </p:val>
-                                        </p:tav>
-                                        <p:tav tm="100000">
-                                          <p:val>
-                                            <p:strVal val="#ppt_x"/>
-                                          </p:val>
-                                        </p:tav>
-                                      </p:tavLst>
-                                    </p:anim>
-                                    <p:anim calcmode="lin" valueType="num">
-                                      <p:cBhvr>
-                                        <p:cTn id="47" dur="1000" fill="hold"/>
-                                        <p:tgtEl>
-                                          <p:spTgt spid="43"/>
-                                        </p:tgtEl>
-                                        <p:attrNameLst>
-                                          <p:attrName>ppt_y</p:attrName>
-                                        </p:attrNameLst>
-                                      </p:cBhvr>
-                                      <p:tavLst>
-                                        <p:tav tm="0">
-                                          <p:val>
-                                            <p:strVal val="#ppt_y+.1"/>
-                                          </p:val>
-                                        </p:tav>
-                                        <p:tav tm="100000">
-                                          <p:val>
-                                            <p:strVal val="#ppt_y"/>
-                                          </p:val>
-                                        </p:tav>
-                                      </p:tavLst>
-                                    </p:anim>
-                                  </p:childTnLst>
-                                </p:cTn>
-                              </p:par>
-                              <p:par>
-                                <p:cTn id="48" presetID="42" presetClass="entr" presetSubtype="0" fill="hold" nodeType="withEffect">
-                                  <p:stCondLst>
-                                    <p:cond delay="0"/>
-                                  </p:stCondLst>
-                                  <p:childTnLst>
-                                    <p:set>
-                                      <p:cBhvr>
-                                        <p:cTn id="49" dur="1" fill="hold">
-                                          <p:stCondLst>
-                                            <p:cond delay="0"/>
-                                          </p:stCondLst>
-                                        </p:cTn>
-                                        <p:tgtEl>
-                                          <p:spTgt spid="34"/>
-                                        </p:tgtEl>
-                                        <p:attrNameLst>
-                                          <p:attrName>style.visibility</p:attrName>
-                                        </p:attrNameLst>
-                                      </p:cBhvr>
-                                      <p:to>
-                                        <p:strVal val="visible"/>
-                                      </p:to>
-                                    </p:set>
-                                    <p:animEffect transition="in" filter="fade">
-                                      <p:cBhvr>
-                                        <p:cTn id="50" dur="1000"/>
-                                        <p:tgtEl>
-                                          <p:spTgt spid="34"/>
-                                        </p:tgtEl>
-                                      </p:cBhvr>
-                                    </p:animEffect>
-                                    <p:anim calcmode="lin" valueType="num">
-                                      <p:cBhvr>
-                                        <p:cTn id="51" dur="1000" fill="hold"/>
-                                        <p:tgtEl>
-                                          <p:spTgt spid="34"/>
-                                        </p:tgtEl>
-                                        <p:attrNameLst>
-                                          <p:attrName>ppt_x</p:attrName>
-                                        </p:attrNameLst>
-                                      </p:cBhvr>
-                                      <p:tavLst>
-                                        <p:tav tm="0">
-                                          <p:val>
-                                            <p:strVal val="#ppt_x"/>
-                                          </p:val>
-                                        </p:tav>
-                                        <p:tav tm="100000">
-                                          <p:val>
-                                            <p:strVal val="#ppt_x"/>
-                                          </p:val>
-                                        </p:tav>
-                                      </p:tavLst>
-                                    </p:anim>
-                                    <p:anim calcmode="lin" valueType="num">
-                                      <p:cBhvr>
-                                        <p:cTn id="52" dur="1000" fill="hold"/>
-                                        <p:tgtEl>
-                                          <p:spTgt spid="34"/>
-                                        </p:tgtEl>
-                                        <p:attrNameLst>
-                                          <p:attrName>ppt_y</p:attrName>
-                                        </p:attrNameLst>
-                                      </p:cBhvr>
-                                      <p:tavLst>
-                                        <p:tav tm="0">
-                                          <p:val>
-                                            <p:strVal val="#ppt_y+.1"/>
-                                          </p:val>
-                                        </p:tav>
-                                        <p:tav tm="100000">
-                                          <p:val>
-                                            <p:strVal val="#ppt_y"/>
-                                          </p:val>
-                                        </p:tav>
-                                      </p:tavLst>
-                                    </p:anim>
-                                  </p:childTnLst>
-                                </p:cTn>
-                              </p:par>
-                            </p:childTnLst>
-                          </p:cTn>
-                        </p:par>
-                      </p:childTnLst>
-                    </p:cTn>
-                  </p:par>
-                  <p:par>
-                    <p:cTn id="53" fill="hold">
-                      <p:stCondLst>
-                        <p:cond delay="indefinite"/>
-                      </p:stCondLst>
-                      <p:childTnLst>
-                        <p:par>
-                          <p:cTn id="54" fill="hold">
-                            <p:stCondLst>
-                              <p:cond delay="0"/>
-                            </p:stCondLst>
-                            <p:childTnLst>
-                              <p:par>
-                                <p:cTn id="55" presetID="42" presetClass="entr" presetSubtype="0" fill="hold" grpId="0" nodeType="clickEffect">
-                                  <p:stCondLst>
-                                    <p:cond delay="0"/>
-                                  </p:stCondLst>
-                                  <p:childTnLst>
-                                    <p:set>
-                                      <p:cBhvr>
-                                        <p:cTn id="56" dur="1" fill="hold">
-                                          <p:stCondLst>
-                                            <p:cond delay="0"/>
-                                          </p:stCondLst>
-                                        </p:cTn>
-                                        <p:tgtEl>
-                                          <p:spTgt spid="4"/>
-                                        </p:tgtEl>
-                                        <p:attrNameLst>
-                                          <p:attrName>style.visibility</p:attrName>
-                                        </p:attrNameLst>
-                                      </p:cBhvr>
-                                      <p:to>
-                                        <p:strVal val="visible"/>
-                                      </p:to>
-                                    </p:set>
-                                    <p:animEffect transition="in" filter="fade">
-                                      <p:cBhvr>
-                                        <p:cTn id="57" dur="1000"/>
-                                        <p:tgtEl>
-                                          <p:spTgt spid="4"/>
-                                        </p:tgtEl>
-                                      </p:cBhvr>
-                                    </p:animEffect>
-                                    <p:anim calcmode="lin" valueType="num">
-                                      <p:cBhvr>
-                                        <p:cTn id="58" dur="1000" fill="hold"/>
-                                        <p:tgtEl>
-                                          <p:spTgt spid="4"/>
-                                        </p:tgtEl>
-                                        <p:attrNameLst>
-                                          <p:attrName>ppt_x</p:attrName>
-                                        </p:attrNameLst>
-                                      </p:cBhvr>
-                                      <p:tavLst>
-                                        <p:tav tm="0">
-                                          <p:val>
-                                            <p:strVal val="#ppt_x"/>
-                                          </p:val>
-                                        </p:tav>
-                                        <p:tav tm="100000">
-                                          <p:val>
-                                            <p:strVal val="#ppt_x"/>
-                                          </p:val>
-                                        </p:tav>
-                                      </p:tavLst>
-                                    </p:anim>
-                                    <p:anim calcmode="lin" valueType="num">
-                                      <p:cBhvr>
-                                        <p:cTn id="59" dur="1000" fill="hold"/>
-                                        <p:tgtEl>
-                                          <p:spTgt spid="4"/>
-                                        </p:tgtEl>
-                                        <p:attrNameLst>
-                                          <p:attrName>ppt_y</p:attrName>
-                                        </p:attrNameLst>
-                                      </p:cBhvr>
-                                      <p:tavLst>
-                                        <p:tav tm="0">
-                                          <p:val>
-                                            <p:strVal val="#ppt_y+.1"/>
-                                          </p:val>
-                                        </p:tav>
-                                        <p:tav tm="100000">
-                                          <p:val>
-                                            <p:strVal val="#ppt_y"/>
-                                          </p:val>
-                                        </p:tav>
-                                      </p:tavLst>
-                                    </p:anim>
-                                  </p:childTnLst>
-                                </p:cTn>
-                              </p:par>
-                              <p:par>
-                                <p:cTn id="60" presetID="42" presetClass="entr" presetSubtype="0" fill="hold" nodeType="withEffect">
-                                  <p:stCondLst>
-                                    <p:cond delay="0"/>
-                                  </p:stCondLst>
-                                  <p:childTnLst>
-                                    <p:set>
-                                      <p:cBhvr>
-                                        <p:cTn id="61" dur="1" fill="hold">
-                                          <p:stCondLst>
-                                            <p:cond delay="0"/>
-                                          </p:stCondLst>
-                                        </p:cTn>
-                                        <p:tgtEl>
-                                          <p:spTgt spid="35"/>
-                                        </p:tgtEl>
-                                        <p:attrNameLst>
-                                          <p:attrName>style.visibility</p:attrName>
-                                        </p:attrNameLst>
-                                      </p:cBhvr>
-                                      <p:to>
-                                        <p:strVal val="visible"/>
-                                      </p:to>
-                                    </p:set>
-                                    <p:animEffect transition="in" filter="fade">
-                                      <p:cBhvr>
-                                        <p:cTn id="62" dur="1000"/>
-                                        <p:tgtEl>
-                                          <p:spTgt spid="35"/>
-                                        </p:tgtEl>
-                                      </p:cBhvr>
-                                    </p:animEffect>
-                                    <p:anim calcmode="lin" valueType="num">
-                                      <p:cBhvr>
-                                        <p:cTn id="63" dur="1000" fill="hold"/>
-                                        <p:tgtEl>
-                                          <p:spTgt spid="35"/>
-                                        </p:tgtEl>
-                                        <p:attrNameLst>
-                                          <p:attrName>ppt_x</p:attrName>
-                                        </p:attrNameLst>
-                                      </p:cBhvr>
-                                      <p:tavLst>
-                                        <p:tav tm="0">
-                                          <p:val>
-                                            <p:strVal val="#ppt_x"/>
-                                          </p:val>
-                                        </p:tav>
-                                        <p:tav tm="100000">
-                                          <p:val>
-                                            <p:strVal val="#ppt_x"/>
-                                          </p:val>
-                                        </p:tav>
-                                      </p:tavLst>
-                                    </p:anim>
-                                    <p:anim calcmode="lin" valueType="num">
-                                      <p:cBhvr>
-                                        <p:cTn id="64" dur="1000" fill="hold"/>
-                                        <p:tgtEl>
-                                          <p:spTgt spid="35"/>
-                                        </p:tgtEl>
-                                        <p:attrNameLst>
-                                          <p:attrName>ppt_y</p:attrName>
-                                        </p:attrNameLst>
-                                      </p:cBhvr>
-                                      <p:tavLst>
-                                        <p:tav tm="0">
-                                          <p:val>
-                                            <p:strVal val="#ppt_y+.1"/>
-                                          </p:val>
-                                        </p:tav>
-                                        <p:tav tm="100000">
-                                          <p:val>
-                                            <p:strVal val="#ppt_y"/>
-                                          </p:val>
-                                        </p:tav>
-                                      </p:tavLst>
-                                    </p:anim>
-                                  </p:childTnLst>
-                                </p:cTn>
-                              </p:par>
-                            </p:childTnLst>
-                          </p:cTn>
-                        </p:par>
-                      </p:childTnLst>
-                    </p:cTn>
-                  </p:par>
-                  <p:par>
-                    <p:cTn id="65" fill="hold">
-                      <p:stCondLst>
-                        <p:cond delay="indefinite"/>
-                      </p:stCondLst>
-                      <p:childTnLst>
-                        <p:par>
-                          <p:cTn id="66" fill="hold">
-                            <p:stCondLst>
-                              <p:cond delay="0"/>
-                            </p:stCondLst>
-                            <p:childTnLst>
-                              <p:par>
-                                <p:cTn id="67" presetID="42" presetClass="entr" presetSubtype="0" fill="hold" grpId="0" nodeType="clickEffect">
-                                  <p:stCondLst>
-                                    <p:cond delay="0"/>
-                                  </p:stCondLst>
-                                  <p:childTnLst>
-                                    <p:set>
-                                      <p:cBhvr>
-                                        <p:cTn id="68" dur="1" fill="hold">
-                                          <p:stCondLst>
-                                            <p:cond delay="0"/>
-                                          </p:stCondLst>
-                                        </p:cTn>
-                                        <p:tgtEl>
-                                          <p:spTgt spid="6"/>
-                                        </p:tgtEl>
-                                        <p:attrNameLst>
-                                          <p:attrName>style.visibility</p:attrName>
-                                        </p:attrNameLst>
-                                      </p:cBhvr>
-                                      <p:to>
-                                        <p:strVal val="visible"/>
-                                      </p:to>
-                                    </p:set>
-                                    <p:animEffect transition="in" filter="fade">
-                                      <p:cBhvr>
-                                        <p:cTn id="69" dur="1000"/>
-                                        <p:tgtEl>
-                                          <p:spTgt spid="6"/>
-                                        </p:tgtEl>
-                                      </p:cBhvr>
-                                    </p:animEffect>
-                                    <p:anim calcmode="lin" valueType="num">
-                                      <p:cBhvr>
-                                        <p:cTn id="70" dur="1000" fill="hold"/>
-                                        <p:tgtEl>
-                                          <p:spTgt spid="6"/>
-                                        </p:tgtEl>
-                                        <p:attrNameLst>
-                                          <p:attrName>ppt_x</p:attrName>
-                                        </p:attrNameLst>
-                                      </p:cBhvr>
-                                      <p:tavLst>
-                                        <p:tav tm="0">
-                                          <p:val>
-                                            <p:strVal val="#ppt_x"/>
-                                          </p:val>
-                                        </p:tav>
-                                        <p:tav tm="100000">
-                                          <p:val>
-                                            <p:strVal val="#ppt_x"/>
-                                          </p:val>
-                                        </p:tav>
-                                      </p:tavLst>
-                                    </p:anim>
-                                    <p:anim calcmode="lin" valueType="num">
-                                      <p:cBhvr>
-                                        <p:cTn id="71" dur="1000" fill="hold"/>
-                                        <p:tgtEl>
-                                          <p:spTgt spid="6"/>
-                                        </p:tgtEl>
-                                        <p:attrNameLst>
-                                          <p:attrName>ppt_y</p:attrName>
-                                        </p:attrNameLst>
-                                      </p:cBhvr>
-                                      <p:tavLst>
-                                        <p:tav tm="0">
-                                          <p:val>
-                                            <p:strVal val="#ppt_y+.1"/>
-                                          </p:val>
-                                        </p:tav>
-                                        <p:tav tm="100000">
-                                          <p:val>
-                                            <p:strVal val="#ppt_y"/>
-                                          </p:val>
-                                        </p:tav>
-                                      </p:tavLst>
-                                    </p:anim>
-                                  </p:childTnLst>
-                                </p:cTn>
-                              </p:par>
-                              <p:par>
-                                <p:cTn id="72" presetID="42" presetClass="entr" presetSubtype="0" fill="hold" nodeType="withEffect">
-                                  <p:stCondLst>
-                                    <p:cond delay="0"/>
-                                  </p:stCondLst>
-                                  <p:childTnLst>
-                                    <p:set>
-                                      <p:cBhvr>
-                                        <p:cTn id="73" dur="1" fill="hold">
-                                          <p:stCondLst>
-                                            <p:cond delay="0"/>
-                                          </p:stCondLst>
-                                        </p:cTn>
-                                        <p:tgtEl>
-                                          <p:spTgt spid="36"/>
-                                        </p:tgtEl>
-                                        <p:attrNameLst>
-                                          <p:attrName>style.visibility</p:attrName>
-                                        </p:attrNameLst>
-                                      </p:cBhvr>
-                                      <p:to>
-                                        <p:strVal val="visible"/>
-                                      </p:to>
-                                    </p:set>
-                                    <p:animEffect transition="in" filter="fade">
-                                      <p:cBhvr>
-                                        <p:cTn id="74" dur="1000"/>
-                                        <p:tgtEl>
-                                          <p:spTgt spid="36"/>
-                                        </p:tgtEl>
-                                      </p:cBhvr>
-                                    </p:animEffect>
-                                    <p:anim calcmode="lin" valueType="num">
-                                      <p:cBhvr>
-                                        <p:cTn id="75" dur="1000" fill="hold"/>
-                                        <p:tgtEl>
-                                          <p:spTgt spid="36"/>
-                                        </p:tgtEl>
-                                        <p:attrNameLst>
-                                          <p:attrName>ppt_x</p:attrName>
-                                        </p:attrNameLst>
-                                      </p:cBhvr>
-                                      <p:tavLst>
-                                        <p:tav tm="0">
-                                          <p:val>
-                                            <p:strVal val="#ppt_x"/>
-                                          </p:val>
-                                        </p:tav>
-                                        <p:tav tm="100000">
-                                          <p:val>
-                                            <p:strVal val="#ppt_x"/>
-                                          </p:val>
-                                        </p:tav>
-                                      </p:tavLst>
-                                    </p:anim>
-                                    <p:anim calcmode="lin" valueType="num">
-                                      <p:cBhvr>
-                                        <p:cTn id="76" dur="1000" fill="hold"/>
-                                        <p:tgtEl>
-                                          <p:spTgt spid="36"/>
-                                        </p:tgtEl>
-                                        <p:attrNameLst>
-                                          <p:attrName>ppt_y</p:attrName>
-                                        </p:attrNameLst>
-                                      </p:cBhvr>
-                                      <p:tavLst>
-                                        <p:tav tm="0">
-                                          <p:val>
-                                            <p:strVal val="#ppt_y+.1"/>
-                                          </p:val>
-                                        </p:tav>
-                                        <p:tav tm="100000">
-                                          <p:val>
-                                            <p:strVal val="#ppt_y"/>
-                                          </p:val>
-                                        </p:tav>
-                                      </p:tavLst>
-                                    </p:anim>
-                                  </p:childTnLst>
-                                </p:cTn>
-                              </p:par>
-                            </p:childTnLst>
-                          </p:cTn>
-                        </p:par>
-                      </p:childTnLst>
-                    </p:cTn>
-                  </p:par>
-                </p:childTnLst>
-              </p:cTn>
-              <p:prevCondLst>
-                <p:cond evt="onPrev" delay="0">
-                  <p:tgtEl>
-                    <p:sldTgt/>
-                  </p:tgtEl>
-                </p:cond>
-              </p:prevCondLst>
-              <p:nextCondLst>
-                <p:cond evt="onNext" delay="0">
-                  <p:tgtEl>
-                    <p:sldTgt/>
-                  </p:tgtEl>
-                </p:cond>
-              </p:nextCondLst>
-            </p:seq>
-          </p:childTnLst>
-        </p:cTn>
-      </p:par>
-    </p:tnLst>
-    <p:bldLst>
-      <p:bldP spid="41" grpId="0"/>
-      <p:bldP spid="42" grpId="0"/>
-      <p:bldP spid="43" grpId="0"/>
-      <p:bldP spid="4" grpId="0"/>
-      <p:bldP spid="6" grpId="0"/>
-    </p:bldLst>
-  </p:timing>
-</p:sld>
-</file>
-
-<file path=ppt/slides/slide7.xml><?xml version="1.0" encoding="utf-8"?>
-<p:sld xmlns:a="http://schemas.openxmlformats.org/drawingml/2006/main" xmlns:r="http://schemas.openxmlformats.org/officeDocument/2006/relationships" xmlns:p="http://schemas.openxmlformats.org/presentationml/2006/main">
-  <p:cSld>
-    <p:spTree>
-      <p:nvGrpSpPr>
-        <p:cNvPr id="1" name=""/>
-        <p:cNvGrpSpPr/>
-        <p:nvPr/>
-      </p:nvGrpSpPr>
-      <p:grpSpPr>
-        <a:xfrm>
-          <a:off x="0" y="0"/>
-          <a:ext cx="0" cy="0"/>
-          <a:chOff x="0" y="0"/>
-          <a:chExt cx="0" cy="0"/>
-        </a:xfrm>
-      </p:grpSpPr>
-      <p:sp>
-        <p:nvSpPr>
-          <p:cNvPr id="2" name="Title 1">
-            <a:extLst>
-              <a:ext uri="{FF2B5EF4-FFF2-40B4-BE49-F238E27FC236}">
-                <a16:creationId xmlns:a16="http://schemas.microsoft.com/office/drawing/2014/main" id="{3C4C8F67-7874-5605-6969-B3B158925E34}"/>
-              </a:ext>
-            </a:extLst>
-          </p:cNvPr>
-          <p:cNvSpPr>
-            <a:spLocks noGrp="1"/>
-          </p:cNvSpPr>
-          <p:nvPr>
-            <p:ph type="title"/>
-          </p:nvPr>
-        </p:nvSpPr>
-        <p:spPr>
-          <a:xfrm>
-            <a:off x="848637" y="329944"/>
-            <a:ext cx="10515600" cy="736087"/>
-          </a:xfrm>
-        </p:spPr>
-        <p:txBody>
-          <a:bodyPr>
-            <a:noAutofit/>
-          </a:bodyPr>
-          <a:lstStyle/>
-          <a:p>
-            <a:r>
-              <a:rPr lang="en-IN" sz="3600" dirty="0">
-                <a:solidFill>
-                  <a:srgbClr val="0070C0"/>
-                </a:solidFill>
-                <a:latin typeface="Arial Rounded MT Bold" panose="020F0704030504030204" pitchFamily="34" charset="0"/>
-              </a:rPr>
-              <a:t>Conditional </a:t>
-            </a:r>
-            <a:r>
-              <a:rPr lang="en-IN" sz="3600" dirty="0">
-                <a:solidFill>
-                  <a:srgbClr val="002060"/>
-                </a:solidFill>
-                <a:latin typeface="Arial Rounded MT Bold" panose="020F0704030504030204" pitchFamily="34" charset="0"/>
-              </a:rPr>
-              <a:t>Statements</a:t>
-            </a:r>
-          </a:p>
-        </p:txBody>
-      </p:sp>
-      <p:pic>
-        <p:nvPicPr>
-          <p:cNvPr id="9" name="Picture 8">
-            <a:extLst>
-              <a:ext uri="{FF2B5EF4-FFF2-40B4-BE49-F238E27FC236}">
-                <a16:creationId xmlns:a16="http://schemas.microsoft.com/office/drawing/2014/main" id="{A345E224-6EE7-4148-EA35-04CC53BDF9F5}"/>
-              </a:ext>
-            </a:extLst>
-          </p:cNvPr>
-          <p:cNvPicPr>
-            <a:picLocks noChangeAspect="1"/>
-          </p:cNvPicPr>
-          <p:nvPr/>
-        </p:nvPicPr>
-        <p:blipFill>
-          <a:blip r:embed="rId2">
-            <a:extLst>
-              <a:ext uri="{28A0092B-C50C-407E-A947-70E740481C1C}">
-                <a14:useLocalDpi xmlns:a14="http://schemas.microsoft.com/office/drawing/2010/main" val="0"/>
-              </a:ext>
-            </a:extLst>
-          </a:blip>
-          <a:stretch>
-            <a:fillRect/>
-          </a:stretch>
-        </p:blipFill>
-        <p:spPr>
-          <a:xfrm>
-            <a:off x="581332" y="6083131"/>
-            <a:ext cx="1375287" cy="449073"/>
-          </a:xfrm>
-          <a:prstGeom prst="rect">
-            <a:avLst/>
-          </a:prstGeom>
-        </p:spPr>
-      </p:pic>
-      <p:sp>
-        <p:nvSpPr>
-          <p:cNvPr id="3" name="Rectangle: Rounded Corners 2">
-            <a:extLst>
-              <a:ext uri="{FF2B5EF4-FFF2-40B4-BE49-F238E27FC236}">
-                <a16:creationId xmlns:a16="http://schemas.microsoft.com/office/drawing/2014/main" id="{8DFB9D7B-E3B5-314D-0C74-67BB55F79383}"/>
-              </a:ext>
-            </a:extLst>
-          </p:cNvPr>
+          <p:cNvPr id="3" name="Rectangle: Rounded Corners 2"/>
           <p:cNvSpPr/>
           <p:nvPr/>
         </p:nvSpPr>
@@ -11629,13 +6579,7 @@
       </p:sp>
       <p:sp>
         <p:nvSpPr>
-          <p:cNvPr id="5" name="TextBox 4">
-            <a:extLst>
-              <a:ext uri="{FF2B5EF4-FFF2-40B4-BE49-F238E27FC236}">
-                <a16:creationId xmlns:a16="http://schemas.microsoft.com/office/drawing/2014/main" id="{D3D1B0C3-6E9B-68D0-D147-BC3837CB6E0E}"/>
-              </a:ext>
-            </a:extLst>
-          </p:cNvPr>
+          <p:cNvPr id="5" name="TextBox 4"/>
           <p:cNvSpPr txBox="1"/>
           <p:nvPr/>
         </p:nvSpPr>
@@ -11673,13 +6617,7 @@
       </p:sp>
       <p:sp>
         <p:nvSpPr>
-          <p:cNvPr id="7" name="TextBox 6">
-            <a:extLst>
-              <a:ext uri="{FF2B5EF4-FFF2-40B4-BE49-F238E27FC236}">
-                <a16:creationId xmlns:a16="http://schemas.microsoft.com/office/drawing/2014/main" id="{C7A5E21F-D9ED-361E-358E-5E86C6FBD50A}"/>
-              </a:ext>
-            </a:extLst>
-          </p:cNvPr>
+          <p:cNvPr id="7" name="TextBox 6"/>
           <p:cNvSpPr txBox="1"/>
           <p:nvPr/>
         </p:nvSpPr>
@@ -11729,18 +6667,19 @@
               </a:rPr>
               <a:t> statements:</a:t>
             </a:r>
+            <a:endParaRPr lang="en-US" sz="2400" b="0" i="0" u="none" strike="noStrike" dirty="0">
+              <a:solidFill>
+                <a:schemeClr val="bg1"/>
+              </a:solidFill>
+              <a:effectLst/>
+              <a:latin typeface="Arial Rounded MT Bold" panose="020F0704030504030204" pitchFamily="34" charset="0"/>
+            </a:endParaRPr>
           </a:p>
         </p:txBody>
       </p:sp>
       <p:sp>
         <p:nvSpPr>
-          <p:cNvPr id="13" name="Rectangle 3">
-            <a:extLst>
-              <a:ext uri="{FF2B5EF4-FFF2-40B4-BE49-F238E27FC236}">
-                <a16:creationId xmlns:a16="http://schemas.microsoft.com/office/drawing/2014/main" id="{954DEA15-E73D-1359-98FE-BDA7DCA553BF}"/>
-              </a:ext>
-            </a:extLst>
-          </p:cNvPr>
+          <p:cNvPr id="13" name="Rectangle 3"/>
           <p:cNvSpPr>
             <a:spLocks noChangeArrowheads="1"/>
           </p:cNvSpPr>
@@ -11785,9 +6724,6 @@
         </p:spPr>
         <p:txBody>
           <a:bodyPr vert="horz" wrap="none" lIns="91440" tIns="45720" rIns="91440" bIns="45720" numCol="1" anchor="ctr" anchorCtr="0" compatLnSpc="1">
-            <a:prstTxWarp prst="textNoShape">
-              <a:avLst/>
-            </a:prstTxWarp>
             <a:spAutoFit/>
           </a:bodyPr>
           <a:lstStyle/>
@@ -11806,7 +6742,6 @@
               <a:buSzTx/>
               <a:buFontTx/>
               <a:buNone/>
-              <a:tabLst/>
             </a:pPr>
             <a:endParaRPr kumimoji="0" lang="en-US" altLang="en-US" sz="1800" b="0" i="0" u="none" strike="noStrike" cap="none" normalizeH="0" baseline="0" dirty="0">
               <a:ln>
@@ -11823,13 +6758,7 @@
       </p:sp>
       <p:sp>
         <p:nvSpPr>
-          <p:cNvPr id="14" name="TextBox 13">
-            <a:extLst>
-              <a:ext uri="{FF2B5EF4-FFF2-40B4-BE49-F238E27FC236}">
-                <a16:creationId xmlns:a16="http://schemas.microsoft.com/office/drawing/2014/main" id="{B6A4BEF7-ECB3-EF83-EFC8-2FDE4FBF7EE6}"/>
-              </a:ext>
-            </a:extLst>
-          </p:cNvPr>
+          <p:cNvPr id="14" name="TextBox 13"/>
           <p:cNvSpPr txBox="1"/>
           <p:nvPr/>
         </p:nvSpPr>
@@ -11886,6 +6815,12 @@
               </a:rPr>
               <a:t> to specify a block of code to be executed, if a specified condition is true</a:t>
             </a:r>
+            <a:endParaRPr lang="en-US" altLang="en-US" dirty="0">
+              <a:solidFill>
+                <a:schemeClr val="bg1"/>
+              </a:solidFill>
+              <a:latin typeface="Arial Rounded MT Bold" panose="020F0704030504030204" pitchFamily="34" charset="0"/>
+            </a:endParaRPr>
           </a:p>
           <a:p>
             <a:pPr marL="285750" lvl="0" indent="-285750" eaLnBrk="0" fontAlgn="base" hangingPunct="0">
@@ -11925,6 +6860,12 @@
               </a:rPr>
               <a:t> to specify a block of code to be executed, if the same condition is false</a:t>
             </a:r>
+            <a:endParaRPr lang="en-US" altLang="en-US" dirty="0">
+              <a:solidFill>
+                <a:schemeClr val="bg1"/>
+              </a:solidFill>
+              <a:latin typeface="Arial Rounded MT Bold" panose="020F0704030504030204" pitchFamily="34" charset="0"/>
+            </a:endParaRPr>
           </a:p>
           <a:p>
             <a:pPr marL="285750" lvl="0" indent="-285750" eaLnBrk="0" fontAlgn="base" hangingPunct="0">
@@ -11964,6 +6905,12 @@
               </a:rPr>
               <a:t> to specify a new condition to test, if the first condition is false</a:t>
             </a:r>
+            <a:endParaRPr lang="en-US" altLang="en-US" dirty="0">
+              <a:solidFill>
+                <a:schemeClr val="bg1"/>
+              </a:solidFill>
+              <a:latin typeface="Arial Rounded MT Bold" panose="020F0704030504030204" pitchFamily="34" charset="0"/>
+            </a:endParaRPr>
           </a:p>
           <a:p>
             <a:pPr marL="285750" lvl="0" indent="-285750" eaLnBrk="0" fontAlgn="base" hangingPunct="0">
@@ -12003,6 +6950,12 @@
               </a:rPr>
               <a:t> to specify many alternative blocks of code to be executed</a:t>
             </a:r>
+            <a:endParaRPr lang="en-US" altLang="en-US" dirty="0">
+              <a:solidFill>
+                <a:schemeClr val="bg1"/>
+              </a:solidFill>
+              <a:latin typeface="Arial Rounded MT Bold" panose="020F0704030504030204" pitchFamily="34" charset="0"/>
+            </a:endParaRPr>
           </a:p>
           <a:p>
             <a:endParaRPr lang="en-IN" dirty="0"/>
@@ -12010,11 +6963,6 @@
         </p:txBody>
       </p:sp>
     </p:spTree>
-    <p:extLst>
-      <p:ext uri="{BB962C8B-B14F-4D97-AF65-F5344CB8AC3E}">
-        <p14:creationId xmlns:p14="http://schemas.microsoft.com/office/powerpoint/2010/main" val="2393039517"/>
-      </p:ext>
-    </p:extLst>
   </p:cSld>
   <p:clrMapOvr>
     <a:masterClrMapping/>
@@ -12329,7 +7277,7 @@
 </p:sld>
 </file>
 
-<file path=ppt/slides/slide8.xml><?xml version="1.0" encoding="utf-8"?>
+<file path=ppt/slides/slide6.xml><?xml version="1.0" encoding="utf-8"?>
 <p:sld xmlns:a="http://schemas.openxmlformats.org/drawingml/2006/main" xmlns:r="http://schemas.openxmlformats.org/officeDocument/2006/relationships" xmlns:p="http://schemas.openxmlformats.org/presentationml/2006/main">
   <p:cSld>
     <p:spTree>
@@ -12348,13 +7296,7 @@
       </p:grpSpPr>
       <p:sp>
         <p:nvSpPr>
-          <p:cNvPr id="2" name="Title 1">
-            <a:extLst>
-              <a:ext uri="{FF2B5EF4-FFF2-40B4-BE49-F238E27FC236}">
-                <a16:creationId xmlns:a16="http://schemas.microsoft.com/office/drawing/2014/main" id="{3C4C8F67-7874-5605-6969-B3B158925E34}"/>
-              </a:ext>
-            </a:extLst>
-          </p:cNvPr>
+          <p:cNvPr id="2" name="Title 1"/>
           <p:cNvSpPr>
             <a:spLocks noGrp="1"/>
           </p:cNvSpPr>
@@ -12392,25 +7334,25 @@
               </a:rPr>
               <a:t>Events</a:t>
             </a:r>
+            <a:endParaRPr lang="en-IN" sz="3600" dirty="0">
+              <a:solidFill>
+                <a:srgbClr val="002060"/>
+              </a:solidFill>
+              <a:latin typeface="Arial Rounded MT Bold" panose="020F0704030504030204" pitchFamily="34" charset="0"/>
+            </a:endParaRPr>
           </a:p>
         </p:txBody>
       </p:sp>
       <p:pic>
         <p:nvPicPr>
-          <p:cNvPr id="9" name="Picture 8">
-            <a:extLst>
-              <a:ext uri="{FF2B5EF4-FFF2-40B4-BE49-F238E27FC236}">
-                <a16:creationId xmlns:a16="http://schemas.microsoft.com/office/drawing/2014/main" id="{A345E224-6EE7-4148-EA35-04CC53BDF9F5}"/>
-              </a:ext>
-            </a:extLst>
-          </p:cNvPr>
+          <p:cNvPr id="9" name="Picture 8"/>
           <p:cNvPicPr>
             <a:picLocks noChangeAspect="1"/>
           </p:cNvPicPr>
           <p:nvPr/>
         </p:nvPicPr>
         <p:blipFill>
-          <a:blip r:embed="rId2">
+          <a:blip r:embed="rId1">
             <a:extLst>
               <a:ext uri="{28A0092B-C50C-407E-A947-70E740481C1C}">
                 <a14:useLocalDpi xmlns:a14="http://schemas.microsoft.com/office/drawing/2010/main" val="0"/>
@@ -12433,13 +7375,7 @@
       </p:pic>
       <p:sp>
         <p:nvSpPr>
-          <p:cNvPr id="13" name="Rectangle 3">
-            <a:extLst>
-              <a:ext uri="{FF2B5EF4-FFF2-40B4-BE49-F238E27FC236}">
-                <a16:creationId xmlns:a16="http://schemas.microsoft.com/office/drawing/2014/main" id="{954DEA15-E73D-1359-98FE-BDA7DCA553BF}"/>
-              </a:ext>
-            </a:extLst>
-          </p:cNvPr>
+          <p:cNvPr id="13" name="Rectangle 3"/>
           <p:cNvSpPr>
             <a:spLocks noChangeArrowheads="1"/>
           </p:cNvSpPr>
@@ -12484,9 +7420,6 @@
         </p:spPr>
         <p:txBody>
           <a:bodyPr vert="horz" wrap="none" lIns="91440" tIns="45720" rIns="91440" bIns="45720" numCol="1" anchor="ctr" anchorCtr="0" compatLnSpc="1">
-            <a:prstTxWarp prst="textNoShape">
-              <a:avLst/>
-            </a:prstTxWarp>
             <a:spAutoFit/>
           </a:bodyPr>
           <a:lstStyle/>
@@ -12505,7 +7438,6 @@
               <a:buSzTx/>
               <a:buFontTx/>
               <a:buNone/>
-              <a:tabLst/>
             </a:pPr>
             <a:endParaRPr kumimoji="0" lang="en-US" altLang="en-US" sz="1800" b="0" i="0" u="none" strike="noStrike" cap="none" normalizeH="0" baseline="0" dirty="0">
               <a:ln>
@@ -12522,13 +7454,7 @@
       </p:sp>
       <p:sp>
         <p:nvSpPr>
-          <p:cNvPr id="4" name="Rectangle: Rounded Corners 3">
-            <a:extLst>
-              <a:ext uri="{FF2B5EF4-FFF2-40B4-BE49-F238E27FC236}">
-                <a16:creationId xmlns:a16="http://schemas.microsoft.com/office/drawing/2014/main" id="{9E3E5F8A-F5C3-974F-5D40-E40BDF87AE59}"/>
-              </a:ext>
-            </a:extLst>
-          </p:cNvPr>
+          <p:cNvPr id="4" name="Rectangle: Rounded Corners 3"/>
           <p:cNvSpPr/>
           <p:nvPr/>
         </p:nvSpPr>
@@ -12608,13 +7534,7 @@
       </p:sp>
       <p:sp>
         <p:nvSpPr>
-          <p:cNvPr id="10" name="TextBox 9">
-            <a:extLst>
-              <a:ext uri="{FF2B5EF4-FFF2-40B4-BE49-F238E27FC236}">
-                <a16:creationId xmlns:a16="http://schemas.microsoft.com/office/drawing/2014/main" id="{0548358B-CBA2-781A-BB83-ED779E0196D1}"/>
-              </a:ext>
-            </a:extLst>
-          </p:cNvPr>
+          <p:cNvPr id="10" name="TextBox 9"/>
           <p:cNvSpPr txBox="1"/>
           <p:nvPr/>
         </p:nvSpPr>
@@ -12644,18 +7564,18 @@
               </a:rPr>
               <a:t>JavaScript's interaction with HTML is handled through events</a:t>
             </a:r>
+            <a:endParaRPr lang="en-US" sz="2400" dirty="0">
+              <a:solidFill>
+                <a:schemeClr val="bg1"/>
+              </a:solidFill>
+              <a:latin typeface="Arial Rounded MT Bold" panose="020F0704030504030204" pitchFamily="34" charset="0"/>
+            </a:endParaRPr>
           </a:p>
         </p:txBody>
       </p:sp>
       <p:sp>
         <p:nvSpPr>
-          <p:cNvPr id="11" name="Rectangle: Rounded Corners 10">
-            <a:extLst>
-              <a:ext uri="{FF2B5EF4-FFF2-40B4-BE49-F238E27FC236}">
-                <a16:creationId xmlns:a16="http://schemas.microsoft.com/office/drawing/2014/main" id="{CB2F3DCB-EA0C-0155-4023-CBF1E1F16128}"/>
-              </a:ext>
-            </a:extLst>
-          </p:cNvPr>
+          <p:cNvPr id="11" name="Rectangle: Rounded Corners 10"/>
           <p:cNvSpPr/>
           <p:nvPr/>
         </p:nvSpPr>
@@ -12735,13 +7655,7 @@
       </p:sp>
       <p:sp>
         <p:nvSpPr>
-          <p:cNvPr id="12" name="TextBox 11">
-            <a:extLst>
-              <a:ext uri="{FF2B5EF4-FFF2-40B4-BE49-F238E27FC236}">
-                <a16:creationId xmlns:a16="http://schemas.microsoft.com/office/drawing/2014/main" id="{A8AF8B50-46D0-8893-A384-2F45DB158A6A}"/>
-              </a:ext>
-            </a:extLst>
-          </p:cNvPr>
+          <p:cNvPr id="12" name="TextBox 11"/>
           <p:cNvSpPr txBox="1"/>
           <p:nvPr/>
         </p:nvSpPr>
@@ -12771,18 +7685,18 @@
               </a:rPr>
               <a:t>Events are actions.</a:t>
             </a:r>
+            <a:endParaRPr lang="en-US" sz="2400" dirty="0">
+              <a:solidFill>
+                <a:schemeClr val="bg1"/>
+              </a:solidFill>
+              <a:latin typeface="Arial Rounded MT Bold" panose="020F0704030504030204" pitchFamily="34" charset="0"/>
+            </a:endParaRPr>
           </a:p>
         </p:txBody>
       </p:sp>
       <p:sp>
         <p:nvSpPr>
-          <p:cNvPr id="17" name="Rectangle: Rounded Corners 16">
-            <a:extLst>
-              <a:ext uri="{FF2B5EF4-FFF2-40B4-BE49-F238E27FC236}">
-                <a16:creationId xmlns:a16="http://schemas.microsoft.com/office/drawing/2014/main" id="{C3809352-EE2A-EE63-D697-3CFAD8DC1E0D}"/>
-              </a:ext>
-            </a:extLst>
-          </p:cNvPr>
+          <p:cNvPr id="17" name="Rectangle: Rounded Corners 16"/>
           <p:cNvSpPr/>
           <p:nvPr/>
         </p:nvSpPr>
@@ -12838,6 +7752,13 @@
               </a:rPr>
               <a:t>A few examples of events:</a:t>
             </a:r>
+            <a:endParaRPr lang="en-US" sz="2400" b="0" i="0" u="none" strike="noStrike" dirty="0">
+              <a:solidFill>
+                <a:schemeClr val="bg1"/>
+              </a:solidFill>
+              <a:effectLst/>
+              <a:latin typeface="Arial Rounded MT Bold" panose="020F0704030504030204" pitchFamily="34" charset="0"/>
+            </a:endParaRPr>
           </a:p>
           <a:p>
             <a:pPr marL="742950" lvl="1" indent="-285750" algn="just" rtl="0" fontAlgn="base">
@@ -12860,6 +7781,13 @@
               </a:rPr>
               <a:t>A mouse click</a:t>
             </a:r>
+            <a:endParaRPr lang="en-US" sz="2200" b="0" i="0" u="none" strike="noStrike" dirty="0">
+              <a:solidFill>
+                <a:schemeClr val="bg1"/>
+              </a:solidFill>
+              <a:effectLst/>
+              <a:latin typeface="Arial Rounded MT Bold" panose="020F0704030504030204" pitchFamily="34" charset="0"/>
+            </a:endParaRPr>
           </a:p>
           <a:p>
             <a:pPr marL="742950" lvl="1" indent="-285750" algn="just" rtl="0" fontAlgn="base">
@@ -12882,6 +7810,13 @@
               </a:rPr>
               <a:t>The webpage loading</a:t>
             </a:r>
+            <a:endParaRPr lang="en-US" sz="2200" b="0" i="0" u="none" strike="noStrike" dirty="0">
+              <a:solidFill>
+                <a:schemeClr val="bg1"/>
+              </a:solidFill>
+              <a:effectLst/>
+              <a:latin typeface="Arial Rounded MT Bold" panose="020F0704030504030204" pitchFamily="34" charset="0"/>
+            </a:endParaRPr>
           </a:p>
           <a:p>
             <a:pPr marL="742950" lvl="1" indent="-285750" algn="just" rtl="0" fontAlgn="base">
@@ -12904,6 +7839,13 @@
               </a:rPr>
               <a:t>Mousing over a hot spot on the webpage, also known as hovering</a:t>
             </a:r>
+            <a:endParaRPr lang="en-US" sz="2200" b="0" i="0" u="none" strike="noStrike" dirty="0">
+              <a:solidFill>
+                <a:schemeClr val="bg1"/>
+              </a:solidFill>
+              <a:effectLst/>
+              <a:latin typeface="Arial Rounded MT Bold" panose="020F0704030504030204" pitchFamily="34" charset="0"/>
+            </a:endParaRPr>
           </a:p>
           <a:p>
             <a:pPr marL="742950" lvl="1" indent="-285750" algn="just" rtl="0" fontAlgn="base">
@@ -12926,6 +7868,13 @@
               </a:rPr>
               <a:t>Selecting an input box in an HTML form</a:t>
             </a:r>
+            <a:endParaRPr lang="en-US" sz="2200" b="0" i="0" u="none" strike="noStrike" dirty="0">
+              <a:solidFill>
+                <a:schemeClr val="bg1"/>
+              </a:solidFill>
+              <a:effectLst/>
+              <a:latin typeface="Arial Rounded MT Bold" panose="020F0704030504030204" pitchFamily="34" charset="0"/>
+            </a:endParaRPr>
           </a:p>
           <a:p>
             <a:pPr marL="742950" lvl="1" indent="-285750" algn="just" rtl="0" fontAlgn="base">
@@ -12948,15 +7897,17 @@
               </a:rPr>
               <a:t>A keystroke</a:t>
             </a:r>
+            <a:endParaRPr lang="en-US" sz="2200" b="0" i="0" u="none" strike="noStrike" dirty="0">
+              <a:solidFill>
+                <a:schemeClr val="bg1"/>
+              </a:solidFill>
+              <a:effectLst/>
+              <a:latin typeface="Arial Rounded MT Bold" panose="020F0704030504030204" pitchFamily="34" charset="0"/>
+            </a:endParaRPr>
           </a:p>
         </p:txBody>
       </p:sp>
     </p:spTree>
-    <p:extLst>
-      <p:ext uri="{BB962C8B-B14F-4D97-AF65-F5344CB8AC3E}">
-        <p14:creationId xmlns:p14="http://schemas.microsoft.com/office/powerpoint/2010/main" val="2201813810"/>
-      </p:ext>
-    </p:extLst>
   </p:cSld>
   <p:clrMapOvr>
     <a:masterClrMapping/>
@@ -13399,7 +8350,7 @@
 </p:sld>
 </file>
 
-<file path=ppt/slides/slide9.xml><?xml version="1.0" encoding="utf-8"?>
+<file path=ppt/slides/slide7.xml><?xml version="1.0" encoding="utf-8"?>
 <p:sld xmlns:a="http://schemas.openxmlformats.org/drawingml/2006/main" xmlns:r="http://schemas.openxmlformats.org/officeDocument/2006/relationships" xmlns:p="http://schemas.openxmlformats.org/presentationml/2006/main">
   <p:cSld>
     <p:spTree>
@@ -13418,13 +8369,7 @@
       </p:grpSpPr>
       <p:sp>
         <p:nvSpPr>
-          <p:cNvPr id="2" name="Title 1">
-            <a:extLst>
-              <a:ext uri="{FF2B5EF4-FFF2-40B4-BE49-F238E27FC236}">
-                <a16:creationId xmlns:a16="http://schemas.microsoft.com/office/drawing/2014/main" id="{3C4C8F67-7874-5605-6969-B3B158925E34}"/>
-              </a:ext>
-            </a:extLst>
-          </p:cNvPr>
+          <p:cNvPr id="2" name="Title 1"/>
           <p:cNvSpPr>
             <a:spLocks noGrp="1"/>
           </p:cNvSpPr>
@@ -13483,13 +8428,7 @@
       </p:sp>
       <p:sp>
         <p:nvSpPr>
-          <p:cNvPr id="3" name="Content Placeholder 2">
-            <a:extLst>
-              <a:ext uri="{FF2B5EF4-FFF2-40B4-BE49-F238E27FC236}">
-                <a16:creationId xmlns:a16="http://schemas.microsoft.com/office/drawing/2014/main" id="{67C0F9DA-3CBE-21FB-7DD8-6648FBDF3F06}"/>
-              </a:ext>
-            </a:extLst>
-          </p:cNvPr>
+          <p:cNvPr id="3" name="Content Placeholder 2"/>
           <p:cNvSpPr>
             <a:spLocks noGrp="1"/>
           </p:cNvSpPr>
@@ -13516,18 +8455,15 @@
               </a:rPr>
               <a:t> </a:t>
             </a:r>
+            <a:endParaRPr lang="en-IN" dirty="0">
+              <a:latin typeface="Arial Rounded MT Bold" panose="020F0704030504030204" pitchFamily="34" charset="0"/>
+            </a:endParaRPr>
           </a:p>
         </p:txBody>
       </p:sp>
       <p:sp>
         <p:nvSpPr>
-          <p:cNvPr id="6" name="Rectangle: Rounded Corners 5">
-            <a:extLst>
-              <a:ext uri="{FF2B5EF4-FFF2-40B4-BE49-F238E27FC236}">
-                <a16:creationId xmlns:a16="http://schemas.microsoft.com/office/drawing/2014/main" id="{A43041B2-72D9-6D76-9ECA-1413B85FAF43}"/>
-              </a:ext>
-            </a:extLst>
-          </p:cNvPr>
+          <p:cNvPr id="6" name="Rectangle: Rounded Corners 5"/>
           <p:cNvSpPr/>
           <p:nvPr/>
         </p:nvSpPr>
@@ -13577,25 +8513,22 @@
               </a:rPr>
               <a:t>A function is a group of reusable code which can be called anywhere in the program.</a:t>
             </a:r>
+            <a:endParaRPr lang="en-US" dirty="0">
+              <a:latin typeface="Arial Rounded MT Bold" panose="020F0704030504030204" pitchFamily="34" charset="0"/>
+            </a:endParaRPr>
           </a:p>
         </p:txBody>
       </p:sp>
       <p:pic>
         <p:nvPicPr>
-          <p:cNvPr id="9" name="Picture 8">
-            <a:extLst>
-              <a:ext uri="{FF2B5EF4-FFF2-40B4-BE49-F238E27FC236}">
-                <a16:creationId xmlns:a16="http://schemas.microsoft.com/office/drawing/2014/main" id="{A345E224-6EE7-4148-EA35-04CC53BDF9F5}"/>
-              </a:ext>
-            </a:extLst>
-          </p:cNvPr>
+          <p:cNvPr id="9" name="Picture 8"/>
           <p:cNvPicPr>
             <a:picLocks noChangeAspect="1"/>
           </p:cNvPicPr>
           <p:nvPr/>
         </p:nvPicPr>
         <p:blipFill>
-          <a:blip r:embed="rId2">
+          <a:blip r:embed="rId1">
             <a:extLst>
               <a:ext uri="{28A0092B-C50C-407E-A947-70E740481C1C}">
                 <a14:useLocalDpi xmlns:a14="http://schemas.microsoft.com/office/drawing/2010/main" val="0"/>
@@ -13618,20 +8551,14 @@
       </p:pic>
       <p:pic>
         <p:nvPicPr>
-          <p:cNvPr id="16" name="Picture 15">
-            <a:extLst>
-              <a:ext uri="{FF2B5EF4-FFF2-40B4-BE49-F238E27FC236}">
-                <a16:creationId xmlns:a16="http://schemas.microsoft.com/office/drawing/2014/main" id="{4C028991-C28A-ED6F-1271-0D98BF0F74A9}"/>
-              </a:ext>
-            </a:extLst>
-          </p:cNvPr>
+          <p:cNvPr id="16" name="Picture 15"/>
           <p:cNvPicPr>
             <a:picLocks noChangeAspect="1"/>
           </p:cNvPicPr>
           <p:nvPr/>
         </p:nvPicPr>
         <p:blipFill>
-          <a:blip r:embed="rId3">
+          <a:blip r:embed="rId2">
             <a:extLst>
               <a:ext uri="{28A0092B-C50C-407E-A947-70E740481C1C}">
                 <a14:useLocalDpi xmlns:a14="http://schemas.microsoft.com/office/drawing/2010/main" val="0"/>
@@ -13654,13 +8581,7 @@
       </p:pic>
       <p:sp>
         <p:nvSpPr>
-          <p:cNvPr id="5" name="Rectangle: Rounded Corners 4">
-            <a:extLst>
-              <a:ext uri="{FF2B5EF4-FFF2-40B4-BE49-F238E27FC236}">
-                <a16:creationId xmlns:a16="http://schemas.microsoft.com/office/drawing/2014/main" id="{F15CBBAB-D94E-1683-2CBF-62C338810B56}"/>
-              </a:ext>
-            </a:extLst>
-          </p:cNvPr>
+          <p:cNvPr id="5" name="Rectangle: Rounded Corners 4"/>
           <p:cNvSpPr/>
           <p:nvPr/>
         </p:nvSpPr>
@@ -13710,18 +8631,15 @@
               </a:rPr>
               <a:t>Divide a big program into a number of small and manageable functions.</a:t>
             </a:r>
+            <a:endParaRPr lang="en-US" dirty="0">
+              <a:latin typeface="Arial Rounded MT Bold" panose="020F0704030504030204" pitchFamily="34" charset="0"/>
+            </a:endParaRPr>
           </a:p>
         </p:txBody>
       </p:sp>
       <p:sp>
         <p:nvSpPr>
-          <p:cNvPr id="10" name="Rectangle: Rounded Corners 9">
-            <a:extLst>
-              <a:ext uri="{FF2B5EF4-FFF2-40B4-BE49-F238E27FC236}">
-                <a16:creationId xmlns:a16="http://schemas.microsoft.com/office/drawing/2014/main" id="{79869115-DB72-EC4A-B26E-7DFD9786E0F2}"/>
-              </a:ext>
-            </a:extLst>
-          </p:cNvPr>
+          <p:cNvPr id="10" name="Rectangle: Rounded Corners 9"/>
           <p:cNvSpPr/>
           <p:nvPr/>
         </p:nvSpPr>
@@ -13771,18 +8689,15 @@
               </a:rPr>
               <a:t>Before using a function we need to define that function.</a:t>
             </a:r>
+            <a:endParaRPr lang="en-US" dirty="0">
+              <a:latin typeface="Arial Rounded MT Bold" panose="020F0704030504030204" pitchFamily="34" charset="0"/>
+            </a:endParaRPr>
           </a:p>
         </p:txBody>
       </p:sp>
       <p:sp>
         <p:nvSpPr>
-          <p:cNvPr id="7" name="TextBox 6">
-            <a:extLst>
-              <a:ext uri="{FF2B5EF4-FFF2-40B4-BE49-F238E27FC236}">
-                <a16:creationId xmlns:a16="http://schemas.microsoft.com/office/drawing/2014/main" id="{39B2B630-8740-57D2-2FB9-617A34936C9B}"/>
-              </a:ext>
-            </a:extLst>
-          </p:cNvPr>
+          <p:cNvPr id="7" name="TextBox 6"/>
           <p:cNvSpPr txBox="1"/>
           <p:nvPr/>
         </p:nvSpPr>
@@ -13814,13 +8729,7 @@
       </p:sp>
       <p:sp>
         <p:nvSpPr>
-          <p:cNvPr id="11" name="TextBox 10">
-            <a:extLst>
-              <a:ext uri="{FF2B5EF4-FFF2-40B4-BE49-F238E27FC236}">
-                <a16:creationId xmlns:a16="http://schemas.microsoft.com/office/drawing/2014/main" id="{1CC6C377-E769-8EF7-CF14-336BEF55A456}"/>
-              </a:ext>
-            </a:extLst>
-          </p:cNvPr>
+          <p:cNvPr id="11" name="TextBox 10"/>
           <p:cNvSpPr txBox="1"/>
           <p:nvPr/>
         </p:nvSpPr>
@@ -13852,13 +8761,7 @@
       </p:sp>
       <p:sp>
         <p:nvSpPr>
-          <p:cNvPr id="12" name="Rectangle: Rounded Corners 11">
-            <a:extLst>
-              <a:ext uri="{FF2B5EF4-FFF2-40B4-BE49-F238E27FC236}">
-                <a16:creationId xmlns:a16="http://schemas.microsoft.com/office/drawing/2014/main" id="{D1AB729A-0770-11E2-62C1-523A20E81F8A}"/>
-              </a:ext>
-            </a:extLst>
-          </p:cNvPr>
+          <p:cNvPr id="12" name="Rectangle: Rounded Corners 11"/>
           <p:cNvSpPr/>
           <p:nvPr/>
         </p:nvSpPr>
@@ -13908,15 +8811,13 @@
               </a:rPr>
               <a:t>Define a function in JavaScript by using the function keyword</a:t>
             </a:r>
+            <a:endParaRPr lang="en-US" dirty="0">
+              <a:latin typeface="Arial Rounded MT Bold" panose="020F0704030504030204" pitchFamily="34" charset="0"/>
+            </a:endParaRPr>
           </a:p>
         </p:txBody>
       </p:sp>
     </p:spTree>
-    <p:extLst>
-      <p:ext uri="{BB962C8B-B14F-4D97-AF65-F5344CB8AC3E}">
-        <p14:creationId xmlns:p14="http://schemas.microsoft.com/office/powerpoint/2010/main" val="3624025351"/>
-      </p:ext>
-    </p:extLst>
   </p:cSld>
   <p:clrMapOvr>
     <a:masterClrMapping/>
@@ -14322,6 +9223,1459 @@
       <p:bldP spid="5" grpId="0" animBg="1"/>
       <p:bldP spid="10" grpId="0" animBg="1"/>
       <p:bldP spid="12" grpId="0" animBg="1"/>
+    </p:bldLst>
+  </p:timing>
+</p:sld>
+</file>
+
+<file path=ppt/slides/slide8.xml><?xml version="1.0" encoding="utf-8"?>
+<p:sld xmlns:a="http://schemas.openxmlformats.org/drawingml/2006/main" xmlns:r="http://schemas.openxmlformats.org/officeDocument/2006/relationships" xmlns:p="http://schemas.openxmlformats.org/presentationml/2006/main">
+  <p:cSld>
+    <p:spTree>
+      <p:nvGrpSpPr>
+        <p:cNvPr id="1" name=""/>
+        <p:cNvGrpSpPr/>
+        <p:nvPr/>
+      </p:nvGrpSpPr>
+      <p:grpSpPr>
+        <a:xfrm>
+          <a:off x="0" y="0"/>
+          <a:ext cx="0" cy="0"/>
+          <a:chOff x="0" y="0"/>
+          <a:chExt cx="0" cy="0"/>
+        </a:xfrm>
+      </p:grpSpPr>
+      <p:pic>
+        <p:nvPicPr>
+          <p:cNvPr id="14" name="Picture 13"/>
+          <p:cNvPicPr>
+            <a:picLocks noChangeAspect="1"/>
+          </p:cNvPicPr>
+          <p:nvPr/>
+        </p:nvPicPr>
+        <p:blipFill>
+          <a:blip r:embed="rId1">
+            <a:extLst>
+              <a:ext uri="{28A0092B-C50C-407E-A947-70E740481C1C}">
+                <a14:useLocalDpi xmlns:a14="http://schemas.microsoft.com/office/drawing/2010/main" val="0"/>
+              </a:ext>
+            </a:extLst>
+          </a:blip>
+          <a:stretch>
+            <a:fillRect/>
+          </a:stretch>
+        </p:blipFill>
+        <p:spPr>
+          <a:xfrm>
+            <a:off x="5937182" y="1865695"/>
+            <a:ext cx="6254818" cy="2138414"/>
+          </a:xfrm>
+          <a:prstGeom prst="rect">
+            <a:avLst/>
+          </a:prstGeom>
+        </p:spPr>
+      </p:pic>
+      <p:pic>
+        <p:nvPicPr>
+          <p:cNvPr id="10" name="Picture 9"/>
+          <p:cNvPicPr>
+            <a:picLocks noChangeAspect="1"/>
+          </p:cNvPicPr>
+          <p:nvPr/>
+        </p:nvPicPr>
+        <p:blipFill>
+          <a:blip r:embed="rId1">
+            <a:extLst>
+              <a:ext uri="{28A0092B-C50C-407E-A947-70E740481C1C}">
+                <a14:useLocalDpi xmlns:a14="http://schemas.microsoft.com/office/drawing/2010/main" val="0"/>
+              </a:ext>
+            </a:extLst>
+          </a:blip>
+          <a:stretch>
+            <a:fillRect/>
+          </a:stretch>
+        </p:blipFill>
+        <p:spPr>
+          <a:xfrm>
+            <a:off x="5909912" y="462014"/>
+            <a:ext cx="6253213" cy="1819175"/>
+          </a:xfrm>
+          <a:prstGeom prst="rect">
+            <a:avLst/>
+          </a:prstGeom>
+        </p:spPr>
+      </p:pic>
+      <p:pic>
+        <p:nvPicPr>
+          <p:cNvPr id="12" name="Picture 11"/>
+          <p:cNvPicPr>
+            <a:picLocks noChangeAspect="1"/>
+          </p:cNvPicPr>
+          <p:nvPr/>
+        </p:nvPicPr>
+        <p:blipFill>
+          <a:blip r:embed="rId2">
+            <a:extLst>
+              <a:ext uri="{28A0092B-C50C-407E-A947-70E740481C1C}">
+                <a14:useLocalDpi xmlns:a14="http://schemas.microsoft.com/office/drawing/2010/main" val="0"/>
+              </a:ext>
+            </a:extLst>
+          </a:blip>
+          <a:stretch>
+            <a:fillRect/>
+          </a:stretch>
+        </p:blipFill>
+        <p:spPr>
+          <a:xfrm>
+            <a:off x="286659" y="2450298"/>
+            <a:ext cx="6325897" cy="4143006"/>
+          </a:xfrm>
+          <a:prstGeom prst="rect">
+            <a:avLst/>
+          </a:prstGeom>
+        </p:spPr>
+      </p:pic>
+      <p:sp>
+        <p:nvSpPr>
+          <p:cNvPr id="13" name="TextBox 12"/>
+          <p:cNvSpPr txBox="1"/>
+          <p:nvPr/>
+        </p:nvSpPr>
+        <p:spPr>
+          <a:xfrm>
+            <a:off x="6912099" y="1068536"/>
+            <a:ext cx="4617857" cy="646331"/>
+          </a:xfrm>
+          <a:prstGeom prst="rect">
+            <a:avLst/>
+          </a:prstGeom>
+          <a:noFill/>
+        </p:spPr>
+        <p:txBody>
+          <a:bodyPr wrap="square" rtlCol="0">
+            <a:spAutoFit/>
+          </a:bodyPr>
+          <a:lstStyle/>
+          <a:p>
+            <a:r>
+              <a:rPr lang="en-US" dirty="0">
+                <a:solidFill>
+                  <a:schemeClr val="bg1"/>
+                </a:solidFill>
+                <a:latin typeface="Arial Rounded MT Bold" panose="020F0704030504030204" pitchFamily="34" charset="0"/>
+                <a:ea typeface="Verdana" panose="020B0604030504040204" pitchFamily="34" charset="0"/>
+              </a:rPr>
+              <a:t>The </a:t>
+            </a:r>
+            <a:r>
+              <a:rPr lang="en-US" dirty="0">
+                <a:solidFill>
+                  <a:srgbClr val="FF0000"/>
+                </a:solidFill>
+                <a:latin typeface="Arial Rounded MT Bold" panose="020F0704030504030204" pitchFamily="34" charset="0"/>
+                <a:ea typeface="Verdana" panose="020B0604030504040204" pitchFamily="34" charset="0"/>
+              </a:rPr>
+              <a:t>alert()</a:t>
+            </a:r>
+            <a:r>
+              <a:rPr lang="en-US" dirty="0">
+                <a:solidFill>
+                  <a:schemeClr val="bg1"/>
+                </a:solidFill>
+                <a:latin typeface="Arial Rounded MT Bold" panose="020F0704030504030204" pitchFamily="34" charset="0"/>
+                <a:ea typeface="Verdana" panose="020B0604030504040204" pitchFamily="34" charset="0"/>
+              </a:rPr>
+              <a:t> method displays an alert box with a message and an OK button.</a:t>
+            </a:r>
+            <a:endParaRPr lang="en-US" dirty="0">
+              <a:solidFill>
+                <a:schemeClr val="bg1"/>
+              </a:solidFill>
+              <a:latin typeface="Arial Rounded MT Bold" panose="020F0704030504030204" pitchFamily="34" charset="0"/>
+              <a:ea typeface="Verdana" panose="020B0604030504040204" pitchFamily="34" charset="0"/>
+            </a:endParaRPr>
+          </a:p>
+        </p:txBody>
+      </p:sp>
+      <p:sp>
+        <p:nvSpPr>
+          <p:cNvPr id="17" name="TextBox 16"/>
+          <p:cNvSpPr txBox="1"/>
+          <p:nvPr/>
+        </p:nvSpPr>
+        <p:spPr>
+          <a:xfrm>
+            <a:off x="6784204" y="2597349"/>
+            <a:ext cx="4822753" cy="646331"/>
+          </a:xfrm>
+          <a:prstGeom prst="rect">
+            <a:avLst/>
+          </a:prstGeom>
+          <a:noFill/>
+        </p:spPr>
+        <p:txBody>
+          <a:bodyPr wrap="square" rtlCol="0">
+            <a:spAutoFit/>
+          </a:bodyPr>
+          <a:lstStyle/>
+          <a:p>
+            <a:r>
+              <a:rPr lang="en-US" dirty="0">
+                <a:solidFill>
+                  <a:schemeClr val="bg1"/>
+                </a:solidFill>
+                <a:latin typeface="Arial Rounded MT Bold" panose="020F0704030504030204" pitchFamily="34" charset="0"/>
+                <a:ea typeface="Verdana" panose="020B0604030504040204" pitchFamily="34" charset="0"/>
+              </a:rPr>
+              <a:t>The </a:t>
+            </a:r>
+            <a:r>
+              <a:rPr lang="en-US" dirty="0">
+                <a:solidFill>
+                  <a:srgbClr val="FF0000"/>
+                </a:solidFill>
+                <a:latin typeface="Arial Rounded MT Bold" panose="020F0704030504030204" pitchFamily="34" charset="0"/>
+                <a:ea typeface="Verdana" panose="020B0604030504040204" pitchFamily="34" charset="0"/>
+              </a:rPr>
+              <a:t>alert()</a:t>
+            </a:r>
+            <a:r>
+              <a:rPr lang="en-US" dirty="0">
+                <a:solidFill>
+                  <a:schemeClr val="bg1"/>
+                </a:solidFill>
+                <a:latin typeface="Arial Rounded MT Bold" panose="020F0704030504030204" pitchFamily="34" charset="0"/>
+                <a:ea typeface="Verdana" panose="020B0604030504040204" pitchFamily="34" charset="0"/>
+              </a:rPr>
+              <a:t> method is used when you want information to come through to the user.</a:t>
+            </a:r>
+            <a:endParaRPr lang="en-US" dirty="0">
+              <a:solidFill>
+                <a:schemeClr val="bg1"/>
+              </a:solidFill>
+              <a:latin typeface="Arial Rounded MT Bold" panose="020F0704030504030204" pitchFamily="34" charset="0"/>
+              <a:ea typeface="Verdana" panose="020B0604030504040204" pitchFamily="34" charset="0"/>
+            </a:endParaRPr>
+          </a:p>
+        </p:txBody>
+      </p:sp>
+      <p:cxnSp>
+        <p:nvCxnSpPr>
+          <p:cNvPr id="19" name="Straight Connector 18"/>
+          <p:cNvCxnSpPr/>
+          <p:nvPr/>
+        </p:nvCxnSpPr>
+        <p:spPr>
+          <a:xfrm flipV="1">
+            <a:off x="2367815" y="1472665"/>
+            <a:ext cx="0" cy="944890"/>
+          </a:xfrm>
+          <a:prstGeom prst="line">
+            <a:avLst/>
+          </a:prstGeom>
+        </p:spPr>
+        <p:style>
+          <a:lnRef idx="3">
+            <a:schemeClr val="accent1"/>
+          </a:lnRef>
+          <a:fillRef idx="0">
+            <a:schemeClr val="accent1"/>
+          </a:fillRef>
+          <a:effectRef idx="2">
+            <a:schemeClr val="accent1"/>
+          </a:effectRef>
+          <a:fontRef idx="minor">
+            <a:schemeClr val="tx1"/>
+          </a:fontRef>
+        </p:style>
+      </p:cxnSp>
+      <p:cxnSp>
+        <p:nvCxnSpPr>
+          <p:cNvPr id="21" name="Straight Arrow Connector 20"/>
+          <p:cNvCxnSpPr/>
+          <p:nvPr/>
+        </p:nvCxnSpPr>
+        <p:spPr>
+          <a:xfrm>
+            <a:off x="2367815" y="1472665"/>
+            <a:ext cx="3728185" cy="0"/>
+          </a:xfrm>
+          <a:prstGeom prst="straightConnector1">
+            <a:avLst/>
+          </a:prstGeom>
+          <a:ln>
+            <a:tailEnd type="triangle"/>
+          </a:ln>
+        </p:spPr>
+        <p:style>
+          <a:lnRef idx="3">
+            <a:schemeClr val="accent1"/>
+          </a:lnRef>
+          <a:fillRef idx="0">
+            <a:schemeClr val="accent1"/>
+          </a:fillRef>
+          <a:effectRef idx="2">
+            <a:schemeClr val="accent1"/>
+          </a:effectRef>
+          <a:fontRef idx="minor">
+            <a:schemeClr val="tx1"/>
+          </a:fontRef>
+        </p:style>
+      </p:cxnSp>
+      <p:pic>
+        <p:nvPicPr>
+          <p:cNvPr id="22" name="Picture 21"/>
+          <p:cNvPicPr>
+            <a:picLocks noChangeAspect="1"/>
+          </p:cNvPicPr>
+          <p:nvPr/>
+        </p:nvPicPr>
+        <p:blipFill>
+          <a:blip r:embed="rId3">
+            <a:extLst>
+              <a:ext uri="{28A0092B-C50C-407E-A947-70E740481C1C}">
+                <a14:useLocalDpi xmlns:a14="http://schemas.microsoft.com/office/drawing/2010/main" val="0"/>
+              </a:ext>
+            </a:extLst>
+          </a:blip>
+          <a:stretch>
+            <a:fillRect/>
+          </a:stretch>
+        </p:blipFill>
+        <p:spPr>
+          <a:xfrm>
+            <a:off x="9967442" y="6013642"/>
+            <a:ext cx="1528148" cy="498987"/>
+          </a:xfrm>
+          <a:prstGeom prst="rect">
+            <a:avLst/>
+          </a:prstGeom>
+        </p:spPr>
+      </p:pic>
+    </p:spTree>
+  </p:cSld>
+  <p:clrMapOvr>
+    <a:masterClrMapping/>
+  </p:clrMapOvr>
+  <p:timing>
+    <p:tnLst>
+      <p:par>
+        <p:cTn id="1" dur="indefinite" restart="never" nodeType="tmRoot">
+          <p:childTnLst>
+            <p:seq concurrent="1" nextAc="seek">
+              <p:cTn id="2" dur="indefinite" nodeType="mainSeq">
+                <p:childTnLst>
+                  <p:par>
+                    <p:cTn id="3" fill="hold">
+                      <p:stCondLst>
+                        <p:cond delay="indefinite"/>
+                      </p:stCondLst>
+                      <p:childTnLst>
+                        <p:par>
+                          <p:cTn id="4" fill="hold">
+                            <p:stCondLst>
+                              <p:cond delay="0"/>
+                            </p:stCondLst>
+                            <p:childTnLst>
+                              <p:par>
+                                <p:cTn id="5" presetID="10" presetClass="entr" presetSubtype="0" fill="hold" nodeType="clickEffect">
+                                  <p:stCondLst>
+                                    <p:cond delay="0"/>
+                                  </p:stCondLst>
+                                  <p:childTnLst>
+                                    <p:set>
+                                      <p:cBhvr>
+                                        <p:cTn id="6" dur="1" fill="hold">
+                                          <p:stCondLst>
+                                            <p:cond delay="0"/>
+                                          </p:stCondLst>
+                                        </p:cTn>
+                                        <p:tgtEl>
+                                          <p:spTgt spid="12"/>
+                                        </p:tgtEl>
+                                        <p:attrNameLst>
+                                          <p:attrName>style.visibility</p:attrName>
+                                        </p:attrNameLst>
+                                      </p:cBhvr>
+                                      <p:to>
+                                        <p:strVal val="visible"/>
+                                      </p:to>
+                                    </p:set>
+                                    <p:animEffect transition="in" filter="fade">
+                                      <p:cBhvr>
+                                        <p:cTn id="7" dur="500"/>
+                                        <p:tgtEl>
+                                          <p:spTgt spid="12"/>
+                                        </p:tgtEl>
+                                      </p:cBhvr>
+                                    </p:animEffect>
+                                  </p:childTnLst>
+                                </p:cTn>
+                              </p:par>
+                            </p:childTnLst>
+                          </p:cTn>
+                        </p:par>
+                      </p:childTnLst>
+                    </p:cTn>
+                  </p:par>
+                  <p:par>
+                    <p:cTn id="8" fill="hold">
+                      <p:stCondLst>
+                        <p:cond delay="indefinite"/>
+                      </p:stCondLst>
+                      <p:childTnLst>
+                        <p:par>
+                          <p:cTn id="9" fill="hold">
+                            <p:stCondLst>
+                              <p:cond delay="0"/>
+                            </p:stCondLst>
+                            <p:childTnLst>
+                              <p:par>
+                                <p:cTn id="10" presetID="22" presetClass="entr" presetSubtype="4" fill="hold" nodeType="clickEffect">
+                                  <p:stCondLst>
+                                    <p:cond delay="0"/>
+                                  </p:stCondLst>
+                                  <p:childTnLst>
+                                    <p:set>
+                                      <p:cBhvr>
+                                        <p:cTn id="11" dur="1" fill="hold">
+                                          <p:stCondLst>
+                                            <p:cond delay="0"/>
+                                          </p:stCondLst>
+                                        </p:cTn>
+                                        <p:tgtEl>
+                                          <p:spTgt spid="19"/>
+                                        </p:tgtEl>
+                                        <p:attrNameLst>
+                                          <p:attrName>style.visibility</p:attrName>
+                                        </p:attrNameLst>
+                                      </p:cBhvr>
+                                      <p:to>
+                                        <p:strVal val="visible"/>
+                                      </p:to>
+                                    </p:set>
+                                    <p:animEffect transition="in" filter="wipe(down)">
+                                      <p:cBhvr>
+                                        <p:cTn id="12" dur="500"/>
+                                        <p:tgtEl>
+                                          <p:spTgt spid="19"/>
+                                        </p:tgtEl>
+                                      </p:cBhvr>
+                                    </p:animEffect>
+                                  </p:childTnLst>
+                                </p:cTn>
+                              </p:par>
+                            </p:childTnLst>
+                          </p:cTn>
+                        </p:par>
+                        <p:par>
+                          <p:cTn id="13" fill="hold">
+                            <p:stCondLst>
+                              <p:cond delay="500"/>
+                            </p:stCondLst>
+                            <p:childTnLst>
+                              <p:par>
+                                <p:cTn id="14" presetID="22" presetClass="entr" presetSubtype="8" fill="hold" nodeType="afterEffect">
+                                  <p:stCondLst>
+                                    <p:cond delay="0"/>
+                                  </p:stCondLst>
+                                  <p:childTnLst>
+                                    <p:set>
+                                      <p:cBhvr>
+                                        <p:cTn id="15" dur="1" fill="hold">
+                                          <p:stCondLst>
+                                            <p:cond delay="0"/>
+                                          </p:stCondLst>
+                                        </p:cTn>
+                                        <p:tgtEl>
+                                          <p:spTgt spid="21"/>
+                                        </p:tgtEl>
+                                        <p:attrNameLst>
+                                          <p:attrName>style.visibility</p:attrName>
+                                        </p:attrNameLst>
+                                      </p:cBhvr>
+                                      <p:to>
+                                        <p:strVal val="visible"/>
+                                      </p:to>
+                                    </p:set>
+                                    <p:animEffect transition="in" filter="wipe(left)">
+                                      <p:cBhvr>
+                                        <p:cTn id="16" dur="500"/>
+                                        <p:tgtEl>
+                                          <p:spTgt spid="21"/>
+                                        </p:tgtEl>
+                                      </p:cBhvr>
+                                    </p:animEffect>
+                                  </p:childTnLst>
+                                </p:cTn>
+                              </p:par>
+                            </p:childTnLst>
+                          </p:cTn>
+                        </p:par>
+                      </p:childTnLst>
+                    </p:cTn>
+                  </p:par>
+                  <p:par>
+                    <p:cTn id="17" fill="hold">
+                      <p:stCondLst>
+                        <p:cond delay="indefinite"/>
+                      </p:stCondLst>
+                      <p:childTnLst>
+                        <p:par>
+                          <p:cTn id="18" fill="hold">
+                            <p:stCondLst>
+                              <p:cond delay="0"/>
+                            </p:stCondLst>
+                            <p:childTnLst>
+                              <p:par>
+                                <p:cTn id="19" presetID="42" presetClass="entr" presetSubtype="0" fill="hold" nodeType="clickEffect">
+                                  <p:stCondLst>
+                                    <p:cond delay="500"/>
+                                  </p:stCondLst>
+                                  <p:childTnLst>
+                                    <p:set>
+                                      <p:cBhvr>
+                                        <p:cTn id="20" dur="1" fill="hold">
+                                          <p:stCondLst>
+                                            <p:cond delay="0"/>
+                                          </p:stCondLst>
+                                        </p:cTn>
+                                        <p:tgtEl>
+                                          <p:spTgt spid="10"/>
+                                        </p:tgtEl>
+                                        <p:attrNameLst>
+                                          <p:attrName>style.visibility</p:attrName>
+                                        </p:attrNameLst>
+                                      </p:cBhvr>
+                                      <p:to>
+                                        <p:strVal val="visible"/>
+                                      </p:to>
+                                    </p:set>
+                                    <p:animEffect transition="in" filter="fade">
+                                      <p:cBhvr>
+                                        <p:cTn id="21" dur="1000"/>
+                                        <p:tgtEl>
+                                          <p:spTgt spid="10"/>
+                                        </p:tgtEl>
+                                      </p:cBhvr>
+                                    </p:animEffect>
+                                    <p:anim calcmode="lin" valueType="num">
+                                      <p:cBhvr>
+                                        <p:cTn id="22" dur="1000" fill="hold"/>
+                                        <p:tgtEl>
+                                          <p:spTgt spid="10"/>
+                                        </p:tgtEl>
+                                        <p:attrNameLst>
+                                          <p:attrName>ppt_x</p:attrName>
+                                        </p:attrNameLst>
+                                      </p:cBhvr>
+                                      <p:tavLst>
+                                        <p:tav tm="0">
+                                          <p:val>
+                                            <p:strVal val="#ppt_x"/>
+                                          </p:val>
+                                        </p:tav>
+                                        <p:tav tm="100000">
+                                          <p:val>
+                                            <p:strVal val="#ppt_x"/>
+                                          </p:val>
+                                        </p:tav>
+                                      </p:tavLst>
+                                    </p:anim>
+                                    <p:anim calcmode="lin" valueType="num">
+                                      <p:cBhvr>
+                                        <p:cTn id="23" dur="1000" fill="hold"/>
+                                        <p:tgtEl>
+                                          <p:spTgt spid="10"/>
+                                        </p:tgtEl>
+                                        <p:attrNameLst>
+                                          <p:attrName>ppt_y</p:attrName>
+                                        </p:attrNameLst>
+                                      </p:cBhvr>
+                                      <p:tavLst>
+                                        <p:tav tm="0">
+                                          <p:val>
+                                            <p:strVal val="#ppt_y+.1"/>
+                                          </p:val>
+                                        </p:tav>
+                                        <p:tav tm="100000">
+                                          <p:val>
+                                            <p:strVal val="#ppt_y"/>
+                                          </p:val>
+                                        </p:tav>
+                                      </p:tavLst>
+                                    </p:anim>
+                                  </p:childTnLst>
+                                </p:cTn>
+                              </p:par>
+                              <p:par>
+                                <p:cTn id="24" presetID="42" presetClass="entr" presetSubtype="0" fill="hold" grpId="0" nodeType="withEffect">
+                                  <p:stCondLst>
+                                    <p:cond delay="500"/>
+                                  </p:stCondLst>
+                                  <p:childTnLst>
+                                    <p:set>
+                                      <p:cBhvr>
+                                        <p:cTn id="25" dur="1" fill="hold">
+                                          <p:stCondLst>
+                                            <p:cond delay="0"/>
+                                          </p:stCondLst>
+                                        </p:cTn>
+                                        <p:tgtEl>
+                                          <p:spTgt spid="13"/>
+                                        </p:tgtEl>
+                                        <p:attrNameLst>
+                                          <p:attrName>style.visibility</p:attrName>
+                                        </p:attrNameLst>
+                                      </p:cBhvr>
+                                      <p:to>
+                                        <p:strVal val="visible"/>
+                                      </p:to>
+                                    </p:set>
+                                    <p:animEffect transition="in" filter="fade">
+                                      <p:cBhvr>
+                                        <p:cTn id="26" dur="1000"/>
+                                        <p:tgtEl>
+                                          <p:spTgt spid="13"/>
+                                        </p:tgtEl>
+                                      </p:cBhvr>
+                                    </p:animEffect>
+                                    <p:anim calcmode="lin" valueType="num">
+                                      <p:cBhvr>
+                                        <p:cTn id="27" dur="1000" fill="hold"/>
+                                        <p:tgtEl>
+                                          <p:spTgt spid="13"/>
+                                        </p:tgtEl>
+                                        <p:attrNameLst>
+                                          <p:attrName>ppt_x</p:attrName>
+                                        </p:attrNameLst>
+                                      </p:cBhvr>
+                                      <p:tavLst>
+                                        <p:tav tm="0">
+                                          <p:val>
+                                            <p:strVal val="#ppt_x"/>
+                                          </p:val>
+                                        </p:tav>
+                                        <p:tav tm="100000">
+                                          <p:val>
+                                            <p:strVal val="#ppt_x"/>
+                                          </p:val>
+                                        </p:tav>
+                                      </p:tavLst>
+                                    </p:anim>
+                                    <p:anim calcmode="lin" valueType="num">
+                                      <p:cBhvr>
+                                        <p:cTn id="28" dur="1000" fill="hold"/>
+                                        <p:tgtEl>
+                                          <p:spTgt spid="13"/>
+                                        </p:tgtEl>
+                                        <p:attrNameLst>
+                                          <p:attrName>ppt_y</p:attrName>
+                                        </p:attrNameLst>
+                                      </p:cBhvr>
+                                      <p:tavLst>
+                                        <p:tav tm="0">
+                                          <p:val>
+                                            <p:strVal val="#ppt_y+.1"/>
+                                          </p:val>
+                                        </p:tav>
+                                        <p:tav tm="100000">
+                                          <p:val>
+                                            <p:strVal val="#ppt_y"/>
+                                          </p:val>
+                                        </p:tav>
+                                      </p:tavLst>
+                                    </p:anim>
+                                  </p:childTnLst>
+                                </p:cTn>
+                              </p:par>
+                            </p:childTnLst>
+                          </p:cTn>
+                        </p:par>
+                      </p:childTnLst>
+                    </p:cTn>
+                  </p:par>
+                  <p:par>
+                    <p:cTn id="29" fill="hold">
+                      <p:stCondLst>
+                        <p:cond delay="indefinite"/>
+                      </p:stCondLst>
+                      <p:childTnLst>
+                        <p:par>
+                          <p:cTn id="30" fill="hold">
+                            <p:stCondLst>
+                              <p:cond delay="0"/>
+                            </p:stCondLst>
+                            <p:childTnLst>
+                              <p:par>
+                                <p:cTn id="31" presetID="42" presetClass="entr" presetSubtype="0" fill="hold" nodeType="clickEffect">
+                                  <p:stCondLst>
+                                    <p:cond delay="500"/>
+                                  </p:stCondLst>
+                                  <p:childTnLst>
+                                    <p:set>
+                                      <p:cBhvr>
+                                        <p:cTn id="32" dur="1" fill="hold">
+                                          <p:stCondLst>
+                                            <p:cond delay="0"/>
+                                          </p:stCondLst>
+                                        </p:cTn>
+                                        <p:tgtEl>
+                                          <p:spTgt spid="14"/>
+                                        </p:tgtEl>
+                                        <p:attrNameLst>
+                                          <p:attrName>style.visibility</p:attrName>
+                                        </p:attrNameLst>
+                                      </p:cBhvr>
+                                      <p:to>
+                                        <p:strVal val="visible"/>
+                                      </p:to>
+                                    </p:set>
+                                    <p:animEffect transition="in" filter="fade">
+                                      <p:cBhvr>
+                                        <p:cTn id="33" dur="1000"/>
+                                        <p:tgtEl>
+                                          <p:spTgt spid="14"/>
+                                        </p:tgtEl>
+                                      </p:cBhvr>
+                                    </p:animEffect>
+                                    <p:anim calcmode="lin" valueType="num">
+                                      <p:cBhvr>
+                                        <p:cTn id="34" dur="1000" fill="hold"/>
+                                        <p:tgtEl>
+                                          <p:spTgt spid="14"/>
+                                        </p:tgtEl>
+                                        <p:attrNameLst>
+                                          <p:attrName>ppt_x</p:attrName>
+                                        </p:attrNameLst>
+                                      </p:cBhvr>
+                                      <p:tavLst>
+                                        <p:tav tm="0">
+                                          <p:val>
+                                            <p:strVal val="#ppt_x"/>
+                                          </p:val>
+                                        </p:tav>
+                                        <p:tav tm="100000">
+                                          <p:val>
+                                            <p:strVal val="#ppt_x"/>
+                                          </p:val>
+                                        </p:tav>
+                                      </p:tavLst>
+                                    </p:anim>
+                                    <p:anim calcmode="lin" valueType="num">
+                                      <p:cBhvr>
+                                        <p:cTn id="35" dur="1000" fill="hold"/>
+                                        <p:tgtEl>
+                                          <p:spTgt spid="14"/>
+                                        </p:tgtEl>
+                                        <p:attrNameLst>
+                                          <p:attrName>ppt_y</p:attrName>
+                                        </p:attrNameLst>
+                                      </p:cBhvr>
+                                      <p:tavLst>
+                                        <p:tav tm="0">
+                                          <p:val>
+                                            <p:strVal val="#ppt_y+.1"/>
+                                          </p:val>
+                                        </p:tav>
+                                        <p:tav tm="100000">
+                                          <p:val>
+                                            <p:strVal val="#ppt_y"/>
+                                          </p:val>
+                                        </p:tav>
+                                      </p:tavLst>
+                                    </p:anim>
+                                  </p:childTnLst>
+                                </p:cTn>
+                              </p:par>
+                              <p:par>
+                                <p:cTn id="36" presetID="42" presetClass="entr" presetSubtype="0" fill="hold" grpId="0" nodeType="withEffect">
+                                  <p:stCondLst>
+                                    <p:cond delay="500"/>
+                                  </p:stCondLst>
+                                  <p:childTnLst>
+                                    <p:set>
+                                      <p:cBhvr>
+                                        <p:cTn id="37" dur="1" fill="hold">
+                                          <p:stCondLst>
+                                            <p:cond delay="0"/>
+                                          </p:stCondLst>
+                                        </p:cTn>
+                                        <p:tgtEl>
+                                          <p:spTgt spid="17"/>
+                                        </p:tgtEl>
+                                        <p:attrNameLst>
+                                          <p:attrName>style.visibility</p:attrName>
+                                        </p:attrNameLst>
+                                      </p:cBhvr>
+                                      <p:to>
+                                        <p:strVal val="visible"/>
+                                      </p:to>
+                                    </p:set>
+                                    <p:animEffect transition="in" filter="fade">
+                                      <p:cBhvr>
+                                        <p:cTn id="38" dur="1000"/>
+                                        <p:tgtEl>
+                                          <p:spTgt spid="17"/>
+                                        </p:tgtEl>
+                                      </p:cBhvr>
+                                    </p:animEffect>
+                                    <p:anim calcmode="lin" valueType="num">
+                                      <p:cBhvr>
+                                        <p:cTn id="39" dur="1000" fill="hold"/>
+                                        <p:tgtEl>
+                                          <p:spTgt spid="17"/>
+                                        </p:tgtEl>
+                                        <p:attrNameLst>
+                                          <p:attrName>ppt_x</p:attrName>
+                                        </p:attrNameLst>
+                                      </p:cBhvr>
+                                      <p:tavLst>
+                                        <p:tav tm="0">
+                                          <p:val>
+                                            <p:strVal val="#ppt_x"/>
+                                          </p:val>
+                                        </p:tav>
+                                        <p:tav tm="100000">
+                                          <p:val>
+                                            <p:strVal val="#ppt_x"/>
+                                          </p:val>
+                                        </p:tav>
+                                      </p:tavLst>
+                                    </p:anim>
+                                    <p:anim calcmode="lin" valueType="num">
+                                      <p:cBhvr>
+                                        <p:cTn id="40" dur="1000" fill="hold"/>
+                                        <p:tgtEl>
+                                          <p:spTgt spid="17"/>
+                                        </p:tgtEl>
+                                        <p:attrNameLst>
+                                          <p:attrName>ppt_y</p:attrName>
+                                        </p:attrNameLst>
+                                      </p:cBhvr>
+                                      <p:tavLst>
+                                        <p:tav tm="0">
+                                          <p:val>
+                                            <p:strVal val="#ppt_y+.1"/>
+                                          </p:val>
+                                        </p:tav>
+                                        <p:tav tm="100000">
+                                          <p:val>
+                                            <p:strVal val="#ppt_y"/>
+                                          </p:val>
+                                        </p:tav>
+                                      </p:tavLst>
+                                    </p:anim>
+                                  </p:childTnLst>
+                                </p:cTn>
+                              </p:par>
+                            </p:childTnLst>
+                          </p:cTn>
+                        </p:par>
+                      </p:childTnLst>
+                    </p:cTn>
+                  </p:par>
+                </p:childTnLst>
+              </p:cTn>
+              <p:prevCondLst>
+                <p:cond evt="onPrev" delay="0">
+                  <p:tgtEl>
+                    <p:sldTgt/>
+                  </p:tgtEl>
+                </p:cond>
+              </p:prevCondLst>
+              <p:nextCondLst>
+                <p:cond evt="onNext" delay="0">
+                  <p:tgtEl>
+                    <p:sldTgt/>
+                  </p:tgtEl>
+                </p:cond>
+              </p:nextCondLst>
+            </p:seq>
+          </p:childTnLst>
+        </p:cTn>
+      </p:par>
+    </p:tnLst>
+    <p:bldLst>
+      <p:bldP spid="13" grpId="0"/>
+      <p:bldP spid="17" grpId="0"/>
+    </p:bldLst>
+  </p:timing>
+</p:sld>
+</file>
+
+<file path=ppt/slides/slide9.xml><?xml version="1.0" encoding="utf-8"?>
+<p:sld xmlns:a="http://schemas.openxmlformats.org/drawingml/2006/main" xmlns:r="http://schemas.openxmlformats.org/officeDocument/2006/relationships" xmlns:p="http://schemas.openxmlformats.org/presentationml/2006/main">
+  <p:cSld>
+    <p:spTree>
+      <p:nvGrpSpPr>
+        <p:cNvPr id="1" name=""/>
+        <p:cNvGrpSpPr/>
+        <p:nvPr/>
+      </p:nvGrpSpPr>
+      <p:grpSpPr>
+        <a:xfrm>
+          <a:off x="0" y="0"/>
+          <a:ext cx="0" cy="0"/>
+          <a:chOff x="0" y="0"/>
+          <a:chExt cx="0" cy="0"/>
+        </a:xfrm>
+      </p:grpSpPr>
+      <p:pic>
+        <p:nvPicPr>
+          <p:cNvPr id="12" name="Picture 11"/>
+          <p:cNvPicPr>
+            <a:picLocks noChangeAspect="1"/>
+          </p:cNvPicPr>
+          <p:nvPr/>
+        </p:nvPicPr>
+        <p:blipFill>
+          <a:blip r:embed="rId1">
+            <a:extLst>
+              <a:ext uri="{28A0092B-C50C-407E-A947-70E740481C1C}">
+                <a14:useLocalDpi xmlns:a14="http://schemas.microsoft.com/office/drawing/2010/main" val="0"/>
+              </a:ext>
+            </a:extLst>
+          </a:blip>
+          <a:stretch>
+            <a:fillRect/>
+          </a:stretch>
+        </p:blipFill>
+        <p:spPr>
+          <a:xfrm>
+            <a:off x="5467153" y="79095"/>
+            <a:ext cx="6724847" cy="2606349"/>
+          </a:xfrm>
+          <a:prstGeom prst="rect">
+            <a:avLst/>
+          </a:prstGeom>
+        </p:spPr>
+      </p:pic>
+      <p:pic>
+        <p:nvPicPr>
+          <p:cNvPr id="9" name="Picture 8"/>
+          <p:cNvPicPr>
+            <a:picLocks noChangeAspect="1"/>
+          </p:cNvPicPr>
+          <p:nvPr/>
+        </p:nvPicPr>
+        <p:blipFill>
+          <a:blip r:embed="rId2"/>
+          <a:stretch>
+            <a:fillRect/>
+          </a:stretch>
+        </p:blipFill>
+        <p:spPr>
+          <a:xfrm>
+            <a:off x="311663" y="2164574"/>
+            <a:ext cx="7017064" cy="4419104"/>
+          </a:xfrm>
+          <a:prstGeom prst="rect">
+            <a:avLst/>
+          </a:prstGeom>
+        </p:spPr>
+      </p:pic>
+      <p:cxnSp>
+        <p:nvCxnSpPr>
+          <p:cNvPr id="10" name="Straight Connector 9"/>
+          <p:cNvCxnSpPr/>
+          <p:nvPr/>
+        </p:nvCxnSpPr>
+        <p:spPr>
+          <a:xfrm flipV="1">
+            <a:off x="2367814" y="1219685"/>
+            <a:ext cx="0" cy="944890"/>
+          </a:xfrm>
+          <a:prstGeom prst="line">
+            <a:avLst/>
+          </a:prstGeom>
+        </p:spPr>
+        <p:style>
+          <a:lnRef idx="3">
+            <a:schemeClr val="accent1"/>
+          </a:lnRef>
+          <a:fillRef idx="0">
+            <a:schemeClr val="accent1"/>
+          </a:fillRef>
+          <a:effectRef idx="2">
+            <a:schemeClr val="accent1"/>
+          </a:effectRef>
+          <a:fontRef idx="minor">
+            <a:schemeClr val="tx1"/>
+          </a:fontRef>
+        </p:style>
+      </p:cxnSp>
+      <p:cxnSp>
+        <p:nvCxnSpPr>
+          <p:cNvPr id="11" name="Straight Arrow Connector 10"/>
+          <p:cNvCxnSpPr/>
+          <p:nvPr/>
+        </p:nvCxnSpPr>
+        <p:spPr>
+          <a:xfrm>
+            <a:off x="2367815" y="1219685"/>
+            <a:ext cx="3728185" cy="0"/>
+          </a:xfrm>
+          <a:prstGeom prst="straightConnector1">
+            <a:avLst/>
+          </a:prstGeom>
+          <a:ln>
+            <a:tailEnd type="triangle"/>
+          </a:ln>
+        </p:spPr>
+        <p:style>
+          <a:lnRef idx="3">
+            <a:schemeClr val="accent1"/>
+          </a:lnRef>
+          <a:fillRef idx="0">
+            <a:schemeClr val="accent1"/>
+          </a:fillRef>
+          <a:effectRef idx="2">
+            <a:schemeClr val="accent1"/>
+          </a:effectRef>
+          <a:fontRef idx="minor">
+            <a:schemeClr val="tx1"/>
+          </a:fontRef>
+        </p:style>
+      </p:cxnSp>
+      <p:sp>
+        <p:nvSpPr>
+          <p:cNvPr id="13" name="TextBox 12"/>
+          <p:cNvSpPr txBox="1"/>
+          <p:nvPr/>
+        </p:nvSpPr>
+        <p:spPr>
+          <a:xfrm>
+            <a:off x="6473544" y="933780"/>
+            <a:ext cx="4941572" cy="923330"/>
+          </a:xfrm>
+          <a:prstGeom prst="rect">
+            <a:avLst/>
+          </a:prstGeom>
+          <a:noFill/>
+        </p:spPr>
+        <p:txBody>
+          <a:bodyPr wrap="square" rtlCol="0">
+            <a:spAutoFit/>
+          </a:bodyPr>
+          <a:lstStyle/>
+          <a:p>
+            <a:r>
+              <a:rPr lang="en-US" dirty="0">
+                <a:solidFill>
+                  <a:schemeClr val="bg1"/>
+                </a:solidFill>
+                <a:latin typeface="Arial Rounded MT Bold" panose="020F0704030504030204" pitchFamily="34" charset="0"/>
+                <a:ea typeface="Verdana" panose="020B0604030504040204" pitchFamily="34" charset="0"/>
+              </a:rPr>
+              <a:t>JavaScript provides facility to validate the form on the client-side so data processing will be faster than server-side validation.</a:t>
+            </a:r>
+            <a:endParaRPr lang="en-US" dirty="0">
+              <a:solidFill>
+                <a:schemeClr val="bg1"/>
+              </a:solidFill>
+              <a:latin typeface="Arial Rounded MT Bold" panose="020F0704030504030204" pitchFamily="34" charset="0"/>
+              <a:ea typeface="Verdana" panose="020B0604030504040204" pitchFamily="34" charset="0"/>
+            </a:endParaRPr>
+          </a:p>
+        </p:txBody>
+      </p:sp>
+      <p:pic>
+        <p:nvPicPr>
+          <p:cNvPr id="14" name="Picture 13"/>
+          <p:cNvPicPr>
+            <a:picLocks noChangeAspect="1"/>
+          </p:cNvPicPr>
+          <p:nvPr/>
+        </p:nvPicPr>
+        <p:blipFill>
+          <a:blip r:embed="rId3">
+            <a:extLst>
+              <a:ext uri="{28A0092B-C50C-407E-A947-70E740481C1C}">
+                <a14:useLocalDpi xmlns:a14="http://schemas.microsoft.com/office/drawing/2010/main" val="0"/>
+              </a:ext>
+            </a:extLst>
+          </a:blip>
+          <a:stretch>
+            <a:fillRect/>
+          </a:stretch>
+        </p:blipFill>
+        <p:spPr>
+          <a:xfrm>
+            <a:off x="9977067" y="6013642"/>
+            <a:ext cx="1528148" cy="498987"/>
+          </a:xfrm>
+          <a:prstGeom prst="rect">
+            <a:avLst/>
+          </a:prstGeom>
+        </p:spPr>
+      </p:pic>
+    </p:spTree>
+  </p:cSld>
+  <p:clrMapOvr>
+    <a:masterClrMapping/>
+  </p:clrMapOvr>
+  <p:timing>
+    <p:tnLst>
+      <p:par>
+        <p:cTn id="1" dur="indefinite" restart="never" nodeType="tmRoot">
+          <p:childTnLst>
+            <p:seq concurrent="1" nextAc="seek">
+              <p:cTn id="2" dur="indefinite" nodeType="mainSeq">
+                <p:childTnLst>
+                  <p:par>
+                    <p:cTn id="3" fill="hold">
+                      <p:stCondLst>
+                        <p:cond delay="indefinite"/>
+                      </p:stCondLst>
+                      <p:childTnLst>
+                        <p:par>
+                          <p:cTn id="4" fill="hold">
+                            <p:stCondLst>
+                              <p:cond delay="0"/>
+                            </p:stCondLst>
+                            <p:childTnLst>
+                              <p:par>
+                                <p:cTn id="5" presetID="10" presetClass="entr" presetSubtype="0" fill="hold" nodeType="clickEffect">
+                                  <p:stCondLst>
+                                    <p:cond delay="0"/>
+                                  </p:stCondLst>
+                                  <p:childTnLst>
+                                    <p:set>
+                                      <p:cBhvr>
+                                        <p:cTn id="6" dur="1" fill="hold">
+                                          <p:stCondLst>
+                                            <p:cond delay="0"/>
+                                          </p:stCondLst>
+                                        </p:cTn>
+                                        <p:tgtEl>
+                                          <p:spTgt spid="9"/>
+                                        </p:tgtEl>
+                                        <p:attrNameLst>
+                                          <p:attrName>style.visibility</p:attrName>
+                                        </p:attrNameLst>
+                                      </p:cBhvr>
+                                      <p:to>
+                                        <p:strVal val="visible"/>
+                                      </p:to>
+                                    </p:set>
+                                    <p:animEffect transition="in" filter="fade">
+                                      <p:cBhvr>
+                                        <p:cTn id="7" dur="500"/>
+                                        <p:tgtEl>
+                                          <p:spTgt spid="9"/>
+                                        </p:tgtEl>
+                                      </p:cBhvr>
+                                    </p:animEffect>
+                                  </p:childTnLst>
+                                </p:cTn>
+                              </p:par>
+                            </p:childTnLst>
+                          </p:cTn>
+                        </p:par>
+                      </p:childTnLst>
+                    </p:cTn>
+                  </p:par>
+                  <p:par>
+                    <p:cTn id="8" fill="hold">
+                      <p:stCondLst>
+                        <p:cond delay="indefinite"/>
+                      </p:stCondLst>
+                      <p:childTnLst>
+                        <p:par>
+                          <p:cTn id="9" fill="hold">
+                            <p:stCondLst>
+                              <p:cond delay="0"/>
+                            </p:stCondLst>
+                            <p:childTnLst>
+                              <p:par>
+                                <p:cTn id="10" presetID="22" presetClass="entr" presetSubtype="4" fill="hold" nodeType="clickEffect">
+                                  <p:stCondLst>
+                                    <p:cond delay="0"/>
+                                  </p:stCondLst>
+                                  <p:childTnLst>
+                                    <p:set>
+                                      <p:cBhvr>
+                                        <p:cTn id="11" dur="1" fill="hold">
+                                          <p:stCondLst>
+                                            <p:cond delay="0"/>
+                                          </p:stCondLst>
+                                        </p:cTn>
+                                        <p:tgtEl>
+                                          <p:spTgt spid="10"/>
+                                        </p:tgtEl>
+                                        <p:attrNameLst>
+                                          <p:attrName>style.visibility</p:attrName>
+                                        </p:attrNameLst>
+                                      </p:cBhvr>
+                                      <p:to>
+                                        <p:strVal val="visible"/>
+                                      </p:to>
+                                    </p:set>
+                                    <p:animEffect transition="in" filter="wipe(down)">
+                                      <p:cBhvr>
+                                        <p:cTn id="12" dur="500"/>
+                                        <p:tgtEl>
+                                          <p:spTgt spid="10"/>
+                                        </p:tgtEl>
+                                      </p:cBhvr>
+                                    </p:animEffect>
+                                  </p:childTnLst>
+                                </p:cTn>
+                              </p:par>
+                            </p:childTnLst>
+                          </p:cTn>
+                        </p:par>
+                        <p:par>
+                          <p:cTn id="13" fill="hold">
+                            <p:stCondLst>
+                              <p:cond delay="500"/>
+                            </p:stCondLst>
+                            <p:childTnLst>
+                              <p:par>
+                                <p:cTn id="14" presetID="22" presetClass="entr" presetSubtype="8" fill="hold" nodeType="afterEffect">
+                                  <p:stCondLst>
+                                    <p:cond delay="0"/>
+                                  </p:stCondLst>
+                                  <p:childTnLst>
+                                    <p:set>
+                                      <p:cBhvr>
+                                        <p:cTn id="15" dur="1" fill="hold">
+                                          <p:stCondLst>
+                                            <p:cond delay="0"/>
+                                          </p:stCondLst>
+                                        </p:cTn>
+                                        <p:tgtEl>
+                                          <p:spTgt spid="11"/>
+                                        </p:tgtEl>
+                                        <p:attrNameLst>
+                                          <p:attrName>style.visibility</p:attrName>
+                                        </p:attrNameLst>
+                                      </p:cBhvr>
+                                      <p:to>
+                                        <p:strVal val="visible"/>
+                                      </p:to>
+                                    </p:set>
+                                    <p:animEffect transition="in" filter="wipe(left)">
+                                      <p:cBhvr>
+                                        <p:cTn id="16" dur="500"/>
+                                        <p:tgtEl>
+                                          <p:spTgt spid="11"/>
+                                        </p:tgtEl>
+                                      </p:cBhvr>
+                                    </p:animEffect>
+                                  </p:childTnLst>
+                                </p:cTn>
+                              </p:par>
+                            </p:childTnLst>
+                          </p:cTn>
+                        </p:par>
+                      </p:childTnLst>
+                    </p:cTn>
+                  </p:par>
+                  <p:par>
+                    <p:cTn id="17" fill="hold">
+                      <p:stCondLst>
+                        <p:cond delay="indefinite"/>
+                      </p:stCondLst>
+                      <p:childTnLst>
+                        <p:par>
+                          <p:cTn id="18" fill="hold">
+                            <p:stCondLst>
+                              <p:cond delay="0"/>
+                            </p:stCondLst>
+                            <p:childTnLst>
+                              <p:par>
+                                <p:cTn id="19" presetID="42" presetClass="entr" presetSubtype="0" fill="hold" nodeType="clickEffect">
+                                  <p:stCondLst>
+                                    <p:cond delay="0"/>
+                                  </p:stCondLst>
+                                  <p:childTnLst>
+                                    <p:set>
+                                      <p:cBhvr>
+                                        <p:cTn id="20" dur="1" fill="hold">
+                                          <p:stCondLst>
+                                            <p:cond delay="0"/>
+                                          </p:stCondLst>
+                                        </p:cTn>
+                                        <p:tgtEl>
+                                          <p:spTgt spid="12"/>
+                                        </p:tgtEl>
+                                        <p:attrNameLst>
+                                          <p:attrName>style.visibility</p:attrName>
+                                        </p:attrNameLst>
+                                      </p:cBhvr>
+                                      <p:to>
+                                        <p:strVal val="visible"/>
+                                      </p:to>
+                                    </p:set>
+                                    <p:animEffect transition="in" filter="fade">
+                                      <p:cBhvr>
+                                        <p:cTn id="21" dur="1000"/>
+                                        <p:tgtEl>
+                                          <p:spTgt spid="12"/>
+                                        </p:tgtEl>
+                                      </p:cBhvr>
+                                    </p:animEffect>
+                                    <p:anim calcmode="lin" valueType="num">
+                                      <p:cBhvr>
+                                        <p:cTn id="22" dur="1000" fill="hold"/>
+                                        <p:tgtEl>
+                                          <p:spTgt spid="12"/>
+                                        </p:tgtEl>
+                                        <p:attrNameLst>
+                                          <p:attrName>ppt_x</p:attrName>
+                                        </p:attrNameLst>
+                                      </p:cBhvr>
+                                      <p:tavLst>
+                                        <p:tav tm="0">
+                                          <p:val>
+                                            <p:strVal val="#ppt_x"/>
+                                          </p:val>
+                                        </p:tav>
+                                        <p:tav tm="100000">
+                                          <p:val>
+                                            <p:strVal val="#ppt_x"/>
+                                          </p:val>
+                                        </p:tav>
+                                      </p:tavLst>
+                                    </p:anim>
+                                    <p:anim calcmode="lin" valueType="num">
+                                      <p:cBhvr>
+                                        <p:cTn id="23" dur="1000" fill="hold"/>
+                                        <p:tgtEl>
+                                          <p:spTgt spid="12"/>
+                                        </p:tgtEl>
+                                        <p:attrNameLst>
+                                          <p:attrName>ppt_y</p:attrName>
+                                        </p:attrNameLst>
+                                      </p:cBhvr>
+                                      <p:tavLst>
+                                        <p:tav tm="0">
+                                          <p:val>
+                                            <p:strVal val="#ppt_y+.1"/>
+                                          </p:val>
+                                        </p:tav>
+                                        <p:tav tm="100000">
+                                          <p:val>
+                                            <p:strVal val="#ppt_y"/>
+                                          </p:val>
+                                        </p:tav>
+                                      </p:tavLst>
+                                    </p:anim>
+                                  </p:childTnLst>
+                                </p:cTn>
+                              </p:par>
+                              <p:par>
+                                <p:cTn id="24" presetID="42" presetClass="entr" presetSubtype="0" fill="hold" grpId="0" nodeType="withEffect">
+                                  <p:stCondLst>
+                                    <p:cond delay="0"/>
+                                  </p:stCondLst>
+                                  <p:childTnLst>
+                                    <p:set>
+                                      <p:cBhvr>
+                                        <p:cTn id="25" dur="1" fill="hold">
+                                          <p:stCondLst>
+                                            <p:cond delay="0"/>
+                                          </p:stCondLst>
+                                        </p:cTn>
+                                        <p:tgtEl>
+                                          <p:spTgt spid="13"/>
+                                        </p:tgtEl>
+                                        <p:attrNameLst>
+                                          <p:attrName>style.visibility</p:attrName>
+                                        </p:attrNameLst>
+                                      </p:cBhvr>
+                                      <p:to>
+                                        <p:strVal val="visible"/>
+                                      </p:to>
+                                    </p:set>
+                                    <p:animEffect transition="in" filter="fade">
+                                      <p:cBhvr>
+                                        <p:cTn id="26" dur="1000"/>
+                                        <p:tgtEl>
+                                          <p:spTgt spid="13"/>
+                                        </p:tgtEl>
+                                      </p:cBhvr>
+                                    </p:animEffect>
+                                    <p:anim calcmode="lin" valueType="num">
+                                      <p:cBhvr>
+                                        <p:cTn id="27" dur="1000" fill="hold"/>
+                                        <p:tgtEl>
+                                          <p:spTgt spid="13"/>
+                                        </p:tgtEl>
+                                        <p:attrNameLst>
+                                          <p:attrName>ppt_x</p:attrName>
+                                        </p:attrNameLst>
+                                      </p:cBhvr>
+                                      <p:tavLst>
+                                        <p:tav tm="0">
+                                          <p:val>
+                                            <p:strVal val="#ppt_x"/>
+                                          </p:val>
+                                        </p:tav>
+                                        <p:tav tm="100000">
+                                          <p:val>
+                                            <p:strVal val="#ppt_x"/>
+                                          </p:val>
+                                        </p:tav>
+                                      </p:tavLst>
+                                    </p:anim>
+                                    <p:anim calcmode="lin" valueType="num">
+                                      <p:cBhvr>
+                                        <p:cTn id="28" dur="1000" fill="hold"/>
+                                        <p:tgtEl>
+                                          <p:spTgt spid="13"/>
+                                        </p:tgtEl>
+                                        <p:attrNameLst>
+                                          <p:attrName>ppt_y</p:attrName>
+                                        </p:attrNameLst>
+                                      </p:cBhvr>
+                                      <p:tavLst>
+                                        <p:tav tm="0">
+                                          <p:val>
+                                            <p:strVal val="#ppt_y+.1"/>
+                                          </p:val>
+                                        </p:tav>
+                                        <p:tav tm="100000">
+                                          <p:val>
+                                            <p:strVal val="#ppt_y"/>
+                                          </p:val>
+                                        </p:tav>
+                                      </p:tavLst>
+                                    </p:anim>
+                                  </p:childTnLst>
+                                </p:cTn>
+                              </p:par>
+                            </p:childTnLst>
+                          </p:cTn>
+                        </p:par>
+                      </p:childTnLst>
+                    </p:cTn>
+                  </p:par>
+                </p:childTnLst>
+              </p:cTn>
+              <p:prevCondLst>
+                <p:cond evt="onPrev" delay="0">
+                  <p:tgtEl>
+                    <p:sldTgt/>
+                  </p:tgtEl>
+                </p:cond>
+              </p:prevCondLst>
+              <p:nextCondLst>
+                <p:cond evt="onNext" delay="0">
+                  <p:tgtEl>
+                    <p:sldTgt/>
+                  </p:tgtEl>
+                </p:cond>
+              </p:nextCondLst>
+            </p:seq>
+          </p:childTnLst>
+        </p:cTn>
+      </p:par>
+    </p:tnLst>
+    <p:bldLst>
+      <p:bldP spid="13" grpId="0"/>
     </p:bldLst>
   </p:timing>
 </p:sld>
@@ -14370,7 +10724,7 @@
     </a:clrScheme>
     <a:fontScheme name="Office">
       <a:majorFont>
-        <a:latin typeface="Calibri Light" panose="020F0302020204030204"/>
+        <a:latin typeface="Calibri Light"/>
         <a:ea typeface=""/>
         <a:cs typeface=""/>
         <a:font script="Jpan" typeface="游ゴシック Light"/>
@@ -14403,26 +10757,9 @@
         <a:font script="Viet" typeface="Times New Roman"/>
         <a:font script="Uigh" typeface="Microsoft Uighur"/>
         <a:font script="Geor" typeface="Sylfaen"/>
-        <a:font script="Armn" typeface="Arial"/>
-        <a:font script="Bugi" typeface="Leelawadee UI"/>
-        <a:font script="Bopo" typeface="Microsoft JhengHei"/>
-        <a:font script="Java" typeface="Javanese Text"/>
-        <a:font script="Lisu" typeface="Segoe UI"/>
-        <a:font script="Mymr" typeface="Myanmar Text"/>
-        <a:font script="Nkoo" typeface="Ebrima"/>
-        <a:font script="Olck" typeface="Nirmala UI"/>
-        <a:font script="Osma" typeface="Ebrima"/>
-        <a:font script="Phag" typeface="Phagspa"/>
-        <a:font script="Syrn" typeface="Estrangelo Edessa"/>
-        <a:font script="Syrj" typeface="Estrangelo Edessa"/>
-        <a:font script="Syre" typeface="Estrangelo Edessa"/>
-        <a:font script="Sora" typeface="Nirmala UI"/>
-        <a:font script="Tale" typeface="Microsoft Tai Le"/>
-        <a:font script="Talu" typeface="Microsoft New Tai Lue"/>
-        <a:font script="Tfng" typeface="Ebrima"/>
       </a:majorFont>
       <a:minorFont>
-        <a:latin typeface="Calibri" panose="020F0502020204030204"/>
+        <a:latin typeface="Calibri"/>
         <a:ea typeface=""/>
         <a:cs typeface=""/>
         <a:font script="Jpan" typeface="游ゴシック"/>
@@ -14455,23 +10792,6 @@
         <a:font script="Viet" typeface="Arial"/>
         <a:font script="Uigh" typeface="Microsoft Uighur"/>
         <a:font script="Geor" typeface="Sylfaen"/>
-        <a:font script="Armn" typeface="Arial"/>
-        <a:font script="Bugi" typeface="Leelawadee UI"/>
-        <a:font script="Bopo" typeface="Microsoft JhengHei"/>
-        <a:font script="Java" typeface="Javanese Text"/>
-        <a:font script="Lisu" typeface="Segoe UI"/>
-        <a:font script="Mymr" typeface="Myanmar Text"/>
-        <a:font script="Nkoo" typeface="Ebrima"/>
-        <a:font script="Olck" typeface="Nirmala UI"/>
-        <a:font script="Osma" typeface="Ebrima"/>
-        <a:font script="Phag" typeface="Phagspa"/>
-        <a:font script="Syrn" typeface="Estrangelo Edessa"/>
-        <a:font script="Syrj" typeface="Estrangelo Edessa"/>
-        <a:font script="Syre" typeface="Estrangelo Edessa"/>
-        <a:font script="Sora" typeface="Nirmala UI"/>
-        <a:font script="Tale" typeface="Microsoft Tai Le"/>
-        <a:font script="Talu" typeface="Microsoft New Tai Lue"/>
-        <a:font script="Tfng" typeface="Ebrima"/>
       </a:minorFont>
     </a:fontScheme>
     <a:fmtScheme name="Office">
@@ -14612,8 +10932,6 @@
       </a:bgFillStyleLst>
     </a:fmtScheme>
   </a:themeElements>
-  <a:objectDefaults/>
-  <a:extraClrSchemeLst/>
   <a:extLst>
     <a:ext uri="{05A4C25C-085E-4340-85A3-A5531E510DB2}">
       <thm15:themeFamily xmlns:thm15="http://schemas.microsoft.com/office/thememl/2012/main" name="Office Theme" id="{62F939B6-93AF-4DB8-9C6B-D6C7DFDC589F}" vid="{4A3C46E8-61CC-4603-A589-7422A47A8E4A}"/>
